--- a/Agri/SmartFarm.pptx
+++ b/Agri/SmartFarm.pptx
@@ -7,22 +7,21 @@
   <p:sldIdLst>
     <p:sldId id="256" r:id="rId2"/>
     <p:sldId id="258" r:id="rId3"/>
-    <p:sldId id="274" r:id="rId4"/>
-    <p:sldId id="259" r:id="rId5"/>
-    <p:sldId id="260" r:id="rId6"/>
-    <p:sldId id="264" r:id="rId7"/>
-    <p:sldId id="265" r:id="rId8"/>
-    <p:sldId id="266" r:id="rId9"/>
-    <p:sldId id="261" r:id="rId10"/>
+    <p:sldId id="259" r:id="rId4"/>
+    <p:sldId id="260" r:id="rId5"/>
+    <p:sldId id="264" r:id="rId6"/>
+    <p:sldId id="265" r:id="rId7"/>
+    <p:sldId id="266" r:id="rId8"/>
+    <p:sldId id="261" r:id="rId9"/>
+    <p:sldId id="273" r:id="rId10"/>
     <p:sldId id="267" r:id="rId11"/>
-    <p:sldId id="273" r:id="rId12"/>
-    <p:sldId id="268" r:id="rId13"/>
-    <p:sldId id="269" r:id="rId14"/>
-    <p:sldId id="270" r:id="rId15"/>
-    <p:sldId id="276" r:id="rId16"/>
-    <p:sldId id="271" r:id="rId17"/>
-    <p:sldId id="272" r:id="rId18"/>
-    <p:sldId id="263" r:id="rId19"/>
+    <p:sldId id="268" r:id="rId12"/>
+    <p:sldId id="269" r:id="rId13"/>
+    <p:sldId id="270" r:id="rId14"/>
+    <p:sldId id="276" r:id="rId15"/>
+    <p:sldId id="271" r:id="rId16"/>
+    <p:sldId id="272" r:id="rId17"/>
+    <p:sldId id="263" r:id="rId18"/>
   </p:sldIdLst>
   <p:sldSz cx="12192000" cy="6858000"/>
   <p:notesSz cx="6858000" cy="9144000"/>
@@ -315,7 +314,7 @@
           <a:p>
             <a:fld id="{4AAD347D-5ACD-4C99-B74B-A9C85AD731AF}" type="datetimeFigureOut">
               <a:rPr lang="en-US" dirty="0"/>
-              <a:t>7/6/2016</a:t>
+              <a:t>7/10/2016</a:t>
             </a:fld>
             <a:endParaRPr lang="en-US" dirty="0"/>
           </a:p>
@@ -585,7 +584,7 @@
           <a:p>
             <a:fld id="{4509A250-FF31-4206-8172-F9D3106AACB1}" type="datetimeFigureOut">
               <a:rPr lang="en-US" dirty="0"/>
-              <a:t>7/6/2016</a:t>
+              <a:t>7/10/2016</a:t>
             </a:fld>
             <a:endParaRPr lang="en-US" dirty="0"/>
           </a:p>
@@ -774,7 +773,7 @@
           <a:p>
             <a:fld id="{4509A250-FF31-4206-8172-F9D3106AACB1}" type="datetimeFigureOut">
               <a:rPr lang="en-US" dirty="0"/>
-              <a:t>7/6/2016</a:t>
+              <a:t>7/10/2016</a:t>
             </a:fld>
             <a:endParaRPr lang="en-US" dirty="0"/>
           </a:p>
@@ -1042,7 +1041,7 @@
           <a:p>
             <a:fld id="{4509A250-FF31-4206-8172-F9D3106AACB1}" type="datetimeFigureOut">
               <a:rPr lang="en-US" dirty="0"/>
-              <a:t>7/6/2016</a:t>
+              <a:t>7/10/2016</a:t>
             </a:fld>
             <a:endParaRPr lang="en-US" dirty="0"/>
           </a:p>
@@ -1378,7 +1377,7 @@
           <a:p>
             <a:fld id="{4509A250-FF31-4206-8172-F9D3106AACB1}" type="datetimeFigureOut">
               <a:rPr lang="en-US" dirty="0"/>
-              <a:t>7/6/2016</a:t>
+              <a:t>7/10/2016</a:t>
             </a:fld>
             <a:endParaRPr lang="en-US" dirty="0"/>
           </a:p>
@@ -1996,7 +1995,7 @@
           <a:p>
             <a:fld id="{4509A250-FF31-4206-8172-F9D3106AACB1}" type="datetimeFigureOut">
               <a:rPr lang="en-US" dirty="0"/>
-              <a:t>7/6/2016</a:t>
+              <a:t>7/10/2016</a:t>
             </a:fld>
             <a:endParaRPr lang="en-US" dirty="0"/>
           </a:p>
@@ -2851,7 +2850,7 @@
           <a:p>
             <a:fld id="{4509A250-FF31-4206-8172-F9D3106AACB1}" type="datetimeFigureOut">
               <a:rPr lang="en-US" dirty="0"/>
-              <a:t>7/6/2016</a:t>
+              <a:t>7/10/2016</a:t>
             </a:fld>
             <a:endParaRPr lang="en-US" dirty="0"/>
           </a:p>
@@ -3016,7 +3015,7 @@
           <a:p>
             <a:fld id="{4509A250-FF31-4206-8172-F9D3106AACB1}" type="datetimeFigureOut">
               <a:rPr lang="en-US" dirty="0"/>
-              <a:t>7/6/2016</a:t>
+              <a:t>7/10/2016</a:t>
             </a:fld>
             <a:endParaRPr lang="en-US" dirty="0"/>
           </a:p>
@@ -3191,7 +3190,7 @@
           <a:p>
             <a:fld id="{4509A250-FF31-4206-8172-F9D3106AACB1}" type="datetimeFigureOut">
               <a:rPr lang="en-US" dirty="0"/>
-              <a:t>7/6/2016</a:t>
+              <a:t>7/10/2016</a:t>
             </a:fld>
             <a:endParaRPr lang="en-US" dirty="0"/>
           </a:p>
@@ -3356,7 +3355,7 @@
           <a:p>
             <a:fld id="{4509A250-FF31-4206-8172-F9D3106AACB1}" type="datetimeFigureOut">
               <a:rPr lang="en-US" dirty="0"/>
-              <a:t>7/6/2016</a:t>
+              <a:t>7/10/2016</a:t>
             </a:fld>
             <a:endParaRPr lang="en-US" dirty="0"/>
           </a:p>
@@ -3598,7 +3597,7 @@
           <a:p>
             <a:fld id="{9796027F-7875-4030-9381-8BD8C4F21935}" type="datetimeFigureOut">
               <a:rPr lang="en-US" dirty="0"/>
-              <a:t>7/6/2016</a:t>
+              <a:t>7/10/2016</a:t>
             </a:fld>
             <a:endParaRPr lang="en-US" dirty="0"/>
           </a:p>
@@ -3885,7 +3884,7 @@
           <a:p>
             <a:fld id="{9796027F-7875-4030-9381-8BD8C4F21935}" type="datetimeFigureOut">
               <a:rPr lang="en-US" dirty="0"/>
-              <a:t>7/6/2016</a:t>
+              <a:t>7/10/2016</a:t>
             </a:fld>
             <a:endParaRPr lang="en-US" dirty="0"/>
           </a:p>
@@ -4324,7 +4323,7 @@
           <a:p>
             <a:fld id="{9796027F-7875-4030-9381-8BD8C4F21935}" type="datetimeFigureOut">
               <a:rPr lang="en-US" dirty="0"/>
-              <a:t>7/6/2016</a:t>
+              <a:t>7/10/2016</a:t>
             </a:fld>
             <a:endParaRPr lang="en-US" dirty="0"/>
           </a:p>
@@ -4437,7 +4436,7 @@
           <a:p>
             <a:fld id="{4509A250-FF31-4206-8172-F9D3106AACB1}" type="datetimeFigureOut">
               <a:rPr lang="en-US" dirty="0"/>
-              <a:t>7/6/2016</a:t>
+              <a:t>7/10/2016</a:t>
             </a:fld>
             <a:endParaRPr lang="en-US" dirty="0"/>
           </a:p>
@@ -4527,7 +4526,7 @@
           <a:p>
             <a:fld id="{4509A250-FF31-4206-8172-F9D3106AACB1}" type="datetimeFigureOut">
               <a:rPr lang="en-US" dirty="0"/>
-              <a:t>7/6/2016</a:t>
+              <a:t>7/10/2016</a:t>
             </a:fld>
             <a:endParaRPr lang="en-US" dirty="0"/>
           </a:p>
@@ -4801,7 +4800,7 @@
           <a:p>
             <a:fld id="{4509A250-FF31-4206-8172-F9D3106AACB1}" type="datetimeFigureOut">
               <a:rPr lang="en-US" dirty="0"/>
-              <a:t>7/6/2016</a:t>
+              <a:t>7/10/2016</a:t>
             </a:fld>
             <a:endParaRPr lang="en-US" dirty="0"/>
           </a:p>
@@ -5071,7 +5070,7 @@
           <a:p>
             <a:fld id="{4509A250-FF31-4206-8172-F9D3106AACB1}" type="datetimeFigureOut">
               <a:rPr lang="en-US" dirty="0"/>
-              <a:t>7/6/2016</a:t>
+              <a:t>7/10/2016</a:t>
             </a:fld>
             <a:endParaRPr lang="en-US" dirty="0"/>
           </a:p>
@@ -5495,7 +5494,7 @@
           <a:p>
             <a:fld id="{4AAD347D-5ACD-4C99-B74B-A9C85AD731AF}" type="datetimeFigureOut">
               <a:rPr lang="en-US" dirty="0"/>
-              <a:t>7/6/2016</a:t>
+              <a:t>7/10/2016</a:t>
             </a:fld>
             <a:endParaRPr lang="en-US" dirty="0"/>
           </a:p>
@@ -6241,8 +6240,11 @@
                   </a:schemeClr>
                 </a:solidFill>
               </a:rPr>
-              <a:t>Moisture </a:t>
-            </a:r>
+              <a:t>Moisture Sensor</a:t>
+            </a:r>
+          </a:p>
+          <a:p>
+            <a:pPr lvl="1" algn="just"/>
             <a:r>
               <a:rPr lang="en-US" sz="2200" dirty="0" smtClean="0">
                 <a:solidFill>
@@ -6252,7 +6254,7 @@
                   </a:schemeClr>
                 </a:solidFill>
               </a:rPr>
-              <a:t>Sensor</a:t>
+              <a:t>Switch</a:t>
             </a:r>
           </a:p>
           <a:p>
@@ -6266,7 +6268,21 @@
                   </a:schemeClr>
                 </a:solidFill>
               </a:rPr>
-              <a:t>Switch</a:t>
+              <a:t>Electro Magnetic Valve</a:t>
+            </a:r>
+          </a:p>
+          <a:p>
+            <a:pPr algn="just"/>
+            <a:r>
+              <a:rPr lang="en-US" sz="2400" dirty="0" smtClean="0">
+                <a:solidFill>
+                  <a:schemeClr val="accent3">
+                    <a:lumMod val="60000"/>
+                    <a:lumOff val="40000"/>
+                  </a:schemeClr>
+                </a:solidFill>
+              </a:rPr>
+              <a:t>Used for:</a:t>
             </a:r>
           </a:p>
           <a:p>
@@ -6280,8 +6296,11 @@
                   </a:schemeClr>
                 </a:solidFill>
               </a:rPr>
-              <a:t>Electro Magnetic </a:t>
-            </a:r>
+              <a:t>Moisture Maintenance </a:t>
+            </a:r>
+          </a:p>
+          <a:p>
+            <a:pPr lvl="1" algn="just"/>
             <a:r>
               <a:rPr lang="en-US" sz="2200" dirty="0" smtClean="0">
                 <a:solidFill>
@@ -6291,84 +6310,7 @@
                   </a:schemeClr>
                 </a:solidFill>
               </a:rPr>
-              <a:t>Valve</a:t>
-            </a:r>
-            <a:endParaRPr lang="en-US" sz="2200" dirty="0" smtClean="0">
-              <a:solidFill>
-                <a:schemeClr val="accent3">
-                  <a:lumMod val="60000"/>
-                  <a:lumOff val="40000"/>
-                </a:schemeClr>
-              </a:solidFill>
-            </a:endParaRPr>
-          </a:p>
-          <a:p>
-            <a:pPr algn="just"/>
-            <a:r>
-              <a:rPr lang="en-US" sz="2400" dirty="0" smtClean="0">
-                <a:solidFill>
-                  <a:schemeClr val="accent3">
-                    <a:lumMod val="60000"/>
-                    <a:lumOff val="40000"/>
-                  </a:schemeClr>
-                </a:solidFill>
-              </a:rPr>
-              <a:t>Used for:</a:t>
-            </a:r>
-            <a:endParaRPr lang="en-US" sz="2400" dirty="0" smtClean="0">
-              <a:solidFill>
-                <a:schemeClr val="accent3">
-                  <a:lumMod val="60000"/>
-                  <a:lumOff val="40000"/>
-                </a:schemeClr>
-              </a:solidFill>
-            </a:endParaRPr>
-          </a:p>
-          <a:p>
-            <a:pPr lvl="1" algn="just"/>
-            <a:r>
-              <a:rPr lang="en-US" sz="2200" dirty="0" smtClean="0">
-                <a:solidFill>
-                  <a:schemeClr val="accent3">
-                    <a:lumMod val="60000"/>
-                    <a:lumOff val="40000"/>
-                  </a:schemeClr>
-                </a:solidFill>
-              </a:rPr>
-              <a:t>Moisture Maintenance </a:t>
-            </a:r>
-            <a:endParaRPr lang="en-US" sz="2200" dirty="0" smtClean="0">
-              <a:solidFill>
-                <a:schemeClr val="accent3">
-                  <a:lumMod val="60000"/>
-                  <a:lumOff val="40000"/>
-                </a:schemeClr>
-              </a:solidFill>
-            </a:endParaRPr>
-          </a:p>
-          <a:p>
-            <a:pPr lvl="1" algn="just"/>
-            <a:r>
-              <a:rPr lang="en-US" sz="2200" dirty="0" smtClean="0">
-                <a:solidFill>
-                  <a:schemeClr val="accent3">
-                    <a:lumMod val="60000"/>
-                    <a:lumOff val="40000"/>
-                  </a:schemeClr>
-                </a:solidFill>
-              </a:rPr>
-              <a:t>Compatible </a:t>
-            </a:r>
-            <a:r>
-              <a:rPr lang="en-US" sz="2200" dirty="0" smtClean="0">
-                <a:solidFill>
-                  <a:schemeClr val="accent3">
-                    <a:lumMod val="60000"/>
-                    <a:lumOff val="40000"/>
-                  </a:schemeClr>
-                </a:solidFill>
-              </a:rPr>
-              <a:t>to all types of irrigation  </a:t>
+              <a:t>Compatible to all types of irrigation  </a:t>
             </a:r>
             <a:endParaRPr lang="en-US" sz="2200" dirty="0">
               <a:solidFill>
@@ -6428,6 +6370,2833 @@
             <p:ph type="title"/>
           </p:nvPr>
         </p:nvSpPr>
+        <p:spPr/>
+        <p:txBody>
+          <a:bodyPr/>
+          <a:lstStyle/>
+          <a:p>
+            <a:r>
+              <a:rPr lang="en-US" sz="3600" dirty="0" smtClean="0"/>
+              <a:t>Data </a:t>
+            </a:r>
+            <a:r>
+              <a:rPr lang="en-US" sz="3600" dirty="0"/>
+              <a:t>Analysis &amp; Prediction</a:t>
+            </a:r>
+            <a:r>
+              <a:rPr lang="en-US" sz="4000" dirty="0"/>
+              <a:t/>
+            </a:r>
+            <a:br>
+              <a:rPr lang="en-US" sz="4000" dirty="0"/>
+            </a:br>
+            <a:endParaRPr lang="en-US" sz="4000" dirty="0"/>
+          </a:p>
+        </p:txBody>
+      </p:sp>
+      <p:sp>
+        <p:nvSpPr>
+          <p:cNvPr id="3" name="Content Placeholder 2"/>
+          <p:cNvSpPr>
+            <a:spLocks noGrp="1"/>
+          </p:cNvSpPr>
+          <p:nvPr>
+            <p:ph idx="1"/>
+          </p:nvPr>
+        </p:nvSpPr>
+        <p:spPr>
+          <a:xfrm>
+            <a:off x="646112" y="2052918"/>
+            <a:ext cx="9403742" cy="4195481"/>
+          </a:xfrm>
+        </p:spPr>
+        <p:txBody>
+          <a:bodyPr>
+            <a:normAutofit/>
+          </a:bodyPr>
+          <a:lstStyle/>
+          <a:p>
+            <a:pPr algn="just"/>
+            <a:r>
+              <a:rPr lang="en-US" sz="2400" dirty="0" smtClean="0">
+                <a:solidFill>
+                  <a:schemeClr val="accent3">
+                    <a:lumMod val="60000"/>
+                    <a:lumOff val="40000"/>
+                  </a:schemeClr>
+                </a:solidFill>
+              </a:rPr>
+              <a:t>Based on the data collected from all the sources, several results can be drawn.</a:t>
+            </a:r>
+          </a:p>
+          <a:p>
+            <a:pPr algn="just"/>
+            <a:r>
+              <a:rPr lang="en-US" sz="2400" dirty="0" smtClean="0">
+                <a:solidFill>
+                  <a:schemeClr val="accent3">
+                    <a:lumMod val="60000"/>
+                    <a:lumOff val="40000"/>
+                  </a:schemeClr>
+                </a:solidFill>
+              </a:rPr>
+              <a:t>Analysis will be done for:</a:t>
+            </a:r>
+          </a:p>
+          <a:p>
+            <a:pPr lvl="1" algn="just"/>
+            <a:r>
+              <a:rPr lang="en-US" sz="2200" dirty="0" smtClean="0">
+                <a:solidFill>
+                  <a:schemeClr val="accent3">
+                    <a:lumMod val="60000"/>
+                    <a:lumOff val="40000"/>
+                  </a:schemeClr>
+                </a:solidFill>
+              </a:rPr>
+              <a:t>Water Consumption</a:t>
+            </a:r>
+          </a:p>
+          <a:p>
+            <a:pPr lvl="1" algn="just"/>
+            <a:r>
+              <a:rPr lang="en-US" sz="2200" dirty="0" smtClean="0">
+                <a:solidFill>
+                  <a:schemeClr val="accent3">
+                    <a:lumMod val="60000"/>
+                    <a:lumOff val="40000"/>
+                  </a:schemeClr>
+                </a:solidFill>
+              </a:rPr>
+              <a:t>Crop Properties</a:t>
+            </a:r>
+          </a:p>
+          <a:p>
+            <a:pPr lvl="1" algn="just"/>
+            <a:r>
+              <a:rPr lang="en-US" sz="2200" dirty="0" smtClean="0">
+                <a:solidFill>
+                  <a:schemeClr val="accent3">
+                    <a:lumMod val="60000"/>
+                    <a:lumOff val="40000"/>
+                  </a:schemeClr>
+                </a:solidFill>
+              </a:rPr>
+              <a:t>Crop Suggestions</a:t>
+            </a:r>
+            <a:endParaRPr lang="en-US" sz="2200" dirty="0">
+              <a:solidFill>
+                <a:schemeClr val="accent3">
+                  <a:lumMod val="60000"/>
+                  <a:lumOff val="40000"/>
+                </a:schemeClr>
+              </a:solidFill>
+            </a:endParaRPr>
+          </a:p>
+        </p:txBody>
+      </p:sp>
+    </p:spTree>
+    <p:extLst>
+      <p:ext uri="{BB962C8B-B14F-4D97-AF65-F5344CB8AC3E}">
+        <p14:creationId xmlns:p14="http://schemas.microsoft.com/office/powerpoint/2010/main" val="1336708275"/>
+      </p:ext>
+    </p:extLst>
+  </p:cSld>
+  <p:clrMapOvr>
+    <a:masterClrMapping/>
+  </p:clrMapOvr>
+  <p:timing>
+    <p:tnLst>
+      <p:par>
+        <p:cTn id="1" dur="indefinite" restart="never" nodeType="tmRoot"/>
+      </p:par>
+    </p:tnLst>
+  </p:timing>
+</p:sld>
+</file>
+
+<file path=ppt/slides/slide12.xml><?xml version="1.0" encoding="utf-8"?>
+<p:sld xmlns:a="http://schemas.openxmlformats.org/drawingml/2006/main" xmlns:r="http://schemas.openxmlformats.org/officeDocument/2006/relationships" xmlns:p="http://schemas.openxmlformats.org/presentationml/2006/main">
+  <p:cSld>
+    <p:spTree>
+      <p:nvGrpSpPr>
+        <p:cNvPr id="1" name=""/>
+        <p:cNvGrpSpPr/>
+        <p:nvPr/>
+      </p:nvGrpSpPr>
+      <p:grpSpPr>
+        <a:xfrm>
+          <a:off x="0" y="0"/>
+          <a:ext cx="0" cy="0"/>
+          <a:chOff x="0" y="0"/>
+          <a:chExt cx="0" cy="0"/>
+        </a:xfrm>
+      </p:grpSpPr>
+      <p:sp>
+        <p:nvSpPr>
+          <p:cNvPr id="2" name="Title 1"/>
+          <p:cNvSpPr>
+            <a:spLocks noGrp="1"/>
+          </p:cNvSpPr>
+          <p:nvPr>
+            <p:ph type="title"/>
+          </p:nvPr>
+        </p:nvSpPr>
+        <p:spPr/>
+        <p:txBody>
+          <a:bodyPr/>
+          <a:lstStyle/>
+          <a:p>
+            <a:r>
+              <a:rPr lang="en-US" sz="4000" dirty="0" smtClean="0"/>
+              <a:t>Warehouse Maintenance  </a:t>
+            </a:r>
+            <a:endParaRPr lang="en-US" sz="4000" dirty="0"/>
+          </a:p>
+        </p:txBody>
+      </p:sp>
+      <p:sp>
+        <p:nvSpPr>
+          <p:cNvPr id="3" name="Content Placeholder 2"/>
+          <p:cNvSpPr>
+            <a:spLocks noGrp="1"/>
+          </p:cNvSpPr>
+          <p:nvPr>
+            <p:ph idx="1"/>
+          </p:nvPr>
+        </p:nvSpPr>
+        <p:spPr>
+          <a:xfrm>
+            <a:off x="646112" y="2052918"/>
+            <a:ext cx="9403742" cy="4195481"/>
+          </a:xfrm>
+        </p:spPr>
+        <p:txBody>
+          <a:bodyPr>
+            <a:normAutofit/>
+          </a:bodyPr>
+          <a:lstStyle/>
+          <a:p>
+            <a:pPr algn="just"/>
+            <a:r>
+              <a:rPr lang="en-US" sz="2400" dirty="0">
+                <a:solidFill>
+                  <a:schemeClr val="accent3">
+                    <a:lumMod val="60000"/>
+                    <a:lumOff val="40000"/>
+                  </a:schemeClr>
+                </a:solidFill>
+              </a:rPr>
+              <a:t>Crops are to be maintained even after </a:t>
+            </a:r>
+            <a:r>
+              <a:rPr lang="en-US" sz="2400" dirty="0" smtClean="0">
+                <a:solidFill>
+                  <a:schemeClr val="accent3">
+                    <a:lumMod val="60000"/>
+                    <a:lumOff val="40000"/>
+                  </a:schemeClr>
+                </a:solidFill>
+              </a:rPr>
+              <a:t>harvesting.</a:t>
+            </a:r>
+          </a:p>
+          <a:p>
+            <a:pPr algn="just"/>
+            <a:r>
+              <a:rPr lang="en-US" sz="2400" dirty="0" smtClean="0">
+                <a:solidFill>
+                  <a:schemeClr val="accent3">
+                    <a:lumMod val="60000"/>
+                    <a:lumOff val="40000"/>
+                  </a:schemeClr>
+                </a:solidFill>
+              </a:rPr>
+              <a:t>Factors that can affect crops: </a:t>
+            </a:r>
+          </a:p>
+          <a:p>
+            <a:pPr lvl="1" algn="just"/>
+            <a:r>
+              <a:rPr lang="en-US" sz="2200" dirty="0" smtClean="0">
+                <a:solidFill>
+                  <a:schemeClr val="accent3">
+                    <a:lumMod val="60000"/>
+                    <a:lumOff val="40000"/>
+                  </a:schemeClr>
+                </a:solidFill>
+              </a:rPr>
+              <a:t>Humidity</a:t>
+            </a:r>
+          </a:p>
+          <a:p>
+            <a:pPr lvl="1" algn="just"/>
+            <a:r>
+              <a:rPr lang="en-US" sz="2200" dirty="0" smtClean="0">
+                <a:solidFill>
+                  <a:schemeClr val="accent3">
+                    <a:lumMod val="60000"/>
+                    <a:lumOff val="40000"/>
+                  </a:schemeClr>
+                </a:solidFill>
+              </a:rPr>
+              <a:t>Moisture</a:t>
+            </a:r>
+          </a:p>
+          <a:p>
+            <a:pPr lvl="1" algn="just"/>
+            <a:r>
+              <a:rPr lang="en-US" sz="2200" dirty="0" smtClean="0">
+                <a:solidFill>
+                  <a:schemeClr val="accent3">
+                    <a:lumMod val="60000"/>
+                    <a:lumOff val="40000"/>
+                  </a:schemeClr>
+                </a:solidFill>
+              </a:rPr>
+              <a:t>Temperature, etc.</a:t>
+            </a:r>
+          </a:p>
+          <a:p>
+            <a:pPr algn="just"/>
+            <a:r>
+              <a:rPr lang="en-US" sz="2400" dirty="0" smtClean="0">
+                <a:solidFill>
+                  <a:schemeClr val="accent3">
+                    <a:lumMod val="60000"/>
+                    <a:lumOff val="40000"/>
+                  </a:schemeClr>
+                </a:solidFill>
+              </a:rPr>
+              <a:t>Devices used for keeping check on them:</a:t>
+            </a:r>
+          </a:p>
+          <a:p>
+            <a:pPr lvl="1" algn="just"/>
+            <a:r>
+              <a:rPr lang="en-US" sz="2200" dirty="0">
+                <a:solidFill>
+                  <a:schemeClr val="accent3">
+                    <a:lumMod val="60000"/>
+                    <a:lumOff val="40000"/>
+                  </a:schemeClr>
+                </a:solidFill>
+              </a:rPr>
+              <a:t>Temperature Sensor</a:t>
+            </a:r>
+          </a:p>
+          <a:p>
+            <a:pPr lvl="1" algn="just"/>
+            <a:r>
+              <a:rPr lang="en-US" sz="2200" dirty="0" smtClean="0">
+                <a:solidFill>
+                  <a:schemeClr val="accent3">
+                    <a:lumMod val="60000"/>
+                    <a:lumOff val="40000"/>
+                  </a:schemeClr>
+                </a:solidFill>
+              </a:rPr>
+              <a:t>Alarm etc.</a:t>
+            </a:r>
+            <a:endParaRPr lang="en-US" sz="2200" dirty="0">
+              <a:solidFill>
+                <a:schemeClr val="accent3">
+                  <a:lumMod val="60000"/>
+                  <a:lumOff val="40000"/>
+                </a:schemeClr>
+              </a:solidFill>
+            </a:endParaRPr>
+          </a:p>
+        </p:txBody>
+      </p:sp>
+    </p:spTree>
+    <p:extLst>
+      <p:ext uri="{BB962C8B-B14F-4D97-AF65-F5344CB8AC3E}">
+        <p14:creationId xmlns:p14="http://schemas.microsoft.com/office/powerpoint/2010/main" val="1190211854"/>
+      </p:ext>
+    </p:extLst>
+  </p:cSld>
+  <p:clrMapOvr>
+    <a:masterClrMapping/>
+  </p:clrMapOvr>
+  <p:timing>
+    <p:tnLst>
+      <p:par>
+        <p:cTn id="1" dur="indefinite" restart="never" nodeType="tmRoot"/>
+      </p:par>
+    </p:tnLst>
+  </p:timing>
+</p:sld>
+</file>
+
+<file path=ppt/slides/slide13.xml><?xml version="1.0" encoding="utf-8"?>
+<p:sld xmlns:a="http://schemas.openxmlformats.org/drawingml/2006/main" xmlns:r="http://schemas.openxmlformats.org/officeDocument/2006/relationships" xmlns:p="http://schemas.openxmlformats.org/presentationml/2006/main">
+  <p:cSld>
+    <p:spTree>
+      <p:nvGrpSpPr>
+        <p:cNvPr id="1" name=""/>
+        <p:cNvGrpSpPr/>
+        <p:nvPr/>
+      </p:nvGrpSpPr>
+      <p:grpSpPr>
+        <a:xfrm>
+          <a:off x="0" y="0"/>
+          <a:ext cx="0" cy="0"/>
+          <a:chOff x="0" y="0"/>
+          <a:chExt cx="0" cy="0"/>
+        </a:xfrm>
+      </p:grpSpPr>
+      <p:sp>
+        <p:nvSpPr>
+          <p:cNvPr id="2" name="Title 1"/>
+          <p:cNvSpPr>
+            <a:spLocks noGrp="1"/>
+          </p:cNvSpPr>
+          <p:nvPr>
+            <p:ph type="title"/>
+          </p:nvPr>
+        </p:nvSpPr>
+        <p:spPr/>
+        <p:txBody>
+          <a:bodyPr/>
+          <a:lstStyle/>
+          <a:p>
+            <a:r>
+              <a:rPr lang="en-US" dirty="0" smtClean="0"/>
+              <a:t>Android App</a:t>
+            </a:r>
+            <a:endParaRPr lang="en-US" dirty="0"/>
+          </a:p>
+        </p:txBody>
+      </p:sp>
+      <p:sp>
+        <p:nvSpPr>
+          <p:cNvPr id="3" name="Content Placeholder 2"/>
+          <p:cNvSpPr>
+            <a:spLocks noGrp="1"/>
+          </p:cNvSpPr>
+          <p:nvPr>
+            <p:ph idx="1"/>
+          </p:nvPr>
+        </p:nvSpPr>
+        <p:spPr>
+          <a:xfrm>
+            <a:off x="646112" y="2052918"/>
+            <a:ext cx="9403742" cy="4195481"/>
+          </a:xfrm>
+        </p:spPr>
+        <p:txBody>
+          <a:bodyPr>
+            <a:normAutofit/>
+          </a:bodyPr>
+          <a:lstStyle/>
+          <a:p>
+            <a:pPr algn="just"/>
+            <a:r>
+              <a:rPr lang="en-US" sz="2400" dirty="0" smtClean="0">
+                <a:solidFill>
+                  <a:schemeClr val="accent3">
+                    <a:lumMod val="60000"/>
+                    <a:lumOff val="40000"/>
+                  </a:schemeClr>
+                </a:solidFill>
+              </a:rPr>
+              <a:t>It will the interface between farmer and our system.</a:t>
+            </a:r>
+          </a:p>
+          <a:p>
+            <a:pPr algn="just"/>
+            <a:r>
+              <a:rPr lang="en-US" sz="2400" dirty="0">
+                <a:solidFill>
+                  <a:schemeClr val="accent3">
+                    <a:lumMod val="60000"/>
+                    <a:lumOff val="40000"/>
+                  </a:schemeClr>
+                </a:solidFill>
+              </a:rPr>
+              <a:t>Features Provided:</a:t>
+            </a:r>
+          </a:p>
+          <a:p>
+            <a:pPr marL="914400" lvl="1" indent="-457200" algn="just">
+              <a:buFont typeface="+mj-lt"/>
+              <a:buAutoNum type="arabicPeriod"/>
+            </a:pPr>
+            <a:r>
+              <a:rPr lang="en-US" sz="2200" dirty="0">
+                <a:solidFill>
+                  <a:schemeClr val="accent3">
+                    <a:lumMod val="60000"/>
+                    <a:lumOff val="40000"/>
+                  </a:schemeClr>
+                </a:solidFill>
+              </a:rPr>
+              <a:t>Crop Suggestions: Helps farmer to decide which crop will be best based on the analysis done.</a:t>
+            </a:r>
+          </a:p>
+          <a:p>
+            <a:pPr marL="914400" lvl="1" indent="-457200" algn="just">
+              <a:buFont typeface="+mj-lt"/>
+              <a:buAutoNum type="arabicPeriod"/>
+            </a:pPr>
+            <a:r>
+              <a:rPr lang="en-US" sz="2200" dirty="0">
+                <a:solidFill>
+                  <a:schemeClr val="accent3">
+                    <a:lumMod val="60000"/>
+                    <a:lumOff val="40000"/>
+                  </a:schemeClr>
+                </a:solidFill>
+              </a:rPr>
+              <a:t>Crop Selection: Used to notify new crop planted.</a:t>
+            </a:r>
+          </a:p>
+          <a:p>
+            <a:pPr marL="914400" lvl="1" indent="-457200" algn="just">
+              <a:buFont typeface="+mj-lt"/>
+              <a:buAutoNum type="arabicPeriod"/>
+            </a:pPr>
+            <a:r>
+              <a:rPr lang="en-US" sz="2200" dirty="0">
+                <a:solidFill>
+                  <a:schemeClr val="accent3">
+                    <a:lumMod val="60000"/>
+                    <a:lumOff val="40000"/>
+                  </a:schemeClr>
+                </a:solidFill>
+              </a:rPr>
+              <a:t>Pest Control: A control switch which can spray pesticides</a:t>
+            </a:r>
+            <a:r>
+              <a:rPr lang="en-US" sz="2200" dirty="0" smtClean="0">
+                <a:solidFill>
+                  <a:schemeClr val="accent3">
+                    <a:lumMod val="60000"/>
+                    <a:lumOff val="40000"/>
+                  </a:schemeClr>
+                </a:solidFill>
+              </a:rPr>
+              <a:t>.</a:t>
+            </a:r>
+            <a:endParaRPr lang="en-US" sz="2400" dirty="0" smtClean="0">
+              <a:solidFill>
+                <a:schemeClr val="accent3">
+                  <a:lumMod val="60000"/>
+                  <a:lumOff val="40000"/>
+                </a:schemeClr>
+              </a:solidFill>
+            </a:endParaRPr>
+          </a:p>
+        </p:txBody>
+      </p:sp>
+    </p:spTree>
+    <p:extLst>
+      <p:ext uri="{BB962C8B-B14F-4D97-AF65-F5344CB8AC3E}">
+        <p14:creationId xmlns:p14="http://schemas.microsoft.com/office/powerpoint/2010/main" val="3235319983"/>
+      </p:ext>
+    </p:extLst>
+  </p:cSld>
+  <p:clrMapOvr>
+    <a:masterClrMapping/>
+  </p:clrMapOvr>
+  <p:timing>
+    <p:tnLst>
+      <p:par>
+        <p:cTn id="1" dur="indefinite" restart="never" nodeType="tmRoot"/>
+      </p:par>
+    </p:tnLst>
+  </p:timing>
+</p:sld>
+</file>
+
+<file path=ppt/slides/slide14.xml><?xml version="1.0" encoding="utf-8"?>
+<p:sld xmlns:a="http://schemas.openxmlformats.org/drawingml/2006/main" xmlns:r="http://schemas.openxmlformats.org/officeDocument/2006/relationships" xmlns:p="http://schemas.openxmlformats.org/presentationml/2006/main">
+  <p:cSld>
+    <p:spTree>
+      <p:nvGrpSpPr>
+        <p:cNvPr id="1" name=""/>
+        <p:cNvGrpSpPr/>
+        <p:nvPr/>
+      </p:nvGrpSpPr>
+      <p:grpSpPr>
+        <a:xfrm>
+          <a:off x="0" y="0"/>
+          <a:ext cx="0" cy="0"/>
+          <a:chOff x="0" y="0"/>
+          <a:chExt cx="0" cy="0"/>
+        </a:xfrm>
+      </p:grpSpPr>
+      <p:sp>
+        <p:nvSpPr>
+          <p:cNvPr id="2" name="Title 1"/>
+          <p:cNvSpPr>
+            <a:spLocks noGrp="1"/>
+          </p:cNvSpPr>
+          <p:nvPr>
+            <p:ph type="title"/>
+          </p:nvPr>
+        </p:nvSpPr>
+        <p:spPr/>
+        <p:txBody>
+          <a:bodyPr/>
+          <a:lstStyle/>
+          <a:p>
+            <a:r>
+              <a:rPr lang="en-US" dirty="0" smtClean="0"/>
+              <a:t>Website</a:t>
+            </a:r>
+            <a:endParaRPr lang="en-US" dirty="0"/>
+          </a:p>
+        </p:txBody>
+      </p:sp>
+      <p:sp>
+        <p:nvSpPr>
+          <p:cNvPr id="3" name="Content Placeholder 2"/>
+          <p:cNvSpPr>
+            <a:spLocks noGrp="1"/>
+          </p:cNvSpPr>
+          <p:nvPr>
+            <p:ph idx="1"/>
+          </p:nvPr>
+        </p:nvSpPr>
+        <p:spPr>
+          <a:xfrm>
+            <a:off x="646112" y="2052918"/>
+            <a:ext cx="9403742" cy="4195481"/>
+          </a:xfrm>
+        </p:spPr>
+        <p:txBody>
+          <a:bodyPr>
+            <a:normAutofit/>
+          </a:bodyPr>
+          <a:lstStyle/>
+          <a:p>
+            <a:pPr algn="just"/>
+            <a:r>
+              <a:rPr lang="en-US" sz="2400" dirty="0" smtClean="0">
+                <a:solidFill>
+                  <a:schemeClr val="accent3">
+                    <a:lumMod val="60000"/>
+                    <a:lumOff val="40000"/>
+                  </a:schemeClr>
+                </a:solidFill>
+              </a:rPr>
+              <a:t>It will be the 2</a:t>
+            </a:r>
+            <a:r>
+              <a:rPr lang="en-US" sz="2400" baseline="30000" dirty="0" smtClean="0">
+                <a:solidFill>
+                  <a:schemeClr val="accent3">
+                    <a:lumMod val="60000"/>
+                    <a:lumOff val="40000"/>
+                  </a:schemeClr>
+                </a:solidFill>
+              </a:rPr>
+              <a:t>nd</a:t>
+            </a:r>
+            <a:r>
+              <a:rPr lang="en-US" sz="2400" dirty="0" smtClean="0">
+                <a:solidFill>
+                  <a:schemeClr val="accent3">
+                    <a:lumMod val="60000"/>
+                    <a:lumOff val="40000"/>
+                  </a:schemeClr>
+                </a:solidFill>
+              </a:rPr>
+              <a:t> interface but not specifically for farmer.</a:t>
+            </a:r>
+          </a:p>
+          <a:p>
+            <a:pPr algn="just"/>
+            <a:r>
+              <a:rPr lang="en-US" sz="2400" dirty="0">
+                <a:solidFill>
+                  <a:schemeClr val="accent3">
+                    <a:lumMod val="60000"/>
+                    <a:lumOff val="40000"/>
+                  </a:schemeClr>
+                </a:solidFill>
+              </a:rPr>
+              <a:t>Features Provided:</a:t>
+            </a:r>
+          </a:p>
+          <a:p>
+            <a:pPr marL="914400" lvl="1" indent="-457200" algn="just">
+              <a:buFont typeface="+mj-lt"/>
+              <a:buAutoNum type="arabicPeriod"/>
+            </a:pPr>
+            <a:r>
+              <a:rPr lang="en-US" sz="2200" dirty="0" smtClean="0">
+                <a:solidFill>
+                  <a:schemeClr val="accent3">
+                    <a:lumMod val="60000"/>
+                    <a:lumOff val="40000"/>
+                  </a:schemeClr>
+                </a:solidFill>
+              </a:rPr>
+              <a:t>All graphs showing the result of analysis.</a:t>
+            </a:r>
+            <a:endParaRPr lang="en-US" sz="2200" dirty="0">
+              <a:solidFill>
+                <a:schemeClr val="accent3">
+                  <a:lumMod val="60000"/>
+                  <a:lumOff val="40000"/>
+                </a:schemeClr>
+              </a:solidFill>
+            </a:endParaRPr>
+          </a:p>
+          <a:p>
+            <a:pPr marL="914400" lvl="1" indent="-457200" algn="just">
+              <a:buFont typeface="+mj-lt"/>
+              <a:buAutoNum type="arabicPeriod"/>
+            </a:pPr>
+            <a:r>
+              <a:rPr lang="en-US" sz="2200" dirty="0" smtClean="0">
+                <a:solidFill>
+                  <a:schemeClr val="accent3">
+                    <a:lumMod val="60000"/>
+                    <a:lumOff val="40000"/>
+                  </a:schemeClr>
+                </a:solidFill>
+              </a:rPr>
+              <a:t>APIs</a:t>
+            </a:r>
+            <a:endParaRPr lang="en-US" sz="2200" dirty="0">
+              <a:solidFill>
+                <a:schemeClr val="accent3">
+                  <a:lumMod val="60000"/>
+                  <a:lumOff val="40000"/>
+                </a:schemeClr>
+              </a:solidFill>
+            </a:endParaRPr>
+          </a:p>
+        </p:txBody>
+      </p:sp>
+    </p:spTree>
+    <p:extLst>
+      <p:ext uri="{BB962C8B-B14F-4D97-AF65-F5344CB8AC3E}">
+        <p14:creationId xmlns:p14="http://schemas.microsoft.com/office/powerpoint/2010/main" val="2233745525"/>
+      </p:ext>
+    </p:extLst>
+  </p:cSld>
+  <p:clrMapOvr>
+    <a:masterClrMapping/>
+  </p:clrMapOvr>
+  <p:timing>
+    <p:tnLst>
+      <p:par>
+        <p:cTn id="1" dur="indefinite" restart="never" nodeType="tmRoot"/>
+      </p:par>
+    </p:tnLst>
+  </p:timing>
+</p:sld>
+</file>
+
+<file path=ppt/slides/slide15.xml><?xml version="1.0" encoding="utf-8"?>
+<p:sld xmlns:a="http://schemas.openxmlformats.org/drawingml/2006/main" xmlns:r="http://schemas.openxmlformats.org/officeDocument/2006/relationships" xmlns:p="http://schemas.openxmlformats.org/presentationml/2006/main">
+  <p:cSld>
+    <p:spTree>
+      <p:nvGrpSpPr>
+        <p:cNvPr id="1" name=""/>
+        <p:cNvGrpSpPr/>
+        <p:nvPr/>
+      </p:nvGrpSpPr>
+      <p:grpSpPr>
+        <a:xfrm>
+          <a:off x="0" y="0"/>
+          <a:ext cx="0" cy="0"/>
+          <a:chOff x="0" y="0"/>
+          <a:chExt cx="0" cy="0"/>
+        </a:xfrm>
+      </p:grpSpPr>
+      <p:sp>
+        <p:nvSpPr>
+          <p:cNvPr id="2" name="Title 1"/>
+          <p:cNvSpPr>
+            <a:spLocks noGrp="1"/>
+          </p:cNvSpPr>
+          <p:nvPr>
+            <p:ph type="title"/>
+          </p:nvPr>
+        </p:nvSpPr>
+        <p:spPr/>
+        <p:txBody>
+          <a:bodyPr/>
+          <a:lstStyle/>
+          <a:p>
+            <a:r>
+              <a:rPr lang="en-US" dirty="0" smtClean="0"/>
+              <a:t>Conclusion</a:t>
+            </a:r>
+            <a:endParaRPr lang="en-US" dirty="0"/>
+          </a:p>
+        </p:txBody>
+      </p:sp>
+      <p:sp>
+        <p:nvSpPr>
+          <p:cNvPr id="3" name="Content Placeholder 2"/>
+          <p:cNvSpPr>
+            <a:spLocks noGrp="1"/>
+          </p:cNvSpPr>
+          <p:nvPr>
+            <p:ph idx="1"/>
+          </p:nvPr>
+        </p:nvSpPr>
+        <p:spPr>
+          <a:xfrm>
+            <a:off x="646112" y="2052919"/>
+            <a:ext cx="9403742" cy="3789082"/>
+          </a:xfrm>
+        </p:spPr>
+        <p:txBody>
+          <a:bodyPr>
+            <a:normAutofit/>
+          </a:bodyPr>
+          <a:lstStyle/>
+          <a:p>
+            <a:r>
+              <a:rPr lang="en-US" sz="2400" dirty="0" smtClean="0">
+                <a:solidFill>
+                  <a:schemeClr val="accent3">
+                    <a:lumMod val="60000"/>
+                    <a:lumOff val="40000"/>
+                  </a:schemeClr>
+                </a:solidFill>
+              </a:rPr>
+              <a:t>Some Facts to conclude:</a:t>
+            </a:r>
+          </a:p>
+          <a:p>
+            <a:pPr lvl="1"/>
+            <a:r>
+              <a:rPr lang="en-US" sz="2200" dirty="0" smtClean="0">
+                <a:solidFill>
+                  <a:schemeClr val="accent3">
+                    <a:lumMod val="60000"/>
+                    <a:lumOff val="40000"/>
+                  </a:schemeClr>
+                </a:solidFill>
+              </a:rPr>
+              <a:t>Approximately 1.4 Million KM</a:t>
+            </a:r>
+            <a:r>
+              <a:rPr lang="en-US" sz="2200" baseline="30000" dirty="0" smtClean="0">
+                <a:solidFill>
+                  <a:schemeClr val="accent3">
+                    <a:lumMod val="60000"/>
+                    <a:lumOff val="40000"/>
+                  </a:schemeClr>
+                </a:solidFill>
+              </a:rPr>
+              <a:t>2 </a:t>
+            </a:r>
+            <a:r>
+              <a:rPr lang="en-US" sz="2200" dirty="0" smtClean="0">
+                <a:solidFill>
+                  <a:schemeClr val="accent3">
+                    <a:lumMod val="60000"/>
+                    <a:lumOff val="40000"/>
+                  </a:schemeClr>
+                </a:solidFill>
+              </a:rPr>
+              <a:t> area is under cultivation </a:t>
+            </a:r>
+          </a:p>
+          <a:p>
+            <a:pPr lvl="1"/>
+            <a:r>
+              <a:rPr lang="en-US" sz="2200" dirty="0" smtClean="0">
+                <a:solidFill>
+                  <a:schemeClr val="accent3">
+                    <a:lumMod val="60000"/>
+                    <a:lumOff val="40000"/>
+                  </a:schemeClr>
+                </a:solidFill>
+              </a:rPr>
+              <a:t>Fifth part of total water consumption is for agriculture</a:t>
+            </a:r>
+          </a:p>
+          <a:p>
+            <a:pPr lvl="1"/>
+            <a:r>
+              <a:rPr lang="en-US" sz="2200" dirty="0" smtClean="0">
+                <a:solidFill>
+                  <a:schemeClr val="accent3">
+                    <a:lumMod val="60000"/>
+                    <a:lumOff val="40000"/>
+                  </a:schemeClr>
+                </a:solidFill>
+              </a:rPr>
+              <a:t>For that 80% of ground water is used from total ground water consumption </a:t>
+            </a:r>
+            <a:endParaRPr lang="en-US" sz="2200" dirty="0">
+              <a:solidFill>
+                <a:schemeClr val="accent3">
+                  <a:lumMod val="60000"/>
+                  <a:lumOff val="40000"/>
+                </a:schemeClr>
+              </a:solidFill>
+            </a:endParaRPr>
+          </a:p>
+          <a:p>
+            <a:pPr marL="342900" lvl="1" indent="-342900"/>
+            <a:r>
+              <a:rPr lang="en-US" sz="2200" dirty="0" smtClean="0">
+                <a:solidFill>
+                  <a:schemeClr val="accent3">
+                    <a:lumMod val="60000"/>
+                    <a:lumOff val="40000"/>
+                  </a:schemeClr>
+                </a:solidFill>
+              </a:rPr>
+              <a:t>One step towards improvement in these </a:t>
+            </a:r>
+            <a:r>
+              <a:rPr lang="en-US" sz="2200" dirty="0">
+                <a:solidFill>
+                  <a:schemeClr val="accent3">
+                    <a:lumMod val="60000"/>
+                    <a:lumOff val="40000"/>
+                  </a:schemeClr>
+                </a:solidFill>
+              </a:rPr>
+              <a:t>vital </a:t>
+            </a:r>
+            <a:r>
+              <a:rPr lang="en-US" sz="2200" dirty="0" smtClean="0">
+                <a:solidFill>
+                  <a:schemeClr val="accent3">
+                    <a:lumMod val="60000"/>
+                    <a:lumOff val="40000"/>
+                  </a:schemeClr>
+                </a:solidFill>
+              </a:rPr>
+              <a:t>things </a:t>
+            </a:r>
+          </a:p>
+          <a:p>
+            <a:pPr marL="342900" lvl="1" indent="-342900"/>
+            <a:r>
+              <a:rPr lang="en-US" sz="2200" dirty="0" smtClean="0">
+                <a:solidFill>
+                  <a:schemeClr val="accent3">
+                    <a:lumMod val="60000"/>
+                    <a:lumOff val="40000"/>
+                  </a:schemeClr>
+                </a:solidFill>
+              </a:rPr>
+              <a:t>Moreover Ease and automation for farmers</a:t>
+            </a:r>
+          </a:p>
+          <a:p>
+            <a:pPr marL="342900" lvl="1" indent="-342900"/>
+            <a:endParaRPr lang="en-US" sz="2200" dirty="0" smtClean="0">
+              <a:solidFill>
+                <a:schemeClr val="accent3">
+                  <a:lumMod val="60000"/>
+                  <a:lumOff val="40000"/>
+                </a:schemeClr>
+              </a:solidFill>
+            </a:endParaRPr>
+          </a:p>
+        </p:txBody>
+      </p:sp>
+    </p:spTree>
+    <p:extLst>
+      <p:ext uri="{BB962C8B-B14F-4D97-AF65-F5344CB8AC3E}">
+        <p14:creationId xmlns:p14="http://schemas.microsoft.com/office/powerpoint/2010/main" val="1397114156"/>
+      </p:ext>
+    </p:extLst>
+  </p:cSld>
+  <p:clrMapOvr>
+    <a:masterClrMapping/>
+  </p:clrMapOvr>
+  <p:timing>
+    <p:tnLst>
+      <p:par>
+        <p:cTn id="1" dur="indefinite" restart="never" nodeType="tmRoot"/>
+      </p:par>
+    </p:tnLst>
+  </p:timing>
+</p:sld>
+</file>
+
+<file path=ppt/slides/slide16.xml><?xml version="1.0" encoding="utf-8"?>
+<p:sld xmlns:a="http://schemas.openxmlformats.org/drawingml/2006/main" xmlns:r="http://schemas.openxmlformats.org/officeDocument/2006/relationships" xmlns:p="http://schemas.openxmlformats.org/presentationml/2006/main">
+  <p:cSld>
+    <p:spTree>
+      <p:nvGrpSpPr>
+        <p:cNvPr id="1" name=""/>
+        <p:cNvGrpSpPr/>
+        <p:nvPr/>
+      </p:nvGrpSpPr>
+      <p:grpSpPr>
+        <a:xfrm>
+          <a:off x="0" y="0"/>
+          <a:ext cx="0" cy="0"/>
+          <a:chOff x="0" y="0"/>
+          <a:chExt cx="0" cy="0"/>
+        </a:xfrm>
+      </p:grpSpPr>
+      <p:sp>
+        <p:nvSpPr>
+          <p:cNvPr id="2" name="Title 1"/>
+          <p:cNvSpPr>
+            <a:spLocks noGrp="1"/>
+          </p:cNvSpPr>
+          <p:nvPr>
+            <p:ph type="title"/>
+          </p:nvPr>
+        </p:nvSpPr>
+        <p:spPr/>
+        <p:txBody>
+          <a:bodyPr/>
+          <a:lstStyle/>
+          <a:p>
+            <a:r>
+              <a:rPr lang="en-US" dirty="0" smtClean="0"/>
+              <a:t>References</a:t>
+            </a:r>
+            <a:endParaRPr lang="en-US" dirty="0"/>
+          </a:p>
+        </p:txBody>
+      </p:sp>
+      <p:sp>
+        <p:nvSpPr>
+          <p:cNvPr id="3" name="Content Placeholder 2"/>
+          <p:cNvSpPr>
+            <a:spLocks noGrp="1"/>
+          </p:cNvSpPr>
+          <p:nvPr>
+            <p:ph idx="1"/>
+          </p:nvPr>
+        </p:nvSpPr>
+        <p:spPr>
+          <a:xfrm>
+            <a:off x="646112" y="2052918"/>
+            <a:ext cx="9403742" cy="4195481"/>
+          </a:xfrm>
+        </p:spPr>
+        <p:txBody>
+          <a:bodyPr>
+            <a:normAutofit/>
+          </a:bodyPr>
+          <a:lstStyle/>
+          <a:p>
+            <a:r>
+              <a:rPr lang="en-US" sz="2400" dirty="0">
+                <a:solidFill>
+                  <a:schemeClr val="accent3">
+                    <a:lumMod val="60000"/>
+                    <a:lumOff val="40000"/>
+                  </a:schemeClr>
+                </a:solidFill>
+                <a:hlinkClick r:id="rId2"/>
+              </a:rPr>
+              <a:t>https://</a:t>
+            </a:r>
+            <a:r>
+              <a:rPr lang="en-US" sz="2400" dirty="0" smtClean="0">
+                <a:solidFill>
+                  <a:schemeClr val="accent3">
+                    <a:lumMod val="60000"/>
+                    <a:lumOff val="40000"/>
+                  </a:schemeClr>
+                </a:solidFill>
+                <a:hlinkClick r:id="rId2"/>
+              </a:rPr>
+              <a:t>developer.android.com/about/android.html</a:t>
+            </a:r>
+            <a:endParaRPr lang="en-US" sz="2400" dirty="0" smtClean="0">
+              <a:solidFill>
+                <a:schemeClr val="accent3">
+                  <a:lumMod val="60000"/>
+                  <a:lumOff val="40000"/>
+                </a:schemeClr>
+              </a:solidFill>
+            </a:endParaRPr>
+          </a:p>
+          <a:p>
+            <a:r>
+              <a:rPr lang="en-US" sz="2400" dirty="0">
+                <a:solidFill>
+                  <a:schemeClr val="accent3">
+                    <a:lumMod val="60000"/>
+                    <a:lumOff val="40000"/>
+                  </a:schemeClr>
+                </a:solidFill>
+                <a:hlinkClick r:id="rId3"/>
+              </a:rPr>
+              <a:t>http://</a:t>
+            </a:r>
+            <a:r>
+              <a:rPr lang="en-US" sz="2400" dirty="0" smtClean="0">
+                <a:solidFill>
+                  <a:schemeClr val="accent3">
+                    <a:lumMod val="60000"/>
+                    <a:lumOff val="40000"/>
+                  </a:schemeClr>
+                </a:solidFill>
+                <a:hlinkClick r:id="rId3"/>
+              </a:rPr>
+              <a:t>www.edgefxkits.com/automatic-irrigation-system-on-sensing-soil-moisture-content</a:t>
+            </a:r>
+            <a:endParaRPr lang="en-US" sz="2400" dirty="0" smtClean="0">
+              <a:solidFill>
+                <a:schemeClr val="accent3">
+                  <a:lumMod val="60000"/>
+                  <a:lumOff val="40000"/>
+                </a:schemeClr>
+              </a:solidFill>
+            </a:endParaRPr>
+          </a:p>
+          <a:p>
+            <a:r>
+              <a:rPr lang="en-US" sz="2400" dirty="0">
+                <a:solidFill>
+                  <a:schemeClr val="accent3">
+                    <a:lumMod val="60000"/>
+                    <a:lumOff val="40000"/>
+                  </a:schemeClr>
+                </a:solidFill>
+                <a:hlinkClick r:id="rId4"/>
+              </a:rPr>
+              <a:t>http://</a:t>
+            </a:r>
+            <a:r>
+              <a:rPr lang="en-US" sz="2400" dirty="0" smtClean="0">
+                <a:solidFill>
+                  <a:schemeClr val="accent3">
+                    <a:lumMod val="60000"/>
+                    <a:lumOff val="40000"/>
+                  </a:schemeClr>
+                </a:solidFill>
+                <a:hlinkClick r:id="rId4"/>
+              </a:rPr>
+              <a:t>www.sswm.info/content/automatic-irrigation</a:t>
+            </a:r>
+            <a:endParaRPr lang="en-US" sz="2400" dirty="0" smtClean="0">
+              <a:solidFill>
+                <a:schemeClr val="accent3">
+                  <a:lumMod val="60000"/>
+                  <a:lumOff val="40000"/>
+                </a:schemeClr>
+              </a:solidFill>
+            </a:endParaRPr>
+          </a:p>
+          <a:p>
+            <a:r>
+              <a:rPr lang="en-US" sz="2400" dirty="0">
+                <a:solidFill>
+                  <a:schemeClr val="accent3">
+                    <a:lumMod val="60000"/>
+                    <a:lumOff val="40000"/>
+                  </a:schemeClr>
+                </a:solidFill>
+                <a:hlinkClick r:id="rId5"/>
+              </a:rPr>
+              <a:t>http://electronut.in/IoT-temp-sensor</a:t>
+            </a:r>
+            <a:r>
+              <a:rPr lang="en-US" sz="2400" dirty="0" smtClean="0">
+                <a:solidFill>
+                  <a:schemeClr val="accent3">
+                    <a:lumMod val="60000"/>
+                    <a:lumOff val="40000"/>
+                  </a:schemeClr>
+                </a:solidFill>
+                <a:hlinkClick r:id="rId5"/>
+              </a:rPr>
+              <a:t>/</a:t>
+            </a:r>
+            <a:endParaRPr lang="en-US" sz="2400" dirty="0" smtClean="0">
+              <a:solidFill>
+                <a:schemeClr val="accent3">
+                  <a:lumMod val="60000"/>
+                  <a:lumOff val="40000"/>
+                </a:schemeClr>
+              </a:solidFill>
+            </a:endParaRPr>
+          </a:p>
+          <a:p>
+            <a:r>
+              <a:rPr lang="en-US" sz="2400" dirty="0">
+                <a:solidFill>
+                  <a:schemeClr val="accent3">
+                    <a:lumMod val="60000"/>
+                    <a:lumOff val="40000"/>
+                  </a:schemeClr>
+                </a:solidFill>
+                <a:hlinkClick r:id="rId6"/>
+              </a:rPr>
+              <a:t>http://www.instructables.com/id/Temperature-Monitor-with-ESP8266-IoT</a:t>
+            </a:r>
+            <a:r>
+              <a:rPr lang="en-US" sz="2400" dirty="0" smtClean="0">
+                <a:solidFill>
+                  <a:schemeClr val="accent3">
+                    <a:lumMod val="60000"/>
+                    <a:lumOff val="40000"/>
+                  </a:schemeClr>
+                </a:solidFill>
+                <a:hlinkClick r:id="rId6"/>
+              </a:rPr>
+              <a:t>/</a:t>
+            </a:r>
+            <a:endParaRPr lang="en-US" sz="2400" dirty="0" smtClean="0">
+              <a:solidFill>
+                <a:schemeClr val="accent3">
+                  <a:lumMod val="60000"/>
+                  <a:lumOff val="40000"/>
+                </a:schemeClr>
+              </a:solidFill>
+            </a:endParaRPr>
+          </a:p>
+          <a:p>
+            <a:r>
+              <a:rPr lang="en-US" sz="2400" dirty="0">
+                <a:solidFill>
+                  <a:schemeClr val="accent3">
+                    <a:lumMod val="60000"/>
+                    <a:lumOff val="40000"/>
+                  </a:schemeClr>
+                </a:solidFill>
+                <a:hlinkClick r:id="rId7"/>
+              </a:rPr>
+              <a:t>https://</a:t>
+            </a:r>
+            <a:r>
+              <a:rPr lang="en-US" sz="2400" dirty="0" smtClean="0">
+                <a:solidFill>
+                  <a:schemeClr val="accent3">
+                    <a:lumMod val="60000"/>
+                    <a:lumOff val="40000"/>
+                  </a:schemeClr>
+                </a:solidFill>
+                <a:hlinkClick r:id="rId7"/>
+              </a:rPr>
+              <a:t>www.fcc-fac.ca/en/ag-knowledge/ag-economist/the-automation-of-agriculture-part-one.html</a:t>
+            </a:r>
+            <a:endParaRPr lang="en-US" sz="2400" dirty="0" smtClean="0">
+              <a:solidFill>
+                <a:schemeClr val="accent3">
+                  <a:lumMod val="60000"/>
+                  <a:lumOff val="40000"/>
+                </a:schemeClr>
+              </a:solidFill>
+            </a:endParaRPr>
+          </a:p>
+          <a:p>
+            <a:pPr marL="0" indent="0">
+              <a:buNone/>
+            </a:pPr>
+            <a:endParaRPr lang="en-US" sz="2400" dirty="0">
+              <a:solidFill>
+                <a:schemeClr val="accent3">
+                  <a:lumMod val="60000"/>
+                  <a:lumOff val="40000"/>
+                </a:schemeClr>
+              </a:solidFill>
+            </a:endParaRPr>
+          </a:p>
+        </p:txBody>
+      </p:sp>
+    </p:spTree>
+    <p:extLst>
+      <p:ext uri="{BB962C8B-B14F-4D97-AF65-F5344CB8AC3E}">
+        <p14:creationId xmlns:p14="http://schemas.microsoft.com/office/powerpoint/2010/main" val="1520425578"/>
+      </p:ext>
+    </p:extLst>
+  </p:cSld>
+  <p:clrMapOvr>
+    <a:masterClrMapping/>
+  </p:clrMapOvr>
+  <p:timing>
+    <p:tnLst>
+      <p:par>
+        <p:cTn id="1" dur="indefinite" restart="never" nodeType="tmRoot"/>
+      </p:par>
+    </p:tnLst>
+  </p:timing>
+</p:sld>
+</file>
+
+<file path=ppt/slides/slide17.xml><?xml version="1.0" encoding="utf-8"?>
+<p:sld xmlns:a="http://schemas.openxmlformats.org/drawingml/2006/main" xmlns:r="http://schemas.openxmlformats.org/officeDocument/2006/relationships" xmlns:p="http://schemas.openxmlformats.org/presentationml/2006/main">
+  <p:cSld>
+    <p:spTree>
+      <p:nvGrpSpPr>
+        <p:cNvPr id="1" name=""/>
+        <p:cNvGrpSpPr/>
+        <p:nvPr/>
+      </p:nvGrpSpPr>
+      <p:grpSpPr>
+        <a:xfrm>
+          <a:off x="0" y="0"/>
+          <a:ext cx="0" cy="0"/>
+          <a:chOff x="0" y="0"/>
+          <a:chExt cx="0" cy="0"/>
+        </a:xfrm>
+      </p:grpSpPr>
+      <p:sp>
+        <p:nvSpPr>
+          <p:cNvPr id="2" name="Title 1"/>
+          <p:cNvSpPr>
+            <a:spLocks noGrp="1"/>
+          </p:cNvSpPr>
+          <p:nvPr>
+            <p:ph type="ctrTitle"/>
+          </p:nvPr>
+        </p:nvSpPr>
+        <p:spPr/>
+        <p:txBody>
+          <a:bodyPr/>
+          <a:lstStyle/>
+          <a:p>
+            <a:r>
+              <a:rPr lang="en-US" dirty="0" smtClean="0"/>
+              <a:t>Thank You</a:t>
+            </a:r>
+            <a:endParaRPr lang="en-US" dirty="0"/>
+          </a:p>
+        </p:txBody>
+      </p:sp>
+    </p:spTree>
+    <p:extLst>
+      <p:ext uri="{BB962C8B-B14F-4D97-AF65-F5344CB8AC3E}">
+        <p14:creationId xmlns:p14="http://schemas.microsoft.com/office/powerpoint/2010/main" val="2890885442"/>
+      </p:ext>
+    </p:extLst>
+  </p:cSld>
+  <p:clrMapOvr>
+    <a:masterClrMapping/>
+  </p:clrMapOvr>
+  <p:timing>
+    <p:tnLst>
+      <p:par>
+        <p:cTn id="1" dur="indefinite" restart="never" nodeType="tmRoot"/>
+      </p:par>
+    </p:tnLst>
+  </p:timing>
+</p:sld>
+</file>
+
+<file path=ppt/slides/slide2.xml><?xml version="1.0" encoding="utf-8"?>
+<p:sld xmlns:a="http://schemas.openxmlformats.org/drawingml/2006/main" xmlns:r="http://schemas.openxmlformats.org/officeDocument/2006/relationships" xmlns:p="http://schemas.openxmlformats.org/presentationml/2006/main">
+  <p:cSld>
+    <p:spTree>
+      <p:nvGrpSpPr>
+        <p:cNvPr id="1" name=""/>
+        <p:cNvGrpSpPr/>
+        <p:nvPr/>
+      </p:nvGrpSpPr>
+      <p:grpSpPr>
+        <a:xfrm>
+          <a:off x="0" y="0"/>
+          <a:ext cx="0" cy="0"/>
+          <a:chOff x="0" y="0"/>
+          <a:chExt cx="0" cy="0"/>
+        </a:xfrm>
+      </p:grpSpPr>
+      <p:sp>
+        <p:nvSpPr>
+          <p:cNvPr id="3" name="Subtitle 2"/>
+          <p:cNvSpPr>
+            <a:spLocks noGrp="1"/>
+          </p:cNvSpPr>
+          <p:nvPr>
+            <p:ph type="subTitle" idx="1"/>
+          </p:nvPr>
+        </p:nvSpPr>
+        <p:spPr>
+          <a:xfrm>
+            <a:off x="1082765" y="1545064"/>
+            <a:ext cx="5366162" cy="3163463"/>
+          </a:xfrm>
+        </p:spPr>
+        <p:txBody>
+          <a:bodyPr>
+            <a:normAutofit/>
+          </a:bodyPr>
+          <a:lstStyle/>
+          <a:p>
+            <a:r>
+              <a:rPr lang="en-US" sz="2200" u="sng" dirty="0" smtClean="0">
+                <a:solidFill>
+                  <a:schemeClr val="accent3">
+                    <a:lumMod val="60000"/>
+                    <a:lumOff val="40000"/>
+                  </a:schemeClr>
+                </a:solidFill>
+              </a:rPr>
+              <a:t>Team members:</a:t>
+            </a:r>
+          </a:p>
+          <a:p>
+            <a:r>
+              <a:rPr lang="en-US" sz="2200" dirty="0" smtClean="0">
+                <a:solidFill>
+                  <a:schemeClr val="accent3">
+                    <a:lumMod val="60000"/>
+                    <a:lumOff val="40000"/>
+                  </a:schemeClr>
+                </a:solidFill>
+              </a:rPr>
+              <a:t>1) 130070107025 - GAURAV JINDAL </a:t>
+            </a:r>
+          </a:p>
+          <a:p>
+            <a:r>
+              <a:rPr lang="en-US" sz="2200" dirty="0" smtClean="0">
+                <a:solidFill>
+                  <a:schemeClr val="accent3">
+                    <a:lumMod val="60000"/>
+                    <a:lumOff val="40000"/>
+                  </a:schemeClr>
+                </a:solidFill>
+              </a:rPr>
+              <a:t>2) 130070107029 - ANKUR KIYADA</a:t>
+            </a:r>
+          </a:p>
+          <a:p>
+            <a:r>
+              <a:rPr lang="en-US" sz="2200" dirty="0" smtClean="0">
+                <a:solidFill>
+                  <a:schemeClr val="accent3">
+                    <a:lumMod val="60000"/>
+                    <a:lumOff val="40000"/>
+                  </a:schemeClr>
+                </a:solidFill>
+              </a:rPr>
+              <a:t>3) 130070107040 - MEET PATEL</a:t>
+            </a:r>
+          </a:p>
+          <a:p>
+            <a:r>
+              <a:rPr lang="en-US" sz="2200" dirty="0" smtClean="0">
+                <a:solidFill>
+                  <a:schemeClr val="accent3">
+                    <a:lumMod val="60000"/>
+                    <a:lumOff val="40000"/>
+                  </a:schemeClr>
+                </a:solidFill>
+              </a:rPr>
+              <a:t>4) 130070107048 - KUNAL SAHITYA</a:t>
+            </a:r>
+          </a:p>
+          <a:p>
+            <a:endParaRPr lang="en-US" dirty="0"/>
+          </a:p>
+        </p:txBody>
+      </p:sp>
+      <p:pic>
+        <p:nvPicPr>
+          <p:cNvPr id="5" name="Picture 4"/>
+          <p:cNvPicPr>
+            <a:picLocks noChangeAspect="1"/>
+          </p:cNvPicPr>
+          <p:nvPr/>
+        </p:nvPicPr>
+        <p:blipFill>
+          <a:blip r:embed="rId2"/>
+          <a:stretch>
+            <a:fillRect/>
+          </a:stretch>
+        </p:blipFill>
+        <p:spPr>
+          <a:xfrm>
+            <a:off x="9638501" y="1448812"/>
+            <a:ext cx="2216870" cy="2322942"/>
+          </a:xfrm>
+          <a:prstGeom prst="rect">
+            <a:avLst/>
+          </a:prstGeom>
+        </p:spPr>
+      </p:pic>
+      <p:sp>
+        <p:nvSpPr>
+          <p:cNvPr id="6" name="Rectangle 5"/>
+          <p:cNvSpPr/>
+          <p:nvPr/>
+        </p:nvSpPr>
+        <p:spPr>
+          <a:xfrm>
+            <a:off x="1721722" y="5337281"/>
+            <a:ext cx="7916779" cy="1200329"/>
+          </a:xfrm>
+          <a:prstGeom prst="rect">
+            <a:avLst/>
+          </a:prstGeom>
+        </p:spPr>
+        <p:txBody>
+          <a:bodyPr wrap="square">
+            <a:spAutoFit/>
+          </a:bodyPr>
+          <a:lstStyle/>
+          <a:p>
+            <a:pPr algn="ctr"/>
+            <a:r>
+              <a:rPr lang="en-US" dirty="0"/>
+              <a:t>7</a:t>
+            </a:r>
+            <a:r>
+              <a:rPr lang="en-US" dirty="0" smtClean="0"/>
+              <a:t>th </a:t>
+            </a:r>
+            <a:r>
+              <a:rPr lang="en-US" dirty="0"/>
+              <a:t>Semester (</a:t>
+            </a:r>
+            <a:r>
+              <a:rPr lang="en-US" dirty="0" smtClean="0"/>
+              <a:t>2016), </a:t>
+            </a:r>
+            <a:r>
+              <a:rPr lang="en-US" dirty="0"/>
+              <a:t>Computer Engineering Department,</a:t>
+            </a:r>
+          </a:p>
+          <a:p>
+            <a:pPr algn="ctr"/>
+            <a:r>
+              <a:rPr lang="en-US" dirty="0"/>
+              <a:t>B.V.M. Engineering College, Vallabh Vidyanagar,</a:t>
+            </a:r>
+          </a:p>
+          <a:p>
+            <a:pPr algn="ctr"/>
+            <a:r>
+              <a:rPr lang="en-US" dirty="0"/>
+              <a:t>College Code - 007</a:t>
+            </a:r>
+          </a:p>
+          <a:p>
+            <a:pPr algn="ctr"/>
+            <a:endParaRPr lang="en-US" dirty="0"/>
+          </a:p>
+        </p:txBody>
+      </p:sp>
+    </p:spTree>
+    <p:extLst>
+      <p:ext uri="{BB962C8B-B14F-4D97-AF65-F5344CB8AC3E}">
+        <p14:creationId xmlns:p14="http://schemas.microsoft.com/office/powerpoint/2010/main" val="2490270177"/>
+      </p:ext>
+    </p:extLst>
+  </p:cSld>
+  <p:clrMapOvr>
+    <a:masterClrMapping/>
+  </p:clrMapOvr>
+  <p:timing>
+    <p:tnLst>
+      <p:par>
+        <p:cTn id="1" dur="indefinite" restart="never" nodeType="tmRoot"/>
+      </p:par>
+    </p:tnLst>
+  </p:timing>
+</p:sld>
+</file>
+
+<file path=ppt/slides/slide3.xml><?xml version="1.0" encoding="utf-8"?>
+<p:sld xmlns:a="http://schemas.openxmlformats.org/drawingml/2006/main" xmlns:r="http://schemas.openxmlformats.org/officeDocument/2006/relationships" xmlns:p="http://schemas.openxmlformats.org/presentationml/2006/main">
+  <p:cSld>
+    <p:spTree>
+      <p:nvGrpSpPr>
+        <p:cNvPr id="1" name=""/>
+        <p:cNvGrpSpPr/>
+        <p:nvPr/>
+      </p:nvGrpSpPr>
+      <p:grpSpPr>
+        <a:xfrm>
+          <a:off x="0" y="0"/>
+          <a:ext cx="0" cy="0"/>
+          <a:chOff x="0" y="0"/>
+          <a:chExt cx="0" cy="0"/>
+        </a:xfrm>
+      </p:grpSpPr>
+      <p:sp>
+        <p:nvSpPr>
+          <p:cNvPr id="2" name="Title 1"/>
+          <p:cNvSpPr>
+            <a:spLocks noGrp="1"/>
+          </p:cNvSpPr>
+          <p:nvPr>
+            <p:ph type="title"/>
+          </p:nvPr>
+        </p:nvSpPr>
+        <p:spPr/>
+        <p:txBody>
+          <a:bodyPr/>
+          <a:lstStyle/>
+          <a:p>
+            <a:r>
+              <a:rPr lang="en-US" sz="4000" dirty="0" smtClean="0"/>
+              <a:t>Introduction &amp; Basic Idea</a:t>
+            </a:r>
+            <a:endParaRPr lang="en-US" sz="4000" dirty="0"/>
+          </a:p>
+        </p:txBody>
+      </p:sp>
+      <p:sp>
+        <p:nvSpPr>
+          <p:cNvPr id="3" name="Content Placeholder 2"/>
+          <p:cNvSpPr>
+            <a:spLocks noGrp="1"/>
+          </p:cNvSpPr>
+          <p:nvPr>
+            <p:ph idx="1"/>
+          </p:nvPr>
+        </p:nvSpPr>
+        <p:spPr>
+          <a:xfrm>
+            <a:off x="647092" y="1853248"/>
+            <a:ext cx="9403742" cy="4805082"/>
+          </a:xfrm>
+        </p:spPr>
+        <p:txBody>
+          <a:bodyPr>
+            <a:normAutofit/>
+          </a:bodyPr>
+          <a:lstStyle/>
+          <a:p>
+            <a:pPr algn="just"/>
+            <a:r>
+              <a:rPr lang="en-US" sz="2400" dirty="0" smtClean="0">
+                <a:solidFill>
+                  <a:schemeClr val="accent3">
+                    <a:lumMod val="60000"/>
+                    <a:lumOff val="40000"/>
+                  </a:schemeClr>
+                </a:solidFill>
+              </a:rPr>
+              <a:t>Why Sustainable Agriculture?</a:t>
+            </a:r>
+          </a:p>
+          <a:p>
+            <a:pPr lvl="1" algn="just">
+              <a:buFont typeface="Wingdings" panose="05000000000000000000" pitchFamily="2" charset="2"/>
+              <a:buChar char="q"/>
+            </a:pPr>
+            <a:r>
+              <a:rPr lang="en-US" sz="2200" dirty="0" smtClean="0">
+                <a:solidFill>
+                  <a:schemeClr val="accent3">
+                    <a:lumMod val="60000"/>
+                    <a:lumOff val="40000"/>
+                  </a:schemeClr>
+                </a:solidFill>
+              </a:rPr>
+              <a:t>Enhance Environment Quality &amp; Natural Resource</a:t>
+            </a:r>
+          </a:p>
+          <a:p>
+            <a:pPr lvl="1" algn="just">
+              <a:buFont typeface="Wingdings" panose="05000000000000000000" pitchFamily="2" charset="2"/>
+              <a:buChar char="q"/>
+            </a:pPr>
+            <a:r>
+              <a:rPr lang="en-US" sz="2200" dirty="0" smtClean="0">
+                <a:solidFill>
+                  <a:schemeClr val="accent3">
+                    <a:lumMod val="60000"/>
+                    <a:lumOff val="40000"/>
+                  </a:schemeClr>
+                </a:solidFill>
+              </a:rPr>
+              <a:t>Support Economic Viability</a:t>
+            </a:r>
+          </a:p>
+          <a:p>
+            <a:pPr algn="just"/>
+            <a:r>
+              <a:rPr lang="en-US" sz="2400" dirty="0" smtClean="0">
+                <a:solidFill>
+                  <a:schemeClr val="accent3">
+                    <a:lumMod val="60000"/>
+                    <a:lumOff val="40000"/>
+                  </a:schemeClr>
+                </a:solidFill>
+              </a:rPr>
+              <a:t>Why Automation?</a:t>
+            </a:r>
+          </a:p>
+          <a:p>
+            <a:pPr lvl="1" algn="just">
+              <a:buFont typeface="Wingdings" panose="05000000000000000000" pitchFamily="2" charset="2"/>
+              <a:buChar char="q"/>
+            </a:pPr>
+            <a:r>
+              <a:rPr lang="en-US" sz="2200" dirty="0" smtClean="0">
+                <a:solidFill>
+                  <a:schemeClr val="accent3">
+                    <a:lumMod val="60000"/>
+                    <a:lumOff val="40000"/>
+                  </a:schemeClr>
+                </a:solidFill>
+              </a:rPr>
+              <a:t>Improved Productivity, Quality &amp; Consistency</a:t>
+            </a:r>
+          </a:p>
+          <a:p>
+            <a:pPr lvl="1" algn="just">
+              <a:buFont typeface="Wingdings" panose="05000000000000000000" pitchFamily="2" charset="2"/>
+              <a:buChar char="q"/>
+            </a:pPr>
+            <a:r>
+              <a:rPr lang="en-US" sz="2200" dirty="0" smtClean="0">
+                <a:solidFill>
+                  <a:schemeClr val="accent3">
+                    <a:lumMod val="60000"/>
+                    <a:lumOff val="40000"/>
+                  </a:schemeClr>
+                </a:solidFill>
+              </a:rPr>
+              <a:t>Reduced Human Labor Costs &amp; Errors </a:t>
+            </a:r>
+          </a:p>
+          <a:p>
+            <a:pPr algn="just"/>
+            <a:r>
+              <a:rPr lang="en-US" sz="2400" dirty="0" smtClean="0">
+                <a:solidFill>
+                  <a:schemeClr val="accent3">
+                    <a:lumMod val="60000"/>
+                    <a:lumOff val="40000"/>
+                  </a:schemeClr>
+                </a:solidFill>
+              </a:rPr>
+              <a:t>Why Automation in Sustainable Agriculture?</a:t>
+            </a:r>
+          </a:p>
+          <a:p>
+            <a:pPr lvl="1" algn="just">
+              <a:buFont typeface="Wingdings" panose="05000000000000000000" pitchFamily="2" charset="2"/>
+              <a:buChar char="q"/>
+            </a:pPr>
+            <a:r>
+              <a:rPr lang="en-US" sz="2200" dirty="0" smtClean="0">
+                <a:solidFill>
+                  <a:schemeClr val="accent3">
+                    <a:lumMod val="60000"/>
+                    <a:lumOff val="40000"/>
+                  </a:schemeClr>
+                </a:solidFill>
+              </a:rPr>
+              <a:t>Plays Significant role for 1.4M km</a:t>
+            </a:r>
+            <a:r>
+              <a:rPr lang="en-US" sz="2200" baseline="30000" dirty="0" smtClean="0">
+                <a:solidFill>
+                  <a:schemeClr val="accent3">
+                    <a:lumMod val="60000"/>
+                    <a:lumOff val="40000"/>
+                  </a:schemeClr>
+                </a:solidFill>
+              </a:rPr>
+              <a:t>2</a:t>
+            </a:r>
+            <a:r>
+              <a:rPr lang="en-US" sz="2200" dirty="0" smtClean="0">
+                <a:solidFill>
+                  <a:schemeClr val="accent3">
+                    <a:lumMod val="60000"/>
+                    <a:lumOff val="40000"/>
+                  </a:schemeClr>
+                </a:solidFill>
+              </a:rPr>
+              <a:t> Cultivation Land in India</a:t>
+            </a:r>
+          </a:p>
+          <a:p>
+            <a:pPr lvl="1" algn="just">
+              <a:buFont typeface="Wingdings" panose="05000000000000000000" pitchFamily="2" charset="2"/>
+              <a:buChar char="q"/>
+            </a:pPr>
+            <a:r>
+              <a:rPr lang="en-US" sz="2200" dirty="0" smtClean="0">
+                <a:solidFill>
+                  <a:schemeClr val="accent3">
+                    <a:lumMod val="60000"/>
+                    <a:lumOff val="40000"/>
+                  </a:schemeClr>
+                </a:solidFill>
+              </a:rPr>
+              <a:t>Affects Different Phases of Agriculture Like Irrigation, Storage, Plant Health, etc.</a:t>
+            </a:r>
+          </a:p>
+          <a:p>
+            <a:pPr lvl="1" algn="just">
+              <a:buFont typeface="Wingdings" panose="05000000000000000000" pitchFamily="2" charset="2"/>
+              <a:buChar char="q"/>
+            </a:pPr>
+            <a:endParaRPr lang="en-US" sz="2200" dirty="0" smtClean="0">
+              <a:solidFill>
+                <a:schemeClr val="accent3">
+                  <a:lumMod val="60000"/>
+                  <a:lumOff val="40000"/>
+                </a:schemeClr>
+              </a:solidFill>
+            </a:endParaRPr>
+          </a:p>
+        </p:txBody>
+      </p:sp>
+    </p:spTree>
+    <p:extLst>
+      <p:ext uri="{BB962C8B-B14F-4D97-AF65-F5344CB8AC3E}">
+        <p14:creationId xmlns:p14="http://schemas.microsoft.com/office/powerpoint/2010/main" val="2602143331"/>
+      </p:ext>
+    </p:extLst>
+  </p:cSld>
+  <p:clrMapOvr>
+    <a:masterClrMapping/>
+  </p:clrMapOvr>
+  <p:timing>
+    <p:tnLst>
+      <p:par>
+        <p:cTn id="1" dur="indefinite" restart="never" nodeType="tmRoot"/>
+      </p:par>
+    </p:tnLst>
+  </p:timing>
+</p:sld>
+</file>
+
+<file path=ppt/slides/slide4.xml><?xml version="1.0" encoding="utf-8"?>
+<p:sld xmlns:a="http://schemas.openxmlformats.org/drawingml/2006/main" xmlns:r="http://schemas.openxmlformats.org/officeDocument/2006/relationships" xmlns:p="http://schemas.openxmlformats.org/presentationml/2006/main">
+  <p:cSld>
+    <p:spTree>
+      <p:nvGrpSpPr>
+        <p:cNvPr id="1" name=""/>
+        <p:cNvGrpSpPr/>
+        <p:nvPr/>
+      </p:nvGrpSpPr>
+      <p:grpSpPr>
+        <a:xfrm>
+          <a:off x="0" y="0"/>
+          <a:ext cx="0" cy="0"/>
+          <a:chOff x="0" y="0"/>
+          <a:chExt cx="0" cy="0"/>
+        </a:xfrm>
+      </p:grpSpPr>
+      <p:sp>
+        <p:nvSpPr>
+          <p:cNvPr id="2" name="Title 1"/>
+          <p:cNvSpPr>
+            <a:spLocks noGrp="1"/>
+          </p:cNvSpPr>
+          <p:nvPr>
+            <p:ph type="title"/>
+          </p:nvPr>
+        </p:nvSpPr>
+        <p:spPr/>
+        <p:txBody>
+          <a:bodyPr/>
+          <a:lstStyle/>
+          <a:p>
+            <a:r>
+              <a:rPr lang="en-US" sz="4000" dirty="0" smtClean="0"/>
+              <a:t>Technologies Used</a:t>
+            </a:r>
+            <a:endParaRPr lang="en-US" sz="4000" dirty="0"/>
+          </a:p>
+        </p:txBody>
+      </p:sp>
+      <p:sp>
+        <p:nvSpPr>
+          <p:cNvPr id="3" name="Content Placeholder 2"/>
+          <p:cNvSpPr>
+            <a:spLocks noGrp="1"/>
+          </p:cNvSpPr>
+          <p:nvPr>
+            <p:ph idx="1"/>
+          </p:nvPr>
+        </p:nvSpPr>
+        <p:spPr>
+          <a:xfrm>
+            <a:off x="646112" y="2052918"/>
+            <a:ext cx="9403742" cy="4195481"/>
+          </a:xfrm>
+        </p:spPr>
+        <p:txBody>
+          <a:bodyPr>
+            <a:normAutofit/>
+          </a:bodyPr>
+          <a:lstStyle/>
+          <a:p>
+            <a:pPr algn="just"/>
+            <a:r>
+              <a:rPr lang="en-US" sz="2800" dirty="0" smtClean="0">
+                <a:solidFill>
+                  <a:schemeClr val="accent3">
+                    <a:lumMod val="60000"/>
+                    <a:lumOff val="40000"/>
+                  </a:schemeClr>
+                </a:solidFill>
+              </a:rPr>
+              <a:t>IoT - Internet of Things (For Connectivity Purpose)</a:t>
+            </a:r>
+          </a:p>
+          <a:p>
+            <a:pPr algn="just"/>
+            <a:r>
+              <a:rPr lang="en-US" sz="2800" dirty="0" smtClean="0">
+                <a:solidFill>
+                  <a:schemeClr val="accent3">
+                    <a:lumMod val="60000"/>
+                    <a:lumOff val="40000"/>
+                  </a:schemeClr>
+                </a:solidFill>
+              </a:rPr>
+              <a:t>Big Data Framework Tools(MR, Hive, R etc.)(For Data Analysis)</a:t>
+            </a:r>
+          </a:p>
+          <a:p>
+            <a:pPr algn="just"/>
+            <a:r>
+              <a:rPr lang="en-US" sz="2800" dirty="0" smtClean="0">
+                <a:solidFill>
+                  <a:schemeClr val="accent3">
+                    <a:lumMod val="60000"/>
+                    <a:lumOff val="40000"/>
+                  </a:schemeClr>
+                </a:solidFill>
+              </a:rPr>
+              <a:t>Android (For Operational purpose)</a:t>
+            </a:r>
+          </a:p>
+          <a:p>
+            <a:pPr algn="just"/>
+            <a:r>
+              <a:rPr lang="en-US" sz="2800" dirty="0" smtClean="0">
+                <a:solidFill>
+                  <a:schemeClr val="accent3">
+                    <a:lumMod val="60000"/>
+                    <a:lumOff val="40000"/>
+                  </a:schemeClr>
+                </a:solidFill>
+              </a:rPr>
+              <a:t>Web Development(HTML, CSS, JS etc.) (For </a:t>
+            </a:r>
+            <a:r>
+              <a:rPr lang="en-US" sz="2800" dirty="0">
+                <a:solidFill>
+                  <a:schemeClr val="accent3">
+                    <a:lumMod val="60000"/>
+                    <a:lumOff val="40000"/>
+                  </a:schemeClr>
+                </a:solidFill>
+              </a:rPr>
+              <a:t>M</a:t>
+            </a:r>
+            <a:r>
+              <a:rPr lang="en-US" sz="2800" dirty="0" smtClean="0">
+                <a:solidFill>
+                  <a:schemeClr val="accent3">
+                    <a:lumMod val="60000"/>
+                    <a:lumOff val="40000"/>
+                  </a:schemeClr>
+                </a:solidFill>
+              </a:rPr>
+              <a:t>aking a Web </a:t>
+            </a:r>
+            <a:r>
+              <a:rPr lang="en-US" sz="2800" dirty="0">
+                <a:solidFill>
+                  <a:schemeClr val="accent3">
+                    <a:lumMod val="60000"/>
+                    <a:lumOff val="40000"/>
+                  </a:schemeClr>
+                </a:solidFill>
+              </a:rPr>
+              <a:t>P</a:t>
+            </a:r>
+            <a:r>
+              <a:rPr lang="en-US" sz="2800" dirty="0" smtClean="0">
+                <a:solidFill>
+                  <a:schemeClr val="accent3">
+                    <a:lumMod val="60000"/>
+                    <a:lumOff val="40000"/>
+                  </a:schemeClr>
+                </a:solidFill>
+              </a:rPr>
+              <a:t>ortal)</a:t>
+            </a:r>
+          </a:p>
+        </p:txBody>
+      </p:sp>
+    </p:spTree>
+    <p:extLst>
+      <p:ext uri="{BB962C8B-B14F-4D97-AF65-F5344CB8AC3E}">
+        <p14:creationId xmlns:p14="http://schemas.microsoft.com/office/powerpoint/2010/main" val="3589409682"/>
+      </p:ext>
+    </p:extLst>
+  </p:cSld>
+  <p:clrMapOvr>
+    <a:masterClrMapping/>
+  </p:clrMapOvr>
+  <p:timing>
+    <p:tnLst>
+      <p:par>
+        <p:cTn id="1" dur="indefinite" restart="never" nodeType="tmRoot"/>
+      </p:par>
+    </p:tnLst>
+  </p:timing>
+</p:sld>
+</file>
+
+<file path=ppt/slides/slide5.xml><?xml version="1.0" encoding="utf-8"?>
+<p:sld xmlns:a="http://schemas.openxmlformats.org/drawingml/2006/main" xmlns:r="http://schemas.openxmlformats.org/officeDocument/2006/relationships" xmlns:p="http://schemas.openxmlformats.org/presentationml/2006/main">
+  <p:cSld>
+    <p:spTree>
+      <p:nvGrpSpPr>
+        <p:cNvPr id="1" name=""/>
+        <p:cNvGrpSpPr/>
+        <p:nvPr/>
+      </p:nvGrpSpPr>
+      <p:grpSpPr>
+        <a:xfrm>
+          <a:off x="0" y="0"/>
+          <a:ext cx="0" cy="0"/>
+          <a:chOff x="0" y="0"/>
+          <a:chExt cx="0" cy="0"/>
+        </a:xfrm>
+      </p:grpSpPr>
+      <p:sp>
+        <p:nvSpPr>
+          <p:cNvPr id="2" name="Title 1"/>
+          <p:cNvSpPr>
+            <a:spLocks noGrp="1"/>
+          </p:cNvSpPr>
+          <p:nvPr>
+            <p:ph type="title"/>
+          </p:nvPr>
+        </p:nvSpPr>
+        <p:spPr/>
+        <p:txBody>
+          <a:bodyPr/>
+          <a:lstStyle/>
+          <a:p>
+            <a:r>
+              <a:rPr lang="en-US" sz="4000" dirty="0" smtClean="0"/>
+              <a:t>IoT – Internet of Things</a:t>
+            </a:r>
+            <a:endParaRPr lang="en-US" sz="4000" dirty="0"/>
+          </a:p>
+        </p:txBody>
+      </p:sp>
+      <p:sp>
+        <p:nvSpPr>
+          <p:cNvPr id="3" name="Content Placeholder 2"/>
+          <p:cNvSpPr>
+            <a:spLocks noGrp="1"/>
+          </p:cNvSpPr>
+          <p:nvPr>
+            <p:ph idx="1"/>
+          </p:nvPr>
+        </p:nvSpPr>
+        <p:spPr>
+          <a:xfrm>
+            <a:off x="646112" y="2052918"/>
+            <a:ext cx="9403742" cy="4660703"/>
+          </a:xfrm>
+        </p:spPr>
+        <p:txBody>
+          <a:bodyPr>
+            <a:normAutofit/>
+          </a:bodyPr>
+          <a:lstStyle/>
+          <a:p>
+            <a:pPr algn="just"/>
+            <a:r>
+              <a:rPr lang="en-US" sz="2400" dirty="0" smtClean="0">
+                <a:solidFill>
+                  <a:schemeClr val="accent3">
+                    <a:lumMod val="60000"/>
+                    <a:lumOff val="40000"/>
+                  </a:schemeClr>
+                </a:solidFill>
+              </a:rPr>
+              <a:t>Network </a:t>
+            </a:r>
+            <a:r>
+              <a:rPr lang="en-US" sz="2400" dirty="0" smtClean="0">
+                <a:solidFill>
+                  <a:schemeClr val="accent3">
+                    <a:lumMod val="60000"/>
+                    <a:lumOff val="40000"/>
+                  </a:schemeClr>
+                </a:solidFill>
+              </a:rPr>
+              <a:t>of Physical Devices Embedded </a:t>
+            </a:r>
+            <a:r>
+              <a:rPr lang="en-US" sz="2400" dirty="0">
+                <a:solidFill>
+                  <a:schemeClr val="accent3">
+                    <a:lumMod val="60000"/>
+                    <a:lumOff val="40000"/>
+                  </a:schemeClr>
+                </a:solidFill>
+              </a:rPr>
+              <a:t>w</a:t>
+            </a:r>
+            <a:r>
+              <a:rPr lang="en-US" sz="2400" dirty="0" smtClean="0">
+                <a:solidFill>
+                  <a:schemeClr val="accent3">
+                    <a:lumMod val="60000"/>
+                    <a:lumOff val="40000"/>
+                  </a:schemeClr>
+                </a:solidFill>
+              </a:rPr>
+              <a:t>ith Electronics, Software, Sensors, Actuators &amp; Network Connectivity.</a:t>
+            </a:r>
+          </a:p>
+          <a:p>
+            <a:pPr algn="just"/>
+            <a:r>
+              <a:rPr lang="en-US" sz="2400" dirty="0" smtClean="0">
+                <a:solidFill>
+                  <a:schemeClr val="accent3">
+                    <a:lumMod val="60000"/>
+                    <a:lumOff val="40000"/>
+                  </a:schemeClr>
+                </a:solidFill>
+              </a:rPr>
+              <a:t>Aim is to Collect &amp; Exchange Data + Act Accordingly </a:t>
+            </a:r>
+            <a:r>
+              <a:rPr lang="en-US" sz="2400" dirty="0">
+                <a:solidFill>
+                  <a:schemeClr val="accent3">
+                    <a:lumMod val="60000"/>
+                    <a:lumOff val="40000"/>
+                  </a:schemeClr>
+                </a:solidFill>
+              </a:rPr>
+              <a:t>as </a:t>
+            </a:r>
+            <a:r>
+              <a:rPr lang="en-US" sz="2400" dirty="0" smtClean="0">
+                <a:solidFill>
+                  <a:schemeClr val="accent3">
+                    <a:lumMod val="60000"/>
+                    <a:lumOff val="40000"/>
+                  </a:schemeClr>
+                </a:solidFill>
+              </a:rPr>
+              <a:t>Programmed.</a:t>
+            </a:r>
+          </a:p>
+          <a:p>
+            <a:pPr algn="just"/>
+            <a:r>
+              <a:rPr lang="en-US" sz="2400" dirty="0" smtClean="0">
+                <a:solidFill>
+                  <a:schemeClr val="accent3">
+                    <a:lumMod val="60000"/>
+                    <a:lumOff val="40000"/>
+                  </a:schemeClr>
+                </a:solidFill>
+              </a:rPr>
+              <a:t>Devices to be used are:</a:t>
+            </a:r>
+          </a:p>
+          <a:p>
+            <a:pPr lvl="1" algn="just"/>
+            <a:r>
+              <a:rPr lang="en-US" sz="2200" dirty="0" smtClean="0">
+                <a:solidFill>
+                  <a:schemeClr val="accent3">
+                    <a:lumMod val="60000"/>
+                    <a:lumOff val="40000"/>
+                  </a:schemeClr>
+                </a:solidFill>
+              </a:rPr>
+              <a:t>Moisture Sensor</a:t>
+            </a:r>
+          </a:p>
+          <a:p>
+            <a:pPr lvl="1" algn="just"/>
+            <a:r>
+              <a:rPr lang="en-US" sz="2200" dirty="0" smtClean="0">
+                <a:solidFill>
+                  <a:schemeClr val="accent3">
+                    <a:lumMod val="60000"/>
+                    <a:lumOff val="40000"/>
+                  </a:schemeClr>
+                </a:solidFill>
+              </a:rPr>
+              <a:t>Micro Controller (</a:t>
+            </a:r>
+            <a:r>
+              <a:rPr lang="en-US" sz="2200" dirty="0" err="1" smtClean="0">
+                <a:solidFill>
+                  <a:schemeClr val="accent3">
+                    <a:lumMod val="60000"/>
+                    <a:lumOff val="40000"/>
+                  </a:schemeClr>
+                </a:solidFill>
+              </a:rPr>
+              <a:t>Ardunio</a:t>
+            </a:r>
+            <a:r>
+              <a:rPr lang="en-US" sz="2200" dirty="0" smtClean="0">
+                <a:solidFill>
+                  <a:schemeClr val="accent3">
+                    <a:lumMod val="60000"/>
+                    <a:lumOff val="40000"/>
+                  </a:schemeClr>
+                </a:solidFill>
+              </a:rPr>
+              <a:t> etc.)</a:t>
+            </a:r>
+          </a:p>
+          <a:p>
+            <a:pPr lvl="1" algn="just"/>
+            <a:r>
+              <a:rPr lang="en-US" sz="2200" dirty="0" smtClean="0">
+                <a:solidFill>
+                  <a:schemeClr val="accent3">
+                    <a:lumMod val="60000"/>
+                    <a:lumOff val="40000"/>
+                  </a:schemeClr>
+                </a:solidFill>
+              </a:rPr>
+              <a:t>Temperature Sensor</a:t>
+            </a:r>
+          </a:p>
+          <a:p>
+            <a:pPr algn="just"/>
+            <a:endParaRPr lang="en-US" sz="2400" dirty="0" smtClean="0">
+              <a:solidFill>
+                <a:schemeClr val="accent3">
+                  <a:lumMod val="60000"/>
+                  <a:lumOff val="40000"/>
+                </a:schemeClr>
+              </a:solidFill>
+            </a:endParaRPr>
+          </a:p>
+        </p:txBody>
+      </p:sp>
+    </p:spTree>
+    <p:extLst>
+      <p:ext uri="{BB962C8B-B14F-4D97-AF65-F5344CB8AC3E}">
+        <p14:creationId xmlns:p14="http://schemas.microsoft.com/office/powerpoint/2010/main" val="516809891"/>
+      </p:ext>
+    </p:extLst>
+  </p:cSld>
+  <p:clrMapOvr>
+    <a:masterClrMapping/>
+  </p:clrMapOvr>
+  <p:timing>
+    <p:tnLst>
+      <p:par>
+        <p:cTn id="1" dur="indefinite" restart="never" nodeType="tmRoot"/>
+      </p:par>
+    </p:tnLst>
+  </p:timing>
+</p:sld>
+</file>
+
+<file path=ppt/slides/slide6.xml><?xml version="1.0" encoding="utf-8"?>
+<p:sld xmlns:a="http://schemas.openxmlformats.org/drawingml/2006/main" xmlns:r="http://schemas.openxmlformats.org/officeDocument/2006/relationships" xmlns:p="http://schemas.openxmlformats.org/presentationml/2006/main">
+  <p:cSld>
+    <p:spTree>
+      <p:nvGrpSpPr>
+        <p:cNvPr id="1" name=""/>
+        <p:cNvGrpSpPr/>
+        <p:nvPr/>
+      </p:nvGrpSpPr>
+      <p:grpSpPr>
+        <a:xfrm>
+          <a:off x="0" y="0"/>
+          <a:ext cx="0" cy="0"/>
+          <a:chOff x="0" y="0"/>
+          <a:chExt cx="0" cy="0"/>
+        </a:xfrm>
+      </p:grpSpPr>
+      <p:sp>
+        <p:nvSpPr>
+          <p:cNvPr id="2" name="Title 1"/>
+          <p:cNvSpPr>
+            <a:spLocks noGrp="1"/>
+          </p:cNvSpPr>
+          <p:nvPr>
+            <p:ph type="title"/>
+          </p:nvPr>
+        </p:nvSpPr>
+        <p:spPr/>
+        <p:txBody>
+          <a:bodyPr/>
+          <a:lstStyle/>
+          <a:p>
+            <a:r>
+              <a:rPr lang="en-US" sz="4000" dirty="0" smtClean="0"/>
+              <a:t>Big Data Framework Tools</a:t>
+            </a:r>
+            <a:endParaRPr lang="en-US" sz="4000" dirty="0"/>
+          </a:p>
+        </p:txBody>
+      </p:sp>
+      <p:sp>
+        <p:nvSpPr>
+          <p:cNvPr id="3" name="Content Placeholder 2"/>
+          <p:cNvSpPr>
+            <a:spLocks noGrp="1"/>
+          </p:cNvSpPr>
+          <p:nvPr>
+            <p:ph idx="1"/>
+          </p:nvPr>
+        </p:nvSpPr>
+        <p:spPr>
+          <a:xfrm>
+            <a:off x="646112" y="2052918"/>
+            <a:ext cx="9403742" cy="4195481"/>
+          </a:xfrm>
+        </p:spPr>
+        <p:txBody>
+          <a:bodyPr>
+            <a:normAutofit/>
+          </a:bodyPr>
+          <a:lstStyle/>
+          <a:p>
+            <a:pPr algn="just"/>
+            <a:r>
+              <a:rPr lang="en-US" sz="2400" dirty="0" smtClean="0">
+                <a:solidFill>
+                  <a:schemeClr val="accent3">
+                    <a:lumMod val="60000"/>
+                    <a:lumOff val="40000"/>
+                  </a:schemeClr>
+                </a:solidFill>
+              </a:rPr>
+              <a:t>Tools like Hive, R or MR will be used for Analysis.</a:t>
+            </a:r>
+          </a:p>
+          <a:p>
+            <a:pPr algn="just"/>
+            <a:r>
+              <a:rPr lang="en-US" sz="2400" dirty="0" smtClean="0">
+                <a:solidFill>
+                  <a:schemeClr val="accent3">
+                    <a:lumMod val="60000"/>
+                    <a:lumOff val="40000"/>
+                  </a:schemeClr>
+                </a:solidFill>
+              </a:rPr>
+              <a:t>Data collected from </a:t>
+            </a:r>
+            <a:r>
+              <a:rPr lang="en-US" sz="2400" dirty="0" err="1" smtClean="0">
+                <a:solidFill>
+                  <a:schemeClr val="accent3">
+                    <a:lumMod val="60000"/>
+                    <a:lumOff val="40000"/>
+                  </a:schemeClr>
+                </a:solidFill>
+              </a:rPr>
+              <a:t>IoT</a:t>
+            </a:r>
+            <a:r>
+              <a:rPr lang="en-US" sz="2400" dirty="0" smtClean="0">
+                <a:solidFill>
+                  <a:schemeClr val="accent3">
+                    <a:lumMod val="60000"/>
+                    <a:lumOff val="40000"/>
+                  </a:schemeClr>
+                </a:solidFill>
+              </a:rPr>
+              <a:t> devices will be processed.</a:t>
+            </a:r>
+          </a:p>
+          <a:p>
+            <a:pPr algn="just"/>
+            <a:r>
+              <a:rPr lang="en-US" sz="2400" dirty="0" smtClean="0">
+                <a:solidFill>
+                  <a:schemeClr val="accent3">
+                    <a:lumMod val="60000"/>
+                    <a:lumOff val="40000"/>
+                  </a:schemeClr>
+                </a:solidFill>
+              </a:rPr>
+              <a:t>Possible list of tools to be used:</a:t>
+            </a:r>
+          </a:p>
+          <a:p>
+            <a:pPr lvl="1" algn="just"/>
+            <a:r>
+              <a:rPr lang="en-US" sz="2200" dirty="0" smtClean="0">
+                <a:solidFill>
+                  <a:schemeClr val="accent3">
+                    <a:lumMod val="60000"/>
+                    <a:lumOff val="40000"/>
+                  </a:schemeClr>
+                </a:solidFill>
+              </a:rPr>
+              <a:t>Hadoop and/or Spark</a:t>
+            </a:r>
+          </a:p>
+          <a:p>
+            <a:pPr lvl="1" algn="just"/>
+            <a:r>
+              <a:rPr lang="en-US" sz="2200" dirty="0" smtClean="0">
+                <a:solidFill>
+                  <a:schemeClr val="accent3">
+                    <a:lumMod val="60000"/>
+                    <a:lumOff val="40000"/>
+                  </a:schemeClr>
+                </a:solidFill>
+              </a:rPr>
+              <a:t>Hive or Pig</a:t>
+            </a:r>
+          </a:p>
+          <a:p>
+            <a:pPr lvl="1" algn="just"/>
+            <a:r>
+              <a:rPr lang="en-US" sz="2200" dirty="0" smtClean="0">
+                <a:solidFill>
+                  <a:schemeClr val="accent3">
+                    <a:lumMod val="60000"/>
+                    <a:lumOff val="40000"/>
+                  </a:schemeClr>
+                </a:solidFill>
+              </a:rPr>
+              <a:t>MR or R programming</a:t>
+            </a:r>
+          </a:p>
+          <a:p>
+            <a:pPr lvl="1" algn="just"/>
+            <a:endParaRPr lang="en-US" sz="2200" dirty="0" smtClean="0">
+              <a:solidFill>
+                <a:schemeClr val="accent3">
+                  <a:lumMod val="60000"/>
+                  <a:lumOff val="40000"/>
+                </a:schemeClr>
+              </a:solidFill>
+            </a:endParaRPr>
+          </a:p>
+          <a:p>
+            <a:pPr algn="just"/>
+            <a:endParaRPr lang="en-US" sz="2400" dirty="0">
+              <a:solidFill>
+                <a:schemeClr val="accent3">
+                  <a:lumMod val="60000"/>
+                  <a:lumOff val="40000"/>
+                </a:schemeClr>
+              </a:solidFill>
+            </a:endParaRPr>
+          </a:p>
+        </p:txBody>
+      </p:sp>
+    </p:spTree>
+    <p:extLst>
+      <p:ext uri="{BB962C8B-B14F-4D97-AF65-F5344CB8AC3E}">
+        <p14:creationId xmlns:p14="http://schemas.microsoft.com/office/powerpoint/2010/main" val="450791776"/>
+      </p:ext>
+    </p:extLst>
+  </p:cSld>
+  <p:clrMapOvr>
+    <a:masterClrMapping/>
+  </p:clrMapOvr>
+  <p:timing>
+    <p:tnLst>
+      <p:par>
+        <p:cTn id="1" dur="indefinite" restart="never" nodeType="tmRoot"/>
+      </p:par>
+    </p:tnLst>
+  </p:timing>
+</p:sld>
+</file>
+
+<file path=ppt/slides/slide7.xml><?xml version="1.0" encoding="utf-8"?>
+<p:sld xmlns:a="http://schemas.openxmlformats.org/drawingml/2006/main" xmlns:r="http://schemas.openxmlformats.org/officeDocument/2006/relationships" xmlns:p="http://schemas.openxmlformats.org/presentationml/2006/main">
+  <p:cSld>
+    <p:spTree>
+      <p:nvGrpSpPr>
+        <p:cNvPr id="1" name=""/>
+        <p:cNvGrpSpPr/>
+        <p:nvPr/>
+      </p:nvGrpSpPr>
+      <p:grpSpPr>
+        <a:xfrm>
+          <a:off x="0" y="0"/>
+          <a:ext cx="0" cy="0"/>
+          <a:chOff x="0" y="0"/>
+          <a:chExt cx="0" cy="0"/>
+        </a:xfrm>
+      </p:grpSpPr>
+      <p:sp>
+        <p:nvSpPr>
+          <p:cNvPr id="2" name="Title 1"/>
+          <p:cNvSpPr>
+            <a:spLocks noGrp="1"/>
+          </p:cNvSpPr>
+          <p:nvPr>
+            <p:ph type="title"/>
+          </p:nvPr>
+        </p:nvSpPr>
+        <p:spPr/>
+        <p:txBody>
+          <a:bodyPr/>
+          <a:lstStyle/>
+          <a:p>
+            <a:r>
+              <a:rPr lang="en-US" sz="4000" dirty="0" smtClean="0"/>
+              <a:t>Android App And Web Development</a:t>
+            </a:r>
+            <a:endParaRPr lang="en-US" sz="4000" dirty="0"/>
+          </a:p>
+        </p:txBody>
+      </p:sp>
+      <p:sp>
+        <p:nvSpPr>
+          <p:cNvPr id="5" name="Content Placeholder 2"/>
+          <p:cNvSpPr>
+            <a:spLocks noGrp="1"/>
+          </p:cNvSpPr>
+          <p:nvPr>
+            <p:ph idx="1"/>
+          </p:nvPr>
+        </p:nvSpPr>
+        <p:spPr>
+          <a:xfrm>
+            <a:off x="646112" y="2052918"/>
+            <a:ext cx="9403742" cy="4195481"/>
+          </a:xfrm>
+        </p:spPr>
+        <p:txBody>
+          <a:bodyPr>
+            <a:normAutofit/>
+          </a:bodyPr>
+          <a:lstStyle/>
+          <a:p>
+            <a:pPr algn="just"/>
+            <a:r>
+              <a:rPr lang="en-US" sz="2400" dirty="0" smtClean="0">
+                <a:solidFill>
+                  <a:schemeClr val="accent3">
+                    <a:lumMod val="60000"/>
+                    <a:lumOff val="40000"/>
+                  </a:schemeClr>
+                </a:solidFill>
+              </a:rPr>
+              <a:t>Android App will be one of the 2 user interfaces.</a:t>
+            </a:r>
+          </a:p>
+          <a:p>
+            <a:pPr algn="just"/>
+            <a:r>
+              <a:rPr lang="en-US" sz="2400" dirty="0" smtClean="0">
+                <a:solidFill>
+                  <a:schemeClr val="accent3">
+                    <a:lumMod val="60000"/>
+                    <a:lumOff val="40000"/>
+                  </a:schemeClr>
+                </a:solidFill>
+              </a:rPr>
+              <a:t>Will be used by Framers.</a:t>
+            </a:r>
+          </a:p>
+          <a:p>
+            <a:pPr algn="just"/>
+            <a:r>
+              <a:rPr lang="en-US" sz="2400" dirty="0" smtClean="0">
+                <a:solidFill>
+                  <a:schemeClr val="accent3">
+                    <a:lumMod val="60000"/>
+                    <a:lumOff val="40000"/>
+                  </a:schemeClr>
+                </a:solidFill>
+              </a:rPr>
+              <a:t>While a website will be the other user interface, for reporting of analysis results.</a:t>
+            </a:r>
+          </a:p>
+          <a:p>
+            <a:pPr algn="just"/>
+            <a:r>
+              <a:rPr lang="en-US" sz="2400" dirty="0" smtClean="0">
+                <a:solidFill>
+                  <a:schemeClr val="accent3">
+                    <a:lumMod val="60000"/>
+                    <a:lumOff val="40000"/>
+                  </a:schemeClr>
+                </a:solidFill>
+              </a:rPr>
+              <a:t>Technology used for website will be:</a:t>
+            </a:r>
+          </a:p>
+          <a:p>
+            <a:pPr lvl="1" algn="just"/>
+            <a:r>
+              <a:rPr lang="en-US" sz="2200" dirty="0" smtClean="0">
+                <a:solidFill>
+                  <a:schemeClr val="accent3">
+                    <a:lumMod val="60000"/>
+                    <a:lumOff val="40000"/>
+                  </a:schemeClr>
+                </a:solidFill>
+              </a:rPr>
+              <a:t>HTML &amp; CSS</a:t>
+            </a:r>
+          </a:p>
+          <a:p>
+            <a:pPr lvl="1" algn="just"/>
+            <a:r>
+              <a:rPr lang="en-US" sz="2200" dirty="0" smtClean="0">
+                <a:solidFill>
+                  <a:schemeClr val="accent3">
+                    <a:lumMod val="60000"/>
+                    <a:lumOff val="40000"/>
+                  </a:schemeClr>
+                </a:solidFill>
+              </a:rPr>
+              <a:t>JS ( and D3.js)</a:t>
+            </a:r>
+          </a:p>
+          <a:p>
+            <a:pPr lvl="1" algn="just"/>
+            <a:endParaRPr lang="en-US" sz="2200" dirty="0" smtClean="0">
+              <a:solidFill>
+                <a:schemeClr val="accent3">
+                  <a:lumMod val="60000"/>
+                  <a:lumOff val="40000"/>
+                </a:schemeClr>
+              </a:solidFill>
+            </a:endParaRPr>
+          </a:p>
+          <a:p>
+            <a:pPr algn="just"/>
+            <a:endParaRPr lang="en-US" sz="2400" dirty="0" smtClean="0">
+              <a:solidFill>
+                <a:schemeClr val="accent3">
+                  <a:lumMod val="60000"/>
+                  <a:lumOff val="40000"/>
+                </a:schemeClr>
+              </a:solidFill>
+            </a:endParaRPr>
+          </a:p>
+        </p:txBody>
+      </p:sp>
+    </p:spTree>
+    <p:extLst>
+      <p:ext uri="{BB962C8B-B14F-4D97-AF65-F5344CB8AC3E}">
+        <p14:creationId xmlns:p14="http://schemas.microsoft.com/office/powerpoint/2010/main" val="4038165438"/>
+      </p:ext>
+    </p:extLst>
+  </p:cSld>
+  <p:clrMapOvr>
+    <a:masterClrMapping/>
+  </p:clrMapOvr>
+  <p:timing>
+    <p:tnLst>
+      <p:par>
+        <p:cTn id="1" dur="indefinite" restart="never" nodeType="tmRoot"/>
+      </p:par>
+    </p:tnLst>
+  </p:timing>
+</p:sld>
+</file>
+
+<file path=ppt/slides/slide8.xml><?xml version="1.0" encoding="utf-8"?>
+<p:sld xmlns:a="http://schemas.openxmlformats.org/drawingml/2006/main" xmlns:r="http://schemas.openxmlformats.org/officeDocument/2006/relationships" xmlns:p="http://schemas.openxmlformats.org/presentationml/2006/main">
+  <p:cSld>
+    <p:spTree>
+      <p:nvGrpSpPr>
+        <p:cNvPr id="1" name=""/>
+        <p:cNvGrpSpPr/>
+        <p:nvPr/>
+      </p:nvGrpSpPr>
+      <p:grpSpPr>
+        <a:xfrm>
+          <a:off x="0" y="0"/>
+          <a:ext cx="0" cy="0"/>
+          <a:chOff x="0" y="0"/>
+          <a:chExt cx="0" cy="0"/>
+        </a:xfrm>
+      </p:grpSpPr>
+      <p:sp>
+        <p:nvSpPr>
+          <p:cNvPr id="2" name="Title 1"/>
+          <p:cNvSpPr>
+            <a:spLocks noGrp="1"/>
+          </p:cNvSpPr>
+          <p:nvPr>
+            <p:ph type="title"/>
+          </p:nvPr>
+        </p:nvSpPr>
+        <p:spPr/>
+        <p:txBody>
+          <a:bodyPr/>
+          <a:lstStyle/>
+          <a:p>
+            <a:r>
+              <a:rPr lang="en-US" sz="4000" dirty="0" smtClean="0"/>
+              <a:t>Project Modules</a:t>
+            </a:r>
+            <a:endParaRPr lang="en-US" sz="4000" dirty="0"/>
+          </a:p>
+        </p:txBody>
+      </p:sp>
+      <p:sp>
+        <p:nvSpPr>
+          <p:cNvPr id="3" name="Content Placeholder 2"/>
+          <p:cNvSpPr>
+            <a:spLocks noGrp="1"/>
+          </p:cNvSpPr>
+          <p:nvPr>
+            <p:ph idx="1"/>
+          </p:nvPr>
+        </p:nvSpPr>
+        <p:spPr>
+          <a:xfrm>
+            <a:off x="742365" y="1583112"/>
+            <a:ext cx="11187038" cy="5084974"/>
+          </a:xfrm>
+        </p:spPr>
+        <p:txBody>
+          <a:bodyPr>
+            <a:normAutofit/>
+          </a:bodyPr>
+          <a:lstStyle/>
+          <a:p>
+            <a:r>
+              <a:rPr lang="en-US" sz="2800" dirty="0" smtClean="0">
+                <a:solidFill>
+                  <a:schemeClr val="accent3">
+                    <a:lumMod val="60000"/>
+                    <a:lumOff val="40000"/>
+                  </a:schemeClr>
+                </a:solidFill>
+              </a:rPr>
+              <a:t>Automatic Irrigation</a:t>
+            </a:r>
+          </a:p>
+          <a:p>
+            <a:r>
+              <a:rPr lang="en-US" sz="2800" dirty="0">
+                <a:solidFill>
+                  <a:schemeClr val="accent3">
+                    <a:lumMod val="60000"/>
+                    <a:lumOff val="40000"/>
+                  </a:schemeClr>
+                </a:solidFill>
+              </a:rPr>
+              <a:t>Data Analysis &amp; Prediction</a:t>
+            </a:r>
+            <a:endParaRPr lang="en-US" sz="2800" dirty="0" smtClean="0">
+              <a:solidFill>
+                <a:schemeClr val="accent3">
+                  <a:lumMod val="60000"/>
+                  <a:lumOff val="40000"/>
+                </a:schemeClr>
+              </a:solidFill>
+            </a:endParaRPr>
+          </a:p>
+          <a:p>
+            <a:r>
+              <a:rPr lang="en-US" sz="2800" dirty="0" smtClean="0">
+                <a:solidFill>
+                  <a:schemeClr val="accent3">
+                    <a:lumMod val="60000"/>
+                    <a:lumOff val="40000"/>
+                  </a:schemeClr>
+                </a:solidFill>
+              </a:rPr>
+              <a:t>Warehouse Maintenance  </a:t>
+            </a:r>
+            <a:endParaRPr lang="en-US" sz="2800" dirty="0">
+              <a:solidFill>
+                <a:schemeClr val="accent3">
+                  <a:lumMod val="60000"/>
+                  <a:lumOff val="40000"/>
+                </a:schemeClr>
+              </a:solidFill>
+            </a:endParaRPr>
+          </a:p>
+          <a:p>
+            <a:r>
+              <a:rPr lang="en-US" sz="2800" dirty="0" smtClean="0">
+                <a:solidFill>
+                  <a:schemeClr val="accent3">
+                    <a:lumMod val="60000"/>
+                    <a:lumOff val="40000"/>
+                  </a:schemeClr>
+                </a:solidFill>
+              </a:rPr>
+              <a:t>Android Application</a:t>
+            </a:r>
+          </a:p>
+          <a:p>
+            <a:r>
+              <a:rPr lang="en-US" sz="2800" dirty="0" smtClean="0">
+                <a:solidFill>
+                  <a:schemeClr val="accent3">
+                    <a:lumMod val="60000"/>
+                    <a:lumOff val="40000"/>
+                  </a:schemeClr>
+                </a:solidFill>
+              </a:rPr>
+              <a:t>Website</a:t>
+            </a:r>
+            <a:endParaRPr lang="en-US" sz="2800" dirty="0">
+              <a:solidFill>
+                <a:schemeClr val="accent3">
+                  <a:lumMod val="60000"/>
+                  <a:lumOff val="40000"/>
+                </a:schemeClr>
+              </a:solidFill>
+            </a:endParaRPr>
+          </a:p>
+        </p:txBody>
+      </p:sp>
+    </p:spTree>
+    <p:extLst>
+      <p:ext uri="{BB962C8B-B14F-4D97-AF65-F5344CB8AC3E}">
+        <p14:creationId xmlns:p14="http://schemas.microsoft.com/office/powerpoint/2010/main" val="1365526054"/>
+      </p:ext>
+    </p:extLst>
+  </p:cSld>
+  <p:clrMapOvr>
+    <a:masterClrMapping/>
+  </p:clrMapOvr>
+  <p:timing>
+    <p:tnLst>
+      <p:par>
+        <p:cTn id="1" dur="indefinite" restart="never" nodeType="tmRoot"/>
+      </p:par>
+    </p:tnLst>
+  </p:timing>
+</p:sld>
+</file>
+
+<file path=ppt/slides/slide9.xml><?xml version="1.0" encoding="utf-8"?>
+<p:sld xmlns:a="http://schemas.openxmlformats.org/drawingml/2006/main" xmlns:r="http://schemas.openxmlformats.org/officeDocument/2006/relationships" xmlns:p="http://schemas.openxmlformats.org/presentationml/2006/main">
+  <p:cSld>
+    <p:spTree>
+      <p:nvGrpSpPr>
+        <p:cNvPr id="1" name=""/>
+        <p:cNvGrpSpPr/>
+        <p:nvPr/>
+      </p:nvGrpSpPr>
+      <p:grpSpPr>
+        <a:xfrm>
+          <a:off x="0" y="0"/>
+          <a:ext cx="0" cy="0"/>
+          <a:chOff x="0" y="0"/>
+          <a:chExt cx="0" cy="0"/>
+        </a:xfrm>
+      </p:grpSpPr>
+      <p:sp>
+        <p:nvSpPr>
+          <p:cNvPr id="2" name="Title 1"/>
+          <p:cNvSpPr>
+            <a:spLocks noGrp="1"/>
+          </p:cNvSpPr>
+          <p:nvPr>
+            <p:ph type="title"/>
+          </p:nvPr>
+        </p:nvSpPr>
         <p:spPr>
           <a:xfrm>
             <a:off x="530819" y="311630"/>
@@ -6454,7 +9223,7 @@
         </p:nvSpPr>
         <p:spPr>
           <a:xfrm>
-            <a:off x="3760935" y="2616699"/>
+            <a:off x="3222070" y="2520781"/>
             <a:ext cx="1272204" cy="369332"/>
           </a:xfrm>
           <a:prstGeom prst="rect">
@@ -6488,7 +9257,7 @@
         </p:nvSpPr>
         <p:spPr>
           <a:xfrm>
-            <a:off x="796504" y="5218786"/>
+            <a:off x="1050206" y="5164990"/>
             <a:ext cx="1394091" cy="369332"/>
           </a:xfrm>
           <a:prstGeom prst="rect">
@@ -6521,7 +9290,7 @@
         </p:nvSpPr>
         <p:spPr>
           <a:xfrm>
-            <a:off x="810580" y="3492922"/>
+            <a:off x="893101" y="3420718"/>
             <a:ext cx="1736141" cy="369332"/>
           </a:xfrm>
           <a:prstGeom prst="rect">
@@ -6585,15 +9354,15 @@
         <p:nvCxnSpPr>
           <p:cNvPr id="24" name="Straight Arrow Connector 23"/>
           <p:cNvCxnSpPr>
-            <a:stCxn id="6" idx="0"/>
+            <a:stCxn id="34" idx="2"/>
             <a:endCxn id="62" idx="0"/>
           </p:cNvCxnSpPr>
           <p:nvPr/>
         </p:nvCxnSpPr>
         <p:spPr>
           <a:xfrm>
-            <a:off x="4397037" y="2616699"/>
-            <a:ext cx="255932" cy="606695"/>
+            <a:off x="4240869" y="2577121"/>
+            <a:ext cx="412100" cy="646273"/>
           </a:xfrm>
           <a:prstGeom prst="straightConnector1">
             <a:avLst/>
@@ -6627,9 +9396,9 @@
           <p:nvPr/>
         </p:nvCxnSpPr>
         <p:spPr>
-          <a:xfrm flipV="1">
-            <a:off x="8199391" y="3736190"/>
-            <a:ext cx="1101712" cy="25389"/>
+          <a:xfrm>
+            <a:off x="8199391" y="3761580"/>
+            <a:ext cx="1243623" cy="1053247"/>
           </a:xfrm>
           <a:prstGeom prst="straightConnector1">
             <a:avLst/>
@@ -6678,7 +9447,7 @@
         </p:blipFill>
         <p:spPr>
           <a:xfrm>
-            <a:off x="3206265" y="5414969"/>
+            <a:off x="3274665" y="5414969"/>
             <a:ext cx="1826874" cy="989998"/>
           </a:xfrm>
           <a:prstGeom prst="rect">
@@ -6708,7 +9477,7 @@
         </p:blipFill>
         <p:spPr>
           <a:xfrm>
-            <a:off x="3760935" y="1315621"/>
+            <a:off x="3604767" y="1304917"/>
             <a:ext cx="1272204" cy="1272204"/>
           </a:xfrm>
           <a:prstGeom prst="rect">
@@ -6738,7 +9507,7 @@
         </p:blipFill>
         <p:spPr>
           <a:xfrm>
-            <a:off x="899586" y="2457570"/>
+            <a:off x="989549" y="2382581"/>
             <a:ext cx="1723122" cy="1035352"/>
           </a:xfrm>
           <a:prstGeom prst="rect">
@@ -6768,7 +9537,7 @@
         </p:blipFill>
         <p:spPr>
           <a:xfrm>
-            <a:off x="848380" y="4154646"/>
+            <a:off x="1050206" y="4103601"/>
             <a:ext cx="1723122" cy="1035352"/>
           </a:xfrm>
           <a:prstGeom prst="rect">
@@ -6823,8 +9592,8 @@
         </p:nvCxnSpPr>
         <p:spPr>
           <a:xfrm flipV="1">
-            <a:off x="4119702" y="4608906"/>
-            <a:ext cx="533267" cy="806063"/>
+            <a:off x="4188102" y="4608906"/>
+            <a:ext cx="464867" cy="806063"/>
           </a:xfrm>
           <a:prstGeom prst="straightConnector1">
             <a:avLst/>
@@ -6889,7 +9658,7 @@
         </p:nvSpPr>
         <p:spPr>
           <a:xfrm>
-            <a:off x="8619417" y="4572455"/>
+            <a:off x="8750247" y="5795542"/>
             <a:ext cx="2756471" cy="646331"/>
           </a:xfrm>
           <a:prstGeom prst="rect">
@@ -6964,7 +9733,7 @@
         </p:nvSpPr>
         <p:spPr>
           <a:xfrm>
-            <a:off x="6537950" y="5045637"/>
+            <a:off x="6532070" y="4832191"/>
             <a:ext cx="1826874" cy="369332"/>
           </a:xfrm>
           <a:prstGeom prst="rect">
@@ -7012,7 +9781,7 @@
         </p:blipFill>
         <p:spPr>
           <a:xfrm>
-            <a:off x="9301103" y="3223394"/>
+            <a:off x="9443014" y="4443273"/>
             <a:ext cx="1393100" cy="1391360"/>
           </a:xfrm>
           <a:prstGeom prst="rect">
@@ -7028,8 +9797,8 @@
         </p:nvCxnSpPr>
         <p:spPr>
           <a:xfrm>
-            <a:off x="8199391" y="4030896"/>
-            <a:ext cx="1101712" cy="5848"/>
+            <a:off x="8109132" y="4068232"/>
+            <a:ext cx="1243623" cy="1108057"/>
           </a:xfrm>
           <a:prstGeom prst="straightConnector1">
             <a:avLst/>
@@ -7097,13 +9866,16 @@
       <p:cxnSp>
         <p:nvCxnSpPr>
           <p:cNvPr id="85" name="Straight Arrow Connector 84"/>
-          <p:cNvCxnSpPr/>
+          <p:cNvCxnSpPr>
+            <a:stCxn id="37" idx="3"/>
+            <a:endCxn id="62" idx="1"/>
+          </p:cNvCxnSpPr>
           <p:nvPr/>
         </p:nvCxnSpPr>
         <p:spPr>
           <a:xfrm flipV="1">
-            <a:off x="2558832" y="4174988"/>
-            <a:ext cx="1388711" cy="756172"/>
+            <a:off x="2773328" y="3916150"/>
+            <a:ext cx="1186885" cy="705127"/>
           </a:xfrm>
           <a:prstGeom prst="straightConnector1">
             <a:avLst/>
@@ -7134,13 +9906,16 @@
       <p:cxnSp>
         <p:nvCxnSpPr>
           <p:cNvPr id="86" name="Straight Arrow Connector 85"/>
-          <p:cNvCxnSpPr/>
+          <p:cNvCxnSpPr>
+            <a:stCxn id="35" idx="3"/>
+            <a:endCxn id="62" idx="1"/>
+          </p:cNvCxnSpPr>
           <p:nvPr/>
         </p:nvCxnSpPr>
         <p:spPr>
           <a:xfrm>
-            <a:off x="2605913" y="2716408"/>
-            <a:ext cx="1337505" cy="940904"/>
+            <a:off x="2712671" y="2900257"/>
+            <a:ext cx="1247542" cy="1015893"/>
           </a:xfrm>
           <a:prstGeom prst="straightConnector1">
             <a:avLst/>
@@ -7190,1550 +9965,112 @@
         </p:blipFill>
         <p:spPr>
           <a:xfrm>
-            <a:off x="6495745" y="2427824"/>
-            <a:ext cx="1703646" cy="2282943"/>
+            <a:off x="6728706" y="3017473"/>
+            <a:ext cx="1341275" cy="1797354"/>
           </a:xfrm>
           <a:prstGeom prst="rect">
             <a:avLst/>
           </a:prstGeom>
         </p:spPr>
       </p:pic>
-    </p:spTree>
-    <p:extLst>
-      <p:ext uri="{BB962C8B-B14F-4D97-AF65-F5344CB8AC3E}">
-        <p14:creationId xmlns:p14="http://schemas.microsoft.com/office/powerpoint/2010/main" val="4108612414"/>
-      </p:ext>
-    </p:extLst>
-  </p:cSld>
-  <p:clrMapOvr>
-    <a:masterClrMapping/>
-  </p:clrMapOvr>
-  <p:timing>
-    <p:tnLst>
-      <p:par>
-        <p:cTn id="1" dur="indefinite" restart="never" nodeType="tmRoot"/>
-      </p:par>
-    </p:tnLst>
-  </p:timing>
-</p:sld>
-</file>
-
-<file path=ppt/slides/slide12.xml><?xml version="1.0" encoding="utf-8"?>
-<p:sld xmlns:a="http://schemas.openxmlformats.org/drawingml/2006/main" xmlns:r="http://schemas.openxmlformats.org/officeDocument/2006/relationships" xmlns:p="http://schemas.openxmlformats.org/presentationml/2006/main">
-  <p:cSld>
-    <p:spTree>
-      <p:nvGrpSpPr>
-        <p:cNvPr id="1" name=""/>
-        <p:cNvGrpSpPr/>
-        <p:nvPr/>
-      </p:nvGrpSpPr>
-      <p:grpSpPr>
-        <a:xfrm>
-          <a:off x="0" y="0"/>
-          <a:ext cx="0" cy="0"/>
-          <a:chOff x="0" y="0"/>
-          <a:chExt cx="0" cy="0"/>
-        </a:xfrm>
-      </p:grpSpPr>
-      <p:sp>
-        <p:nvSpPr>
-          <p:cNvPr id="2" name="Title 1"/>
-          <p:cNvSpPr>
-            <a:spLocks noGrp="1"/>
-          </p:cNvSpPr>
-          <p:nvPr>
-            <p:ph type="title"/>
-          </p:nvPr>
-        </p:nvSpPr>
-        <p:spPr/>
-        <p:txBody>
-          <a:bodyPr/>
-          <a:lstStyle/>
-          <a:p>
-            <a:r>
-              <a:rPr lang="en-US" sz="3600" dirty="0" smtClean="0"/>
-              <a:t>Data </a:t>
-            </a:r>
-            <a:r>
-              <a:rPr lang="en-US" sz="3600" dirty="0"/>
-              <a:t>Analysis &amp; Prediction</a:t>
-            </a:r>
-            <a:r>
-              <a:rPr lang="en-US" sz="4000" dirty="0"/>
-              <a:t/>
-            </a:r>
-            <a:br>
-              <a:rPr lang="en-US" sz="4000" dirty="0"/>
-            </a:br>
-            <a:endParaRPr lang="en-US" sz="4000" dirty="0"/>
-          </a:p>
-        </p:txBody>
-      </p:sp>
-      <p:sp>
-        <p:nvSpPr>
-          <p:cNvPr id="3" name="Content Placeholder 2"/>
-          <p:cNvSpPr>
-            <a:spLocks noGrp="1"/>
-          </p:cNvSpPr>
-          <p:nvPr>
-            <p:ph idx="1"/>
-          </p:nvPr>
-        </p:nvSpPr>
-        <p:spPr>
-          <a:xfrm>
-            <a:off x="646112" y="2052918"/>
-            <a:ext cx="9403742" cy="4195481"/>
-          </a:xfrm>
-        </p:spPr>
-        <p:txBody>
-          <a:bodyPr>
-            <a:normAutofit/>
-          </a:bodyPr>
-          <a:lstStyle/>
-          <a:p>
-            <a:pPr algn="just"/>
-            <a:r>
-              <a:rPr lang="en-US" sz="2400" dirty="0" smtClean="0">
-                <a:solidFill>
-                  <a:schemeClr val="accent3">
-                    <a:lumMod val="60000"/>
-                    <a:lumOff val="40000"/>
-                  </a:schemeClr>
-                </a:solidFill>
-              </a:rPr>
-              <a:t>Based on the data collected from all the sources, several results can be drawn.</a:t>
-            </a:r>
-          </a:p>
-          <a:p>
-            <a:pPr algn="just"/>
-            <a:r>
-              <a:rPr lang="en-US" sz="2400" dirty="0" smtClean="0">
-                <a:solidFill>
-                  <a:schemeClr val="accent3">
-                    <a:lumMod val="60000"/>
-                    <a:lumOff val="40000"/>
-                  </a:schemeClr>
-                </a:solidFill>
-              </a:rPr>
-              <a:t>Analysis will be done for:</a:t>
-            </a:r>
-          </a:p>
-          <a:p>
-            <a:pPr lvl="1" algn="just"/>
-            <a:r>
-              <a:rPr lang="en-US" sz="2200" dirty="0" smtClean="0">
-                <a:solidFill>
-                  <a:schemeClr val="accent3">
-                    <a:lumMod val="60000"/>
-                    <a:lumOff val="40000"/>
-                  </a:schemeClr>
-                </a:solidFill>
-              </a:rPr>
-              <a:t>Water Consumption</a:t>
-            </a:r>
-          </a:p>
-          <a:p>
-            <a:pPr lvl="1" algn="just"/>
-            <a:r>
-              <a:rPr lang="en-US" sz="2200" dirty="0" smtClean="0">
-                <a:solidFill>
-                  <a:schemeClr val="accent3">
-                    <a:lumMod val="60000"/>
-                    <a:lumOff val="40000"/>
-                  </a:schemeClr>
-                </a:solidFill>
-              </a:rPr>
-              <a:t>Crop Properties</a:t>
-            </a:r>
-          </a:p>
-          <a:p>
-            <a:pPr lvl="1" algn="just"/>
-            <a:r>
-              <a:rPr lang="en-US" sz="2200" dirty="0" smtClean="0">
-                <a:solidFill>
-                  <a:schemeClr val="accent3">
-                    <a:lumMod val="60000"/>
-                    <a:lumOff val="40000"/>
-                  </a:schemeClr>
-                </a:solidFill>
-              </a:rPr>
-              <a:t>Crop Suggestions</a:t>
-            </a:r>
-            <a:endParaRPr lang="en-US" sz="2200" dirty="0">
-              <a:solidFill>
-                <a:schemeClr val="accent3">
-                  <a:lumMod val="60000"/>
-                  <a:lumOff val="40000"/>
-                </a:schemeClr>
-              </a:solidFill>
-            </a:endParaRPr>
-          </a:p>
-        </p:txBody>
-      </p:sp>
-    </p:spTree>
-    <p:extLst>
-      <p:ext uri="{BB962C8B-B14F-4D97-AF65-F5344CB8AC3E}">
-        <p14:creationId xmlns:p14="http://schemas.microsoft.com/office/powerpoint/2010/main" val="1336708275"/>
-      </p:ext>
-    </p:extLst>
-  </p:cSld>
-  <p:clrMapOvr>
-    <a:masterClrMapping/>
-  </p:clrMapOvr>
-  <p:timing>
-    <p:tnLst>
-      <p:par>
-        <p:cTn id="1" dur="indefinite" restart="never" nodeType="tmRoot"/>
-      </p:par>
-    </p:tnLst>
-  </p:timing>
-</p:sld>
-</file>
-
-<file path=ppt/slides/slide13.xml><?xml version="1.0" encoding="utf-8"?>
-<p:sld xmlns:a="http://schemas.openxmlformats.org/drawingml/2006/main" xmlns:r="http://schemas.openxmlformats.org/officeDocument/2006/relationships" xmlns:p="http://schemas.openxmlformats.org/presentationml/2006/main">
-  <p:cSld>
-    <p:spTree>
-      <p:nvGrpSpPr>
-        <p:cNvPr id="1" name=""/>
-        <p:cNvGrpSpPr/>
-        <p:nvPr/>
-      </p:nvGrpSpPr>
-      <p:grpSpPr>
-        <a:xfrm>
-          <a:off x="0" y="0"/>
-          <a:ext cx="0" cy="0"/>
-          <a:chOff x="0" y="0"/>
-          <a:chExt cx="0" cy="0"/>
-        </a:xfrm>
-      </p:grpSpPr>
-      <p:sp>
-        <p:nvSpPr>
-          <p:cNvPr id="2" name="Title 1"/>
-          <p:cNvSpPr>
-            <a:spLocks noGrp="1"/>
-          </p:cNvSpPr>
-          <p:nvPr>
-            <p:ph type="title"/>
-          </p:nvPr>
-        </p:nvSpPr>
-        <p:spPr/>
-        <p:txBody>
-          <a:bodyPr/>
-          <a:lstStyle/>
-          <a:p>
-            <a:r>
-              <a:rPr lang="en-US" sz="4000" dirty="0" smtClean="0"/>
-              <a:t>Warehouse Maintenance  </a:t>
-            </a:r>
-            <a:endParaRPr lang="en-US" sz="4000" dirty="0"/>
-          </a:p>
-        </p:txBody>
-      </p:sp>
-      <p:sp>
-        <p:nvSpPr>
-          <p:cNvPr id="3" name="Content Placeholder 2"/>
-          <p:cNvSpPr>
-            <a:spLocks noGrp="1"/>
-          </p:cNvSpPr>
-          <p:nvPr>
-            <p:ph idx="1"/>
-          </p:nvPr>
-        </p:nvSpPr>
-        <p:spPr>
-          <a:xfrm>
-            <a:off x="646112" y="2052918"/>
-            <a:ext cx="9403742" cy="4195481"/>
-          </a:xfrm>
-        </p:spPr>
-        <p:txBody>
-          <a:bodyPr>
-            <a:normAutofit/>
-          </a:bodyPr>
-          <a:lstStyle/>
-          <a:p>
-            <a:pPr algn="just"/>
-            <a:r>
-              <a:rPr lang="en-US" sz="2400" dirty="0">
-                <a:solidFill>
-                  <a:schemeClr val="accent3">
-                    <a:lumMod val="60000"/>
-                    <a:lumOff val="40000"/>
-                  </a:schemeClr>
-                </a:solidFill>
-              </a:rPr>
-              <a:t>Crops are to be maintained even after </a:t>
-            </a:r>
-            <a:r>
-              <a:rPr lang="en-US" sz="2400" dirty="0" smtClean="0">
-                <a:solidFill>
-                  <a:schemeClr val="accent3">
-                    <a:lumMod val="60000"/>
-                    <a:lumOff val="40000"/>
-                  </a:schemeClr>
-                </a:solidFill>
-              </a:rPr>
-              <a:t>harvesting.</a:t>
-            </a:r>
-            <a:endParaRPr lang="en-US" sz="2400" dirty="0" smtClean="0">
-              <a:solidFill>
-                <a:schemeClr val="accent3">
-                  <a:lumMod val="60000"/>
-                  <a:lumOff val="40000"/>
-                </a:schemeClr>
-              </a:solidFill>
-            </a:endParaRPr>
-          </a:p>
-          <a:p>
-            <a:pPr algn="just"/>
-            <a:r>
-              <a:rPr lang="en-US" sz="2400" dirty="0" smtClean="0">
-                <a:solidFill>
-                  <a:schemeClr val="accent3">
-                    <a:lumMod val="60000"/>
-                    <a:lumOff val="40000"/>
-                  </a:schemeClr>
-                </a:solidFill>
-              </a:rPr>
-              <a:t>Factors that can affect crops: </a:t>
-            </a:r>
-          </a:p>
-          <a:p>
-            <a:pPr lvl="1" algn="just"/>
-            <a:r>
-              <a:rPr lang="en-US" sz="2200" dirty="0" smtClean="0">
-                <a:solidFill>
-                  <a:schemeClr val="accent3">
-                    <a:lumMod val="60000"/>
-                    <a:lumOff val="40000"/>
-                  </a:schemeClr>
-                </a:solidFill>
-              </a:rPr>
-              <a:t>Humidity</a:t>
-            </a:r>
-          </a:p>
-          <a:p>
-            <a:pPr lvl="1" algn="just"/>
-            <a:r>
-              <a:rPr lang="en-US" sz="2200" dirty="0" smtClean="0">
-                <a:solidFill>
-                  <a:schemeClr val="accent3">
-                    <a:lumMod val="60000"/>
-                    <a:lumOff val="40000"/>
-                  </a:schemeClr>
-                </a:solidFill>
-              </a:rPr>
-              <a:t>Moisture</a:t>
-            </a:r>
-          </a:p>
-          <a:p>
-            <a:pPr lvl="1" algn="just"/>
-            <a:r>
-              <a:rPr lang="en-US" sz="2200" dirty="0" smtClean="0">
-                <a:solidFill>
-                  <a:schemeClr val="accent3">
-                    <a:lumMod val="60000"/>
-                    <a:lumOff val="40000"/>
-                  </a:schemeClr>
-                </a:solidFill>
-              </a:rPr>
-              <a:t>Temperature</a:t>
-            </a:r>
-            <a:r>
-              <a:rPr lang="en-US" sz="2200" dirty="0" smtClean="0">
-                <a:solidFill>
-                  <a:schemeClr val="accent3">
-                    <a:lumMod val="60000"/>
-                    <a:lumOff val="40000"/>
-                  </a:schemeClr>
-                </a:solidFill>
-              </a:rPr>
-              <a:t>, etc</a:t>
-            </a:r>
-            <a:r>
-              <a:rPr lang="en-US" sz="2200" dirty="0" smtClean="0">
-                <a:solidFill>
-                  <a:schemeClr val="accent3">
-                    <a:lumMod val="60000"/>
-                    <a:lumOff val="40000"/>
-                  </a:schemeClr>
-                </a:solidFill>
-              </a:rPr>
-              <a:t>.</a:t>
-            </a:r>
-          </a:p>
-          <a:p>
-            <a:pPr algn="just"/>
-            <a:r>
-              <a:rPr lang="en-US" sz="2400" dirty="0" smtClean="0">
-                <a:solidFill>
-                  <a:schemeClr val="accent3">
-                    <a:lumMod val="60000"/>
-                    <a:lumOff val="40000"/>
-                  </a:schemeClr>
-                </a:solidFill>
-              </a:rPr>
-              <a:t>Devices used for keeping check on them:</a:t>
-            </a:r>
-          </a:p>
-          <a:p>
-            <a:pPr lvl="1" algn="just"/>
-            <a:r>
-              <a:rPr lang="en-US" sz="2000" dirty="0">
-                <a:solidFill>
-                  <a:schemeClr val="accent3">
-                    <a:lumMod val="60000"/>
-                    <a:lumOff val="40000"/>
-                  </a:schemeClr>
-                </a:solidFill>
-              </a:rPr>
-              <a:t>Temperature Sensor</a:t>
-            </a:r>
-          </a:p>
-          <a:p>
-            <a:pPr lvl="1" algn="just"/>
-            <a:r>
-              <a:rPr lang="en-US" sz="2200" dirty="0" smtClean="0">
-                <a:solidFill>
-                  <a:schemeClr val="accent3">
-                    <a:lumMod val="60000"/>
-                    <a:lumOff val="40000"/>
-                  </a:schemeClr>
-                </a:solidFill>
-              </a:rPr>
-              <a:t>Alarm etc.</a:t>
-            </a:r>
-            <a:endParaRPr lang="en-US" sz="2200" dirty="0">
-              <a:solidFill>
-                <a:schemeClr val="accent3">
-                  <a:lumMod val="60000"/>
-                  <a:lumOff val="40000"/>
-                </a:schemeClr>
-              </a:solidFill>
-            </a:endParaRPr>
-          </a:p>
-        </p:txBody>
-      </p:sp>
-    </p:spTree>
-    <p:extLst>
-      <p:ext uri="{BB962C8B-B14F-4D97-AF65-F5344CB8AC3E}">
-        <p14:creationId xmlns:p14="http://schemas.microsoft.com/office/powerpoint/2010/main" val="1190211854"/>
-      </p:ext>
-    </p:extLst>
-  </p:cSld>
-  <p:clrMapOvr>
-    <a:masterClrMapping/>
-  </p:clrMapOvr>
-  <p:timing>
-    <p:tnLst>
-      <p:par>
-        <p:cTn id="1" dur="indefinite" restart="never" nodeType="tmRoot"/>
-      </p:par>
-    </p:tnLst>
-  </p:timing>
-</p:sld>
-</file>
-
-<file path=ppt/slides/slide14.xml><?xml version="1.0" encoding="utf-8"?>
-<p:sld xmlns:a="http://schemas.openxmlformats.org/drawingml/2006/main" xmlns:r="http://schemas.openxmlformats.org/officeDocument/2006/relationships" xmlns:p="http://schemas.openxmlformats.org/presentationml/2006/main">
-  <p:cSld>
-    <p:spTree>
-      <p:nvGrpSpPr>
-        <p:cNvPr id="1" name=""/>
-        <p:cNvGrpSpPr/>
-        <p:nvPr/>
-      </p:nvGrpSpPr>
-      <p:grpSpPr>
-        <a:xfrm>
-          <a:off x="0" y="0"/>
-          <a:ext cx="0" cy="0"/>
-          <a:chOff x="0" y="0"/>
-          <a:chExt cx="0" cy="0"/>
-        </a:xfrm>
-      </p:grpSpPr>
-      <p:sp>
-        <p:nvSpPr>
-          <p:cNvPr id="2" name="Title 1"/>
-          <p:cNvSpPr>
-            <a:spLocks noGrp="1"/>
-          </p:cNvSpPr>
-          <p:nvPr>
-            <p:ph type="title"/>
-          </p:nvPr>
-        </p:nvSpPr>
-        <p:spPr/>
-        <p:txBody>
-          <a:bodyPr/>
-          <a:lstStyle/>
-          <a:p>
-            <a:r>
-              <a:rPr lang="en-US" dirty="0" smtClean="0"/>
-              <a:t>Android App</a:t>
-            </a:r>
-            <a:endParaRPr lang="en-US" dirty="0"/>
-          </a:p>
-        </p:txBody>
-      </p:sp>
-      <p:sp>
-        <p:nvSpPr>
-          <p:cNvPr id="3" name="Content Placeholder 2"/>
-          <p:cNvSpPr>
-            <a:spLocks noGrp="1"/>
-          </p:cNvSpPr>
-          <p:nvPr>
-            <p:ph idx="1"/>
-          </p:nvPr>
-        </p:nvSpPr>
-        <p:spPr>
-          <a:xfrm>
-            <a:off x="646112" y="2052918"/>
-            <a:ext cx="9403742" cy="4195481"/>
-          </a:xfrm>
-        </p:spPr>
-        <p:txBody>
-          <a:bodyPr>
-            <a:normAutofit/>
-          </a:bodyPr>
-          <a:lstStyle/>
-          <a:p>
-            <a:pPr algn="just"/>
-            <a:r>
-              <a:rPr lang="en-US" sz="2400" dirty="0" smtClean="0">
-                <a:solidFill>
-                  <a:schemeClr val="accent3">
-                    <a:lumMod val="60000"/>
-                    <a:lumOff val="40000"/>
-                  </a:schemeClr>
-                </a:solidFill>
-              </a:rPr>
-              <a:t>It will the interface between farmer and our system.</a:t>
-            </a:r>
-          </a:p>
-          <a:p>
-            <a:pPr algn="just"/>
-            <a:r>
-              <a:rPr lang="en-US" sz="2400" dirty="0">
-                <a:solidFill>
-                  <a:schemeClr val="accent3">
-                    <a:lumMod val="60000"/>
-                    <a:lumOff val="40000"/>
-                  </a:schemeClr>
-                </a:solidFill>
-              </a:rPr>
-              <a:t>Features Provided:</a:t>
-            </a:r>
-          </a:p>
-          <a:p>
-            <a:pPr marL="914400" lvl="1" indent="-457200" algn="just">
-              <a:buFont typeface="+mj-lt"/>
-              <a:buAutoNum type="arabicPeriod"/>
-            </a:pPr>
-            <a:r>
-              <a:rPr lang="en-US" sz="2200" dirty="0">
-                <a:solidFill>
-                  <a:schemeClr val="accent3">
-                    <a:lumMod val="60000"/>
-                    <a:lumOff val="40000"/>
-                  </a:schemeClr>
-                </a:solidFill>
-              </a:rPr>
-              <a:t>Crop Suggestions: Helps farmer to decide which crop will be best based on the analysis done.</a:t>
-            </a:r>
-          </a:p>
-          <a:p>
-            <a:pPr marL="914400" lvl="1" indent="-457200" algn="just">
-              <a:buFont typeface="+mj-lt"/>
-              <a:buAutoNum type="arabicPeriod"/>
-            </a:pPr>
-            <a:r>
-              <a:rPr lang="en-US" sz="2200" dirty="0">
-                <a:solidFill>
-                  <a:schemeClr val="accent3">
-                    <a:lumMod val="60000"/>
-                    <a:lumOff val="40000"/>
-                  </a:schemeClr>
-                </a:solidFill>
-              </a:rPr>
-              <a:t>Crop Selection: Used to notify new crop planted.</a:t>
-            </a:r>
-          </a:p>
-          <a:p>
-            <a:pPr marL="914400" lvl="1" indent="-457200" algn="just">
-              <a:buFont typeface="+mj-lt"/>
-              <a:buAutoNum type="arabicPeriod"/>
-            </a:pPr>
-            <a:r>
-              <a:rPr lang="en-US" sz="2200" dirty="0">
-                <a:solidFill>
-                  <a:schemeClr val="accent3">
-                    <a:lumMod val="60000"/>
-                    <a:lumOff val="40000"/>
-                  </a:schemeClr>
-                </a:solidFill>
-              </a:rPr>
-              <a:t>Pest Control: A control switch which can spray pesticides</a:t>
-            </a:r>
-            <a:r>
-              <a:rPr lang="en-US" sz="2200" dirty="0" smtClean="0">
-                <a:solidFill>
-                  <a:schemeClr val="accent3">
-                    <a:lumMod val="60000"/>
-                    <a:lumOff val="40000"/>
-                  </a:schemeClr>
-                </a:solidFill>
-              </a:rPr>
-              <a:t>.</a:t>
-            </a:r>
-            <a:endParaRPr lang="en-US" sz="2400" dirty="0" smtClean="0">
-              <a:solidFill>
-                <a:schemeClr val="accent3">
-                  <a:lumMod val="60000"/>
-                  <a:lumOff val="40000"/>
-                </a:schemeClr>
-              </a:solidFill>
-            </a:endParaRPr>
-          </a:p>
-        </p:txBody>
-      </p:sp>
-    </p:spTree>
-    <p:extLst>
-      <p:ext uri="{BB962C8B-B14F-4D97-AF65-F5344CB8AC3E}">
-        <p14:creationId xmlns:p14="http://schemas.microsoft.com/office/powerpoint/2010/main" val="3235319983"/>
-      </p:ext>
-    </p:extLst>
-  </p:cSld>
-  <p:clrMapOvr>
-    <a:masterClrMapping/>
-  </p:clrMapOvr>
-  <p:timing>
-    <p:tnLst>
-      <p:par>
-        <p:cTn id="1" dur="indefinite" restart="never" nodeType="tmRoot"/>
-      </p:par>
-    </p:tnLst>
-  </p:timing>
-</p:sld>
-</file>
-
-<file path=ppt/slides/slide15.xml><?xml version="1.0" encoding="utf-8"?>
-<p:sld xmlns:a="http://schemas.openxmlformats.org/drawingml/2006/main" xmlns:r="http://schemas.openxmlformats.org/officeDocument/2006/relationships" xmlns:p="http://schemas.openxmlformats.org/presentationml/2006/main">
-  <p:cSld>
-    <p:spTree>
-      <p:nvGrpSpPr>
-        <p:cNvPr id="1" name=""/>
-        <p:cNvGrpSpPr/>
-        <p:nvPr/>
-      </p:nvGrpSpPr>
-      <p:grpSpPr>
-        <a:xfrm>
-          <a:off x="0" y="0"/>
-          <a:ext cx="0" cy="0"/>
-          <a:chOff x="0" y="0"/>
-          <a:chExt cx="0" cy="0"/>
-        </a:xfrm>
-      </p:grpSpPr>
-      <p:sp>
-        <p:nvSpPr>
-          <p:cNvPr id="2" name="Title 1"/>
-          <p:cNvSpPr>
-            <a:spLocks noGrp="1"/>
-          </p:cNvSpPr>
-          <p:nvPr>
-            <p:ph type="title"/>
-          </p:nvPr>
-        </p:nvSpPr>
-        <p:spPr/>
-        <p:txBody>
-          <a:bodyPr/>
-          <a:lstStyle/>
-          <a:p>
-            <a:r>
-              <a:rPr lang="en-US" dirty="0" smtClean="0"/>
-              <a:t>Website</a:t>
-            </a:r>
-            <a:endParaRPr lang="en-US" dirty="0"/>
-          </a:p>
-        </p:txBody>
-      </p:sp>
-      <p:sp>
-        <p:nvSpPr>
-          <p:cNvPr id="3" name="Content Placeholder 2"/>
-          <p:cNvSpPr>
-            <a:spLocks noGrp="1"/>
-          </p:cNvSpPr>
-          <p:nvPr>
-            <p:ph idx="1"/>
-          </p:nvPr>
-        </p:nvSpPr>
-        <p:spPr>
-          <a:xfrm>
-            <a:off x="646112" y="2052918"/>
-            <a:ext cx="9403742" cy="4195481"/>
-          </a:xfrm>
-        </p:spPr>
-        <p:txBody>
-          <a:bodyPr>
-            <a:normAutofit/>
-          </a:bodyPr>
-          <a:lstStyle/>
-          <a:p>
-            <a:pPr algn="just"/>
-            <a:r>
-              <a:rPr lang="en-US" sz="2400" dirty="0" smtClean="0">
-                <a:solidFill>
-                  <a:schemeClr val="accent3">
-                    <a:lumMod val="60000"/>
-                    <a:lumOff val="40000"/>
-                  </a:schemeClr>
-                </a:solidFill>
-              </a:rPr>
-              <a:t>It will be the 2</a:t>
-            </a:r>
-            <a:r>
-              <a:rPr lang="en-US" sz="2400" baseline="30000" dirty="0" smtClean="0">
-                <a:solidFill>
-                  <a:schemeClr val="accent3">
-                    <a:lumMod val="60000"/>
-                    <a:lumOff val="40000"/>
-                  </a:schemeClr>
-                </a:solidFill>
-              </a:rPr>
-              <a:t>nd</a:t>
-            </a:r>
-            <a:r>
-              <a:rPr lang="en-US" sz="2400" dirty="0" smtClean="0">
-                <a:solidFill>
-                  <a:schemeClr val="accent3">
-                    <a:lumMod val="60000"/>
-                    <a:lumOff val="40000"/>
-                  </a:schemeClr>
-                </a:solidFill>
-              </a:rPr>
-              <a:t> interface but not specifically for farmer.</a:t>
-            </a:r>
-          </a:p>
-          <a:p>
-            <a:pPr algn="just"/>
-            <a:r>
-              <a:rPr lang="en-US" sz="2400" dirty="0">
-                <a:solidFill>
-                  <a:schemeClr val="accent3">
-                    <a:lumMod val="60000"/>
-                    <a:lumOff val="40000"/>
-                  </a:schemeClr>
-                </a:solidFill>
-              </a:rPr>
-              <a:t>Features Provided:</a:t>
-            </a:r>
-          </a:p>
-          <a:p>
-            <a:pPr marL="914400" lvl="1" indent="-457200" algn="just">
-              <a:buFont typeface="+mj-lt"/>
-              <a:buAutoNum type="arabicPeriod"/>
-            </a:pPr>
-            <a:r>
-              <a:rPr lang="en-US" sz="2200" dirty="0" smtClean="0">
-                <a:solidFill>
-                  <a:schemeClr val="accent3">
-                    <a:lumMod val="60000"/>
-                    <a:lumOff val="40000"/>
-                  </a:schemeClr>
-                </a:solidFill>
-              </a:rPr>
-              <a:t>All graphs showing the result of analysis.</a:t>
-            </a:r>
-            <a:endParaRPr lang="en-US" sz="2200" dirty="0">
-              <a:solidFill>
-                <a:schemeClr val="accent3">
-                  <a:lumMod val="60000"/>
-                  <a:lumOff val="40000"/>
-                </a:schemeClr>
-              </a:solidFill>
-            </a:endParaRPr>
-          </a:p>
-          <a:p>
-            <a:pPr marL="914400" lvl="1" indent="-457200" algn="just">
-              <a:buFont typeface="+mj-lt"/>
-              <a:buAutoNum type="arabicPeriod"/>
-            </a:pPr>
-            <a:r>
-              <a:rPr lang="en-US" sz="2200" dirty="0" smtClean="0">
-                <a:solidFill>
-                  <a:schemeClr val="accent3">
-                    <a:lumMod val="60000"/>
-                    <a:lumOff val="40000"/>
-                  </a:schemeClr>
-                </a:solidFill>
-              </a:rPr>
-              <a:t>APIs</a:t>
-            </a:r>
-            <a:endParaRPr lang="en-US" sz="2200" dirty="0">
-              <a:solidFill>
-                <a:schemeClr val="accent3">
-                  <a:lumMod val="60000"/>
-                  <a:lumOff val="40000"/>
-                </a:schemeClr>
-              </a:solidFill>
-            </a:endParaRPr>
-          </a:p>
-        </p:txBody>
-      </p:sp>
-    </p:spTree>
-    <p:extLst>
-      <p:ext uri="{BB962C8B-B14F-4D97-AF65-F5344CB8AC3E}">
-        <p14:creationId xmlns:p14="http://schemas.microsoft.com/office/powerpoint/2010/main" val="2233745525"/>
-      </p:ext>
-    </p:extLst>
-  </p:cSld>
-  <p:clrMapOvr>
-    <a:masterClrMapping/>
-  </p:clrMapOvr>
-  <p:timing>
-    <p:tnLst>
-      <p:par>
-        <p:cTn id="1" dur="indefinite" restart="never" nodeType="tmRoot"/>
-      </p:par>
-    </p:tnLst>
-  </p:timing>
-</p:sld>
-</file>
-
-<file path=ppt/slides/slide16.xml><?xml version="1.0" encoding="utf-8"?>
-<p:sld xmlns:a="http://schemas.openxmlformats.org/drawingml/2006/main" xmlns:r="http://schemas.openxmlformats.org/officeDocument/2006/relationships" xmlns:p="http://schemas.openxmlformats.org/presentationml/2006/main">
-  <p:cSld>
-    <p:spTree>
-      <p:nvGrpSpPr>
-        <p:cNvPr id="1" name=""/>
-        <p:cNvGrpSpPr/>
-        <p:nvPr/>
-      </p:nvGrpSpPr>
-      <p:grpSpPr>
-        <a:xfrm>
-          <a:off x="0" y="0"/>
-          <a:ext cx="0" cy="0"/>
-          <a:chOff x="0" y="0"/>
-          <a:chExt cx="0" cy="0"/>
-        </a:xfrm>
-      </p:grpSpPr>
-      <p:sp>
-        <p:nvSpPr>
-          <p:cNvPr id="2" name="Title 1"/>
-          <p:cNvSpPr>
-            <a:spLocks noGrp="1"/>
-          </p:cNvSpPr>
-          <p:nvPr>
-            <p:ph type="title"/>
-          </p:nvPr>
-        </p:nvSpPr>
-        <p:spPr/>
-        <p:txBody>
-          <a:bodyPr/>
-          <a:lstStyle/>
-          <a:p>
-            <a:r>
-              <a:rPr lang="en-US" dirty="0" smtClean="0"/>
-              <a:t>Conclusion</a:t>
-            </a:r>
-            <a:endParaRPr lang="en-US" dirty="0"/>
-          </a:p>
-        </p:txBody>
-      </p:sp>
-      <p:sp>
-        <p:nvSpPr>
-          <p:cNvPr id="3" name="Content Placeholder 2"/>
-          <p:cNvSpPr>
-            <a:spLocks noGrp="1"/>
-          </p:cNvSpPr>
-          <p:nvPr>
-            <p:ph idx="1"/>
-          </p:nvPr>
-        </p:nvSpPr>
-        <p:spPr>
-          <a:xfrm>
-            <a:off x="646112" y="2052918"/>
-            <a:ext cx="9403742" cy="4195481"/>
-          </a:xfrm>
-        </p:spPr>
-        <p:txBody>
-          <a:bodyPr>
-            <a:normAutofit/>
-          </a:bodyPr>
-          <a:lstStyle/>
-          <a:p>
-            <a:r>
-              <a:rPr lang="en-US" sz="2400" dirty="0" smtClean="0">
-                <a:solidFill>
-                  <a:schemeClr val="accent3">
-                    <a:lumMod val="60000"/>
-                    <a:lumOff val="40000"/>
-                  </a:schemeClr>
-                </a:solidFill>
-              </a:rPr>
-              <a:t>Conclusion really???</a:t>
-            </a:r>
-          </a:p>
-          <a:p>
-            <a:r>
-              <a:rPr lang="en-US" sz="2400" dirty="0" smtClean="0">
-                <a:solidFill>
-                  <a:schemeClr val="accent3">
-                    <a:lumMod val="60000"/>
-                    <a:lumOff val="40000"/>
-                  </a:schemeClr>
-                </a:solidFill>
-              </a:rPr>
-              <a:t>We have just started how can we conclude???</a:t>
-            </a:r>
-          </a:p>
-          <a:p>
-            <a:r>
-              <a:rPr lang="en-US" sz="2400" dirty="0" err="1" smtClean="0">
-                <a:solidFill>
-                  <a:schemeClr val="accent3">
-                    <a:lumMod val="60000"/>
-                    <a:lumOff val="40000"/>
-                  </a:schemeClr>
-                </a:solidFill>
-              </a:rPr>
-              <a:t>Chalo</a:t>
-            </a:r>
-            <a:r>
-              <a:rPr lang="en-US" sz="2400" dirty="0" smtClean="0">
-                <a:solidFill>
-                  <a:schemeClr val="accent3">
-                    <a:lumMod val="60000"/>
-                    <a:lumOff val="40000"/>
-                  </a:schemeClr>
-                </a:solidFill>
-              </a:rPr>
-              <a:t> </a:t>
-            </a:r>
-            <a:r>
-              <a:rPr lang="en-US" sz="2400" dirty="0" err="1" smtClean="0">
-                <a:solidFill>
-                  <a:schemeClr val="accent3">
-                    <a:lumMod val="60000"/>
-                    <a:lumOff val="40000"/>
-                  </a:schemeClr>
-                </a:solidFill>
-              </a:rPr>
-              <a:t>keh</a:t>
-            </a:r>
-            <a:r>
-              <a:rPr lang="en-US" sz="2400" dirty="0" smtClean="0">
-                <a:solidFill>
-                  <a:schemeClr val="accent3">
-                    <a:lumMod val="60000"/>
-                    <a:lumOff val="40000"/>
-                  </a:schemeClr>
-                </a:solidFill>
-              </a:rPr>
-              <a:t> he </a:t>
-            </a:r>
-            <a:r>
-              <a:rPr lang="en-US" sz="2400" dirty="0" err="1" smtClean="0">
-                <a:solidFill>
-                  <a:schemeClr val="accent3">
-                    <a:lumMod val="60000"/>
-                    <a:lumOff val="40000"/>
-                  </a:schemeClr>
-                </a:solidFill>
-              </a:rPr>
-              <a:t>rahe</a:t>
-            </a:r>
-            <a:r>
-              <a:rPr lang="en-US" sz="2400" dirty="0" smtClean="0">
-                <a:solidFill>
-                  <a:schemeClr val="accent3">
-                    <a:lumMod val="60000"/>
-                    <a:lumOff val="40000"/>
-                  </a:schemeClr>
-                </a:solidFill>
-              </a:rPr>
-              <a:t> ho to: “So from this presentation we can conclude that this is one of the best project. THANK YOU”</a:t>
-            </a:r>
-            <a:endParaRPr lang="en-US" sz="2400" dirty="0">
-              <a:solidFill>
-                <a:schemeClr val="accent3">
-                  <a:lumMod val="60000"/>
-                  <a:lumOff val="40000"/>
-                </a:schemeClr>
-              </a:solidFill>
-            </a:endParaRPr>
-          </a:p>
-        </p:txBody>
-      </p:sp>
-    </p:spTree>
-    <p:extLst>
-      <p:ext uri="{BB962C8B-B14F-4D97-AF65-F5344CB8AC3E}">
-        <p14:creationId xmlns:p14="http://schemas.microsoft.com/office/powerpoint/2010/main" val="1397114156"/>
-      </p:ext>
-    </p:extLst>
-  </p:cSld>
-  <p:clrMapOvr>
-    <a:masterClrMapping/>
-  </p:clrMapOvr>
-  <p:timing>
-    <p:tnLst>
-      <p:par>
-        <p:cTn id="1" dur="indefinite" restart="never" nodeType="tmRoot"/>
-      </p:par>
-    </p:tnLst>
-  </p:timing>
-</p:sld>
-</file>
-
-<file path=ppt/slides/slide17.xml><?xml version="1.0" encoding="utf-8"?>
-<p:sld xmlns:a="http://schemas.openxmlformats.org/drawingml/2006/main" xmlns:r="http://schemas.openxmlformats.org/officeDocument/2006/relationships" xmlns:p="http://schemas.openxmlformats.org/presentationml/2006/main">
-  <p:cSld>
-    <p:spTree>
-      <p:nvGrpSpPr>
-        <p:cNvPr id="1" name=""/>
-        <p:cNvGrpSpPr/>
-        <p:nvPr/>
-      </p:nvGrpSpPr>
-      <p:grpSpPr>
-        <a:xfrm>
-          <a:off x="0" y="0"/>
-          <a:ext cx="0" cy="0"/>
-          <a:chOff x="0" y="0"/>
-          <a:chExt cx="0" cy="0"/>
-        </a:xfrm>
-      </p:grpSpPr>
-      <p:sp>
-        <p:nvSpPr>
-          <p:cNvPr id="2" name="Title 1"/>
-          <p:cNvSpPr>
-            <a:spLocks noGrp="1"/>
-          </p:cNvSpPr>
-          <p:nvPr>
-            <p:ph type="title"/>
-          </p:nvPr>
-        </p:nvSpPr>
-        <p:spPr/>
-        <p:txBody>
-          <a:bodyPr/>
-          <a:lstStyle/>
-          <a:p>
-            <a:r>
-              <a:rPr lang="en-US" dirty="0" smtClean="0"/>
-              <a:t>References</a:t>
-            </a:r>
-            <a:endParaRPr lang="en-US" dirty="0"/>
-          </a:p>
-        </p:txBody>
-      </p:sp>
-      <p:sp>
-        <p:nvSpPr>
-          <p:cNvPr id="3" name="Content Placeholder 2"/>
-          <p:cNvSpPr>
-            <a:spLocks noGrp="1"/>
-          </p:cNvSpPr>
-          <p:nvPr>
-            <p:ph idx="1"/>
-          </p:nvPr>
-        </p:nvSpPr>
-        <p:spPr>
-          <a:xfrm>
-            <a:off x="646112" y="2052918"/>
-            <a:ext cx="9403742" cy="4195481"/>
-          </a:xfrm>
-        </p:spPr>
-        <p:txBody>
-          <a:bodyPr>
-            <a:normAutofit/>
-          </a:bodyPr>
-          <a:lstStyle/>
-          <a:p>
-            <a:r>
-              <a:rPr lang="en-US" sz="2400" dirty="0">
-                <a:solidFill>
-                  <a:schemeClr val="accent3">
-                    <a:lumMod val="60000"/>
-                    <a:lumOff val="40000"/>
-                  </a:schemeClr>
-                </a:solidFill>
-                <a:hlinkClick r:id="rId2"/>
-              </a:rPr>
-              <a:t>https://</a:t>
-            </a:r>
-            <a:r>
-              <a:rPr lang="en-US" sz="2400" dirty="0" smtClean="0">
-                <a:solidFill>
-                  <a:schemeClr val="accent3">
-                    <a:lumMod val="60000"/>
-                    <a:lumOff val="40000"/>
-                  </a:schemeClr>
-                </a:solidFill>
-                <a:hlinkClick r:id="rId2"/>
-              </a:rPr>
-              <a:t>developer.android.com/about/android.html</a:t>
-            </a:r>
-            <a:endParaRPr lang="en-US" sz="2400" dirty="0" smtClean="0">
-              <a:solidFill>
-                <a:schemeClr val="accent3">
-                  <a:lumMod val="60000"/>
-                  <a:lumOff val="40000"/>
-                </a:schemeClr>
-              </a:solidFill>
-            </a:endParaRPr>
-          </a:p>
-          <a:p>
-            <a:r>
-              <a:rPr lang="en-US" sz="2400" dirty="0">
-                <a:solidFill>
-                  <a:schemeClr val="accent3">
-                    <a:lumMod val="60000"/>
-                    <a:lumOff val="40000"/>
-                  </a:schemeClr>
-                </a:solidFill>
-                <a:hlinkClick r:id="rId3"/>
-              </a:rPr>
-              <a:t>http://</a:t>
-            </a:r>
-            <a:r>
-              <a:rPr lang="en-US" sz="2400" dirty="0" smtClean="0">
-                <a:solidFill>
-                  <a:schemeClr val="accent3">
-                    <a:lumMod val="60000"/>
-                    <a:lumOff val="40000"/>
-                  </a:schemeClr>
-                </a:solidFill>
-                <a:hlinkClick r:id="rId3"/>
-              </a:rPr>
-              <a:t>www.edgefxkits.com/automatic-irrigation-system-on-sensing-soil-moisture-content</a:t>
-            </a:r>
-            <a:endParaRPr lang="en-US" sz="2400" dirty="0" smtClean="0">
-              <a:solidFill>
-                <a:schemeClr val="accent3">
-                  <a:lumMod val="60000"/>
-                  <a:lumOff val="40000"/>
-                </a:schemeClr>
-              </a:solidFill>
-            </a:endParaRPr>
-          </a:p>
-          <a:p>
-            <a:r>
-              <a:rPr lang="en-US" sz="2400" dirty="0">
-                <a:solidFill>
-                  <a:schemeClr val="accent3">
-                    <a:lumMod val="60000"/>
-                    <a:lumOff val="40000"/>
-                  </a:schemeClr>
-                </a:solidFill>
-                <a:hlinkClick r:id="rId4"/>
-              </a:rPr>
-              <a:t>http://</a:t>
-            </a:r>
-            <a:r>
-              <a:rPr lang="en-US" sz="2400" dirty="0" smtClean="0">
-                <a:solidFill>
-                  <a:schemeClr val="accent3">
-                    <a:lumMod val="60000"/>
-                    <a:lumOff val="40000"/>
-                  </a:schemeClr>
-                </a:solidFill>
-                <a:hlinkClick r:id="rId4"/>
-              </a:rPr>
-              <a:t>www.sswm.info/content/automatic-irrigation</a:t>
-            </a:r>
-            <a:endParaRPr lang="en-US" sz="2400" dirty="0" smtClean="0">
-              <a:solidFill>
-                <a:schemeClr val="accent3">
-                  <a:lumMod val="60000"/>
-                  <a:lumOff val="40000"/>
-                </a:schemeClr>
-              </a:solidFill>
-            </a:endParaRPr>
-          </a:p>
-          <a:p>
-            <a:r>
-              <a:rPr lang="en-US" sz="2400" dirty="0">
-                <a:solidFill>
-                  <a:schemeClr val="accent3">
-                    <a:lumMod val="60000"/>
-                    <a:lumOff val="40000"/>
-                  </a:schemeClr>
-                </a:solidFill>
-                <a:hlinkClick r:id="rId5"/>
-              </a:rPr>
-              <a:t>http://electronut.in/IoT-temp-sensor</a:t>
-            </a:r>
-            <a:r>
-              <a:rPr lang="en-US" sz="2400" dirty="0" smtClean="0">
-                <a:solidFill>
-                  <a:schemeClr val="accent3">
-                    <a:lumMod val="60000"/>
-                    <a:lumOff val="40000"/>
-                  </a:schemeClr>
-                </a:solidFill>
-                <a:hlinkClick r:id="rId5"/>
-              </a:rPr>
-              <a:t>/</a:t>
-            </a:r>
-            <a:endParaRPr lang="en-US" sz="2400" dirty="0" smtClean="0">
-              <a:solidFill>
-                <a:schemeClr val="accent3">
-                  <a:lumMod val="60000"/>
-                  <a:lumOff val="40000"/>
-                </a:schemeClr>
-              </a:solidFill>
-            </a:endParaRPr>
-          </a:p>
-          <a:p>
-            <a:r>
-              <a:rPr lang="en-US" sz="2400" dirty="0">
-                <a:solidFill>
-                  <a:schemeClr val="accent3">
-                    <a:lumMod val="60000"/>
-                    <a:lumOff val="40000"/>
-                  </a:schemeClr>
-                </a:solidFill>
-                <a:hlinkClick r:id="rId6"/>
-              </a:rPr>
-              <a:t>http://www.instructables.com/id/Temperature-Monitor-with-ESP8266-IoT</a:t>
-            </a:r>
-            <a:r>
-              <a:rPr lang="en-US" sz="2400" dirty="0" smtClean="0">
-                <a:solidFill>
-                  <a:schemeClr val="accent3">
-                    <a:lumMod val="60000"/>
-                    <a:lumOff val="40000"/>
-                  </a:schemeClr>
-                </a:solidFill>
-                <a:hlinkClick r:id="rId6"/>
-              </a:rPr>
-              <a:t>/</a:t>
-            </a:r>
-            <a:endParaRPr lang="en-US" sz="2400" dirty="0" smtClean="0">
-              <a:solidFill>
-                <a:schemeClr val="accent3">
-                  <a:lumMod val="60000"/>
-                  <a:lumOff val="40000"/>
-                </a:schemeClr>
-              </a:solidFill>
-            </a:endParaRPr>
-          </a:p>
-          <a:p>
-            <a:r>
-              <a:rPr lang="en-US" sz="2400" dirty="0">
-                <a:solidFill>
-                  <a:schemeClr val="accent3">
-                    <a:lumMod val="60000"/>
-                    <a:lumOff val="40000"/>
-                  </a:schemeClr>
-                </a:solidFill>
-                <a:hlinkClick r:id="rId7"/>
-              </a:rPr>
-              <a:t>https://</a:t>
-            </a:r>
-            <a:r>
-              <a:rPr lang="en-US" sz="2400" dirty="0" smtClean="0">
-                <a:solidFill>
-                  <a:schemeClr val="accent3">
-                    <a:lumMod val="60000"/>
-                    <a:lumOff val="40000"/>
-                  </a:schemeClr>
-                </a:solidFill>
-                <a:hlinkClick r:id="rId7"/>
-              </a:rPr>
-              <a:t>www.fcc-fac.ca/en/ag-knowledge/ag-economist/the-automation-of-agriculture-part-one.html</a:t>
-            </a:r>
-            <a:endParaRPr lang="en-US" sz="2400" dirty="0" smtClean="0">
-              <a:solidFill>
-                <a:schemeClr val="accent3">
-                  <a:lumMod val="60000"/>
-                  <a:lumOff val="40000"/>
-                </a:schemeClr>
-              </a:solidFill>
-            </a:endParaRPr>
-          </a:p>
-          <a:p>
-            <a:pPr marL="0" indent="0">
-              <a:buNone/>
-            </a:pPr>
-            <a:endParaRPr lang="en-US" sz="2400" dirty="0">
-              <a:solidFill>
-                <a:schemeClr val="accent3">
-                  <a:lumMod val="60000"/>
-                  <a:lumOff val="40000"/>
-                </a:schemeClr>
-              </a:solidFill>
-            </a:endParaRPr>
-          </a:p>
-        </p:txBody>
-      </p:sp>
-    </p:spTree>
-    <p:extLst>
-      <p:ext uri="{BB962C8B-B14F-4D97-AF65-F5344CB8AC3E}">
-        <p14:creationId xmlns:p14="http://schemas.microsoft.com/office/powerpoint/2010/main" val="1520425578"/>
-      </p:ext>
-    </p:extLst>
-  </p:cSld>
-  <p:clrMapOvr>
-    <a:masterClrMapping/>
-  </p:clrMapOvr>
-  <p:timing>
-    <p:tnLst>
-      <p:par>
-        <p:cTn id="1" dur="indefinite" restart="never" nodeType="tmRoot"/>
-      </p:par>
-    </p:tnLst>
-  </p:timing>
-</p:sld>
-</file>
-
-<file path=ppt/slides/slide18.xml><?xml version="1.0" encoding="utf-8"?>
-<p:sld xmlns:a="http://schemas.openxmlformats.org/drawingml/2006/main" xmlns:r="http://schemas.openxmlformats.org/officeDocument/2006/relationships" xmlns:p="http://schemas.openxmlformats.org/presentationml/2006/main">
-  <p:cSld>
-    <p:spTree>
-      <p:nvGrpSpPr>
-        <p:cNvPr id="1" name=""/>
-        <p:cNvGrpSpPr/>
-        <p:nvPr/>
-      </p:nvGrpSpPr>
-      <p:grpSpPr>
-        <a:xfrm>
-          <a:off x="0" y="0"/>
-          <a:ext cx="0" cy="0"/>
-          <a:chOff x="0" y="0"/>
-          <a:chExt cx="0" cy="0"/>
-        </a:xfrm>
-      </p:grpSpPr>
-      <p:sp>
-        <p:nvSpPr>
-          <p:cNvPr id="2" name="Title 1"/>
-          <p:cNvSpPr>
-            <a:spLocks noGrp="1"/>
-          </p:cNvSpPr>
-          <p:nvPr>
-            <p:ph type="ctrTitle"/>
-          </p:nvPr>
-        </p:nvSpPr>
-        <p:spPr/>
-        <p:txBody>
-          <a:bodyPr/>
-          <a:lstStyle/>
-          <a:p>
-            <a:r>
-              <a:rPr lang="en-US" dirty="0" smtClean="0"/>
-              <a:t>Thank You</a:t>
-            </a:r>
-            <a:endParaRPr lang="en-US" dirty="0"/>
-          </a:p>
-        </p:txBody>
-      </p:sp>
-    </p:spTree>
-    <p:extLst>
-      <p:ext uri="{BB962C8B-B14F-4D97-AF65-F5344CB8AC3E}">
-        <p14:creationId xmlns:p14="http://schemas.microsoft.com/office/powerpoint/2010/main" val="2890885442"/>
-      </p:ext>
-    </p:extLst>
-  </p:cSld>
-  <p:clrMapOvr>
-    <a:masterClrMapping/>
-  </p:clrMapOvr>
-  <p:timing>
-    <p:tnLst>
-      <p:par>
-        <p:cTn id="1" dur="indefinite" restart="never" nodeType="tmRoot"/>
-      </p:par>
-    </p:tnLst>
-  </p:timing>
-</p:sld>
-</file>
-
-<file path=ppt/slides/slide2.xml><?xml version="1.0" encoding="utf-8"?>
-<p:sld xmlns:a="http://schemas.openxmlformats.org/drawingml/2006/main" xmlns:r="http://schemas.openxmlformats.org/officeDocument/2006/relationships" xmlns:p="http://schemas.openxmlformats.org/presentationml/2006/main">
-  <p:cSld>
-    <p:spTree>
-      <p:nvGrpSpPr>
-        <p:cNvPr id="1" name=""/>
-        <p:cNvGrpSpPr/>
-        <p:nvPr/>
-      </p:nvGrpSpPr>
-      <p:grpSpPr>
-        <a:xfrm>
-          <a:off x="0" y="0"/>
-          <a:ext cx="0" cy="0"/>
-          <a:chOff x="0" y="0"/>
-          <a:chExt cx="0" cy="0"/>
-        </a:xfrm>
-      </p:grpSpPr>
-      <p:sp>
-        <p:nvSpPr>
-          <p:cNvPr id="3" name="Subtitle 2"/>
-          <p:cNvSpPr>
-            <a:spLocks noGrp="1"/>
-          </p:cNvSpPr>
-          <p:nvPr>
-            <p:ph type="subTitle" idx="1"/>
-          </p:nvPr>
-        </p:nvSpPr>
-        <p:spPr>
-          <a:xfrm>
-            <a:off x="1082765" y="1545064"/>
-            <a:ext cx="5366162" cy="3163463"/>
-          </a:xfrm>
-        </p:spPr>
-        <p:txBody>
-          <a:bodyPr>
-            <a:normAutofit/>
-          </a:bodyPr>
-          <a:lstStyle/>
-          <a:p>
-            <a:r>
-              <a:rPr lang="en-US" sz="2200" u="sng" dirty="0" smtClean="0">
-                <a:solidFill>
-                  <a:schemeClr val="accent3">
-                    <a:lumMod val="60000"/>
-                    <a:lumOff val="40000"/>
-                  </a:schemeClr>
-                </a:solidFill>
-              </a:rPr>
-              <a:t>Team members:</a:t>
-            </a:r>
-          </a:p>
-          <a:p>
-            <a:r>
-              <a:rPr lang="en-US" sz="2200" dirty="0" smtClean="0">
-                <a:solidFill>
-                  <a:schemeClr val="accent3">
-                    <a:lumMod val="60000"/>
-                    <a:lumOff val="40000"/>
-                  </a:schemeClr>
-                </a:solidFill>
-              </a:rPr>
-              <a:t>1) 130070107025 - GAURAV JINDAL </a:t>
-            </a:r>
-          </a:p>
-          <a:p>
-            <a:r>
-              <a:rPr lang="en-US" sz="2200" dirty="0" smtClean="0">
-                <a:solidFill>
-                  <a:schemeClr val="accent3">
-                    <a:lumMod val="60000"/>
-                    <a:lumOff val="40000"/>
-                  </a:schemeClr>
-                </a:solidFill>
-              </a:rPr>
-              <a:t>2) 130070107029 - ANKUR KIYADA</a:t>
-            </a:r>
-          </a:p>
-          <a:p>
-            <a:r>
-              <a:rPr lang="en-US" sz="2200" dirty="0" smtClean="0">
-                <a:solidFill>
-                  <a:schemeClr val="accent3">
-                    <a:lumMod val="60000"/>
-                    <a:lumOff val="40000"/>
-                  </a:schemeClr>
-                </a:solidFill>
-              </a:rPr>
-              <a:t>3) 130070107040 - MEET PATEL</a:t>
-            </a:r>
-          </a:p>
-          <a:p>
-            <a:r>
-              <a:rPr lang="en-US" sz="2200" dirty="0" smtClean="0">
-                <a:solidFill>
-                  <a:schemeClr val="accent3">
-                    <a:lumMod val="60000"/>
-                    <a:lumOff val="40000"/>
-                  </a:schemeClr>
-                </a:solidFill>
-              </a:rPr>
-              <a:t>4) 130070107048 - KUNAL SAHITYA</a:t>
-            </a:r>
-          </a:p>
-          <a:p>
-            <a:endParaRPr lang="en-US" dirty="0"/>
-          </a:p>
-        </p:txBody>
-      </p:sp>
       <p:pic>
         <p:nvPicPr>
-          <p:cNvPr id="5" name="Picture 4"/>
+          <p:cNvPr id="18" name="Picture 17"/>
           <p:cNvPicPr>
             <a:picLocks noChangeAspect="1"/>
           </p:cNvPicPr>
           <p:nvPr/>
         </p:nvPicPr>
         <p:blipFill>
-          <a:blip r:embed="rId2"/>
+          <a:blip r:embed="rId8">
+            <a:extLst>
+              <a:ext uri="{28A0092B-C50C-407E-A947-70E740481C1C}">
+                <a14:useLocalDpi xmlns:a14="http://schemas.microsoft.com/office/drawing/2010/main" val="0"/>
+              </a:ext>
+            </a:extLst>
+          </a:blip>
           <a:stretch>
             <a:fillRect/>
           </a:stretch>
         </p:blipFill>
         <p:spPr>
           <a:xfrm>
-            <a:off x="9638501" y="1448812"/>
-            <a:ext cx="2216870" cy="2322942"/>
+            <a:off x="9026844" y="1789671"/>
+            <a:ext cx="1817396" cy="1491736"/>
           </a:xfrm>
           <a:prstGeom prst="rect">
             <a:avLst/>
           </a:prstGeom>
         </p:spPr>
       </p:pic>
-      <p:sp>
-        <p:nvSpPr>
-          <p:cNvPr id="6" name="Rectangle 5"/>
-          <p:cNvSpPr/>
+      <p:cxnSp>
+        <p:nvCxnSpPr>
+          <p:cNvPr id="22" name="Straight Arrow Connector 21"/>
+          <p:cNvCxnSpPr>
+            <a:endCxn id="18" idx="1"/>
+          </p:cNvCxnSpPr>
+          <p:nvPr/>
+        </p:nvCxnSpPr>
+        <p:spPr>
+          <a:xfrm flipV="1">
+            <a:off x="8109132" y="2535539"/>
+            <a:ext cx="917712" cy="957383"/>
+          </a:xfrm>
+          <a:prstGeom prst="straightConnector1">
+            <a:avLst/>
+          </a:prstGeom>
+          <a:ln>
+            <a:solidFill>
+              <a:schemeClr val="bg1"/>
+            </a:solidFill>
+            <a:tailEnd type="triangle"/>
+          </a:ln>
+        </p:spPr>
+        <p:style>
+          <a:lnRef idx="1">
+            <a:schemeClr val="accent1"/>
+          </a:lnRef>
+          <a:fillRef idx="0">
+            <a:schemeClr val="accent1"/>
+          </a:fillRef>
+          <a:effectRef idx="0">
+            <a:schemeClr val="accent1"/>
+          </a:effectRef>
+          <a:fontRef idx="minor">
+            <a:schemeClr val="tx1"/>
+          </a:fontRef>
+        </p:style>
+      </p:cxnSp>
+      <p:sp>
+        <p:nvSpPr>
+          <p:cNvPr id="40" name="TextBox 39"/>
+          <p:cNvSpPr txBox="1"/>
           <p:nvPr/>
         </p:nvSpPr>
         <p:spPr>
           <a:xfrm>
-            <a:off x="1721722" y="5337281"/>
-            <a:ext cx="7916779" cy="1200329"/>
+            <a:off x="8995782" y="3308256"/>
+            <a:ext cx="1826874" cy="369332"/>
           </a:xfrm>
           <a:prstGeom prst="rect">
             <a:avLst/>
           </a:prstGeom>
+          <a:noFill/>
+          <a:ln>
+            <a:noFill/>
+          </a:ln>
         </p:spPr>
         <p:txBody>
-          <a:bodyPr wrap="square">
+          <a:bodyPr wrap="square" rtlCol="0">
             <a:spAutoFit/>
           </a:bodyPr>
           <a:lstStyle/>
           <a:p>
             <a:pPr algn="ctr"/>
             <a:r>
-              <a:rPr lang="en-US" dirty="0"/>
-              <a:t>7</a:t>
-            </a:r>
-            <a:r>
               <a:rPr lang="en-US" dirty="0" smtClean="0"/>
-              <a:t>th </a:t>
-            </a:r>
-            <a:r>
-              <a:rPr lang="en-US" dirty="0"/>
-              <a:t>Semester (</a:t>
-            </a:r>
-            <a:r>
-              <a:rPr lang="en-US" dirty="0" smtClean="0"/>
-              <a:t>2016), </a:t>
-            </a:r>
-            <a:r>
-              <a:rPr lang="en-US" dirty="0"/>
-              <a:t>Computer Engineering Department,</a:t>
-            </a:r>
-          </a:p>
-          <a:p>
-            <a:pPr algn="ctr"/>
-            <a:r>
-              <a:rPr lang="en-US" dirty="0"/>
-              <a:t>B.V.M. Engineering College, Vallabh Vidyanagar,</a:t>
-            </a:r>
-          </a:p>
-          <a:p>
-            <a:pPr algn="ctr"/>
-            <a:r>
-              <a:rPr lang="en-US" dirty="0"/>
-              <a:t>College Code - 007</a:t>
-            </a:r>
-          </a:p>
-          <a:p>
-            <a:pPr algn="ctr"/>
+              <a:t>Web Portal</a:t>
+            </a:r>
             <a:endParaRPr lang="en-US" dirty="0"/>
           </a:p>
         </p:txBody>
@@ -8741,1541 +10078,7 @@
     </p:spTree>
     <p:extLst>
       <p:ext uri="{BB962C8B-B14F-4D97-AF65-F5344CB8AC3E}">
-        <p14:creationId xmlns:p14="http://schemas.microsoft.com/office/powerpoint/2010/main" val="2490270177"/>
-      </p:ext>
-    </p:extLst>
-  </p:cSld>
-  <p:clrMapOvr>
-    <a:masterClrMapping/>
-  </p:clrMapOvr>
-  <p:timing>
-    <p:tnLst>
-      <p:par>
-        <p:cTn id="1" dur="indefinite" restart="never" nodeType="tmRoot"/>
-      </p:par>
-    </p:tnLst>
-  </p:timing>
-</p:sld>
-</file>
-
-<file path=ppt/slides/slide3.xml><?xml version="1.0" encoding="utf-8"?>
-<p:sld xmlns:a="http://schemas.openxmlformats.org/drawingml/2006/main" xmlns:r="http://schemas.openxmlformats.org/officeDocument/2006/relationships" xmlns:p="http://schemas.openxmlformats.org/presentationml/2006/main">
-  <p:cSld>
-    <p:spTree>
-      <p:nvGrpSpPr>
-        <p:cNvPr id="1" name=""/>
-        <p:cNvGrpSpPr/>
-        <p:nvPr/>
-      </p:nvGrpSpPr>
-      <p:grpSpPr>
-        <a:xfrm>
-          <a:off x="0" y="0"/>
-          <a:ext cx="0" cy="0"/>
-          <a:chOff x="0" y="0"/>
-          <a:chExt cx="0" cy="0"/>
-        </a:xfrm>
-      </p:grpSpPr>
-      <p:sp>
-        <p:nvSpPr>
-          <p:cNvPr id="2" name="Title 1"/>
-          <p:cNvSpPr>
-            <a:spLocks noGrp="1"/>
-          </p:cNvSpPr>
-          <p:nvPr>
-            <p:ph type="title"/>
-          </p:nvPr>
-        </p:nvSpPr>
-        <p:spPr/>
-        <p:txBody>
-          <a:bodyPr/>
-          <a:lstStyle/>
-          <a:p>
-            <a:r>
-              <a:rPr lang="en-IN" dirty="0" smtClean="0"/>
-              <a:t>Purpose</a:t>
-            </a:r>
-            <a:endParaRPr lang="en-IN" dirty="0"/>
-          </a:p>
-        </p:txBody>
-      </p:sp>
-      <p:sp>
-        <p:nvSpPr>
-          <p:cNvPr id="3" name="Content Placeholder 2"/>
-          <p:cNvSpPr>
-            <a:spLocks noGrp="1"/>
-          </p:cNvSpPr>
-          <p:nvPr>
-            <p:ph idx="1"/>
-          </p:nvPr>
-        </p:nvSpPr>
-        <p:spPr/>
-        <p:txBody>
-          <a:bodyPr>
-            <a:normAutofit/>
-          </a:bodyPr>
-          <a:lstStyle/>
-          <a:p>
-            <a:pPr algn="just"/>
-            <a:r>
-              <a:rPr lang="en-IN" sz="2400" dirty="0" smtClean="0">
-                <a:solidFill>
-                  <a:schemeClr val="accent3">
-                    <a:lumMod val="60000"/>
-                    <a:lumOff val="40000"/>
-                  </a:schemeClr>
-                </a:solidFill>
-              </a:rPr>
-              <a:t>To automate most part of the agriculture process.</a:t>
-            </a:r>
-          </a:p>
-          <a:p>
-            <a:pPr algn="just"/>
-            <a:r>
-              <a:rPr lang="en-IN" sz="2400" dirty="0" smtClean="0">
-                <a:solidFill>
-                  <a:schemeClr val="accent3">
-                    <a:lumMod val="60000"/>
-                    <a:lumOff val="40000"/>
-                  </a:schemeClr>
-                </a:solidFill>
-              </a:rPr>
-              <a:t>To make the irrigation process easy, automatic and water efficient.</a:t>
-            </a:r>
-          </a:p>
-          <a:p>
-            <a:pPr algn="just"/>
-            <a:r>
-              <a:rPr lang="en-IN" sz="2400" dirty="0" smtClean="0">
-                <a:solidFill>
-                  <a:schemeClr val="accent3">
-                    <a:lumMod val="60000"/>
-                    <a:lumOff val="40000"/>
-                  </a:schemeClr>
-                </a:solidFill>
-              </a:rPr>
-              <a:t>For Water management.</a:t>
-            </a:r>
-          </a:p>
-          <a:p>
-            <a:pPr algn="just"/>
-            <a:r>
-              <a:rPr lang="en-IN" sz="2400" dirty="0" smtClean="0">
-                <a:solidFill>
-                  <a:schemeClr val="accent3">
-                    <a:lumMod val="60000"/>
-                    <a:lumOff val="40000"/>
-                  </a:schemeClr>
-                </a:solidFill>
-              </a:rPr>
-              <a:t>To make framers’ job easy for odd jobs like maintaining grown crops, spraying pesticides etc.</a:t>
-            </a:r>
-            <a:endParaRPr lang="en-IN" sz="2400" dirty="0">
-              <a:solidFill>
-                <a:schemeClr val="accent3">
-                  <a:lumMod val="60000"/>
-                  <a:lumOff val="40000"/>
-                </a:schemeClr>
-              </a:solidFill>
-            </a:endParaRPr>
-          </a:p>
-        </p:txBody>
-      </p:sp>
-    </p:spTree>
-    <p:extLst>
-      <p:ext uri="{BB962C8B-B14F-4D97-AF65-F5344CB8AC3E}">
-        <p14:creationId xmlns:p14="http://schemas.microsoft.com/office/powerpoint/2010/main" val="1718255194"/>
-      </p:ext>
-    </p:extLst>
-  </p:cSld>
-  <p:clrMapOvr>
-    <a:masterClrMapping/>
-  </p:clrMapOvr>
-  <p:timing>
-    <p:tnLst>
-      <p:par>
-        <p:cTn id="1" dur="indefinite" restart="never" nodeType="tmRoot"/>
-      </p:par>
-    </p:tnLst>
-  </p:timing>
-</p:sld>
-</file>
-
-<file path=ppt/slides/slide4.xml><?xml version="1.0" encoding="utf-8"?>
-<p:sld xmlns:a="http://schemas.openxmlformats.org/drawingml/2006/main" xmlns:r="http://schemas.openxmlformats.org/officeDocument/2006/relationships" xmlns:p="http://schemas.openxmlformats.org/presentationml/2006/main">
-  <p:cSld>
-    <p:spTree>
-      <p:nvGrpSpPr>
-        <p:cNvPr id="1" name=""/>
-        <p:cNvGrpSpPr/>
-        <p:nvPr/>
-      </p:nvGrpSpPr>
-      <p:grpSpPr>
-        <a:xfrm>
-          <a:off x="0" y="0"/>
-          <a:ext cx="0" cy="0"/>
-          <a:chOff x="0" y="0"/>
-          <a:chExt cx="0" cy="0"/>
-        </a:xfrm>
-      </p:grpSpPr>
-      <p:sp>
-        <p:nvSpPr>
-          <p:cNvPr id="2" name="Title 1"/>
-          <p:cNvSpPr>
-            <a:spLocks noGrp="1"/>
-          </p:cNvSpPr>
-          <p:nvPr>
-            <p:ph type="title"/>
-          </p:nvPr>
-        </p:nvSpPr>
-        <p:spPr/>
-        <p:txBody>
-          <a:bodyPr/>
-          <a:lstStyle/>
-          <a:p>
-            <a:r>
-              <a:rPr lang="en-US" sz="4000" dirty="0" smtClean="0"/>
-              <a:t>Introduction &amp; Basic Idea</a:t>
-            </a:r>
-            <a:endParaRPr lang="en-US" sz="4000" dirty="0"/>
-          </a:p>
-        </p:txBody>
-      </p:sp>
-      <p:sp>
-        <p:nvSpPr>
-          <p:cNvPr id="3" name="Content Placeholder 2"/>
-          <p:cNvSpPr>
-            <a:spLocks noGrp="1"/>
-          </p:cNvSpPr>
-          <p:nvPr>
-            <p:ph idx="1"/>
-          </p:nvPr>
-        </p:nvSpPr>
-        <p:spPr>
-          <a:xfrm>
-            <a:off x="646111" y="1980730"/>
-            <a:ext cx="9403742" cy="4805082"/>
-          </a:xfrm>
-        </p:spPr>
-        <p:txBody>
-          <a:bodyPr>
-            <a:normAutofit/>
-          </a:bodyPr>
-          <a:lstStyle/>
-          <a:p>
-            <a:pPr algn="just"/>
-            <a:r>
-              <a:rPr lang="en-US" sz="2400" dirty="0" smtClean="0">
-                <a:solidFill>
-                  <a:schemeClr val="accent3">
-                    <a:lumMod val="60000"/>
-                    <a:lumOff val="40000"/>
-                  </a:schemeClr>
-                </a:solidFill>
-              </a:rPr>
-              <a:t>Why Sustainable Agriculture?</a:t>
-            </a:r>
-          </a:p>
-          <a:p>
-            <a:pPr lvl="1" algn="just">
-              <a:buFont typeface="Wingdings" panose="05000000000000000000" pitchFamily="2" charset="2"/>
-              <a:buChar char="q"/>
-            </a:pPr>
-            <a:r>
-              <a:rPr lang="en-US" sz="2200" dirty="0" smtClean="0">
-                <a:solidFill>
-                  <a:schemeClr val="accent3">
-                    <a:lumMod val="60000"/>
-                    <a:lumOff val="40000"/>
-                  </a:schemeClr>
-                </a:solidFill>
-              </a:rPr>
-              <a:t>Enhance Environment Quality &amp; Natural Resource</a:t>
-            </a:r>
-          </a:p>
-          <a:p>
-            <a:pPr lvl="1" algn="just">
-              <a:buFont typeface="Wingdings" panose="05000000000000000000" pitchFamily="2" charset="2"/>
-              <a:buChar char="q"/>
-            </a:pPr>
-            <a:r>
-              <a:rPr lang="en-US" sz="2200" dirty="0" smtClean="0">
-                <a:solidFill>
-                  <a:schemeClr val="accent3">
-                    <a:lumMod val="60000"/>
-                    <a:lumOff val="40000"/>
-                  </a:schemeClr>
-                </a:solidFill>
-              </a:rPr>
-              <a:t>Support Economic Viability</a:t>
-            </a:r>
-          </a:p>
-          <a:p>
-            <a:pPr algn="just"/>
-            <a:r>
-              <a:rPr lang="en-US" sz="2400" dirty="0" smtClean="0">
-                <a:solidFill>
-                  <a:schemeClr val="accent3">
-                    <a:lumMod val="60000"/>
-                    <a:lumOff val="40000"/>
-                  </a:schemeClr>
-                </a:solidFill>
-              </a:rPr>
-              <a:t>Why Automation?</a:t>
-            </a:r>
-          </a:p>
-          <a:p>
-            <a:pPr lvl="1" algn="just">
-              <a:buFont typeface="Wingdings" panose="05000000000000000000" pitchFamily="2" charset="2"/>
-              <a:buChar char="q"/>
-            </a:pPr>
-            <a:r>
-              <a:rPr lang="en-US" sz="2200" dirty="0" smtClean="0">
-                <a:solidFill>
-                  <a:schemeClr val="accent3">
-                    <a:lumMod val="60000"/>
-                    <a:lumOff val="40000"/>
-                  </a:schemeClr>
-                </a:solidFill>
-              </a:rPr>
-              <a:t>Improved Productivity, Quality &amp; Consistency</a:t>
-            </a:r>
-          </a:p>
-          <a:p>
-            <a:pPr lvl="1" algn="just">
-              <a:buFont typeface="Wingdings" panose="05000000000000000000" pitchFamily="2" charset="2"/>
-              <a:buChar char="q"/>
-            </a:pPr>
-            <a:r>
-              <a:rPr lang="en-US" sz="2200" dirty="0" smtClean="0">
-                <a:solidFill>
-                  <a:schemeClr val="accent3">
-                    <a:lumMod val="60000"/>
-                    <a:lumOff val="40000"/>
-                  </a:schemeClr>
-                </a:solidFill>
-              </a:rPr>
-              <a:t>Reduced Human Labor Costs &amp; Errors </a:t>
-            </a:r>
-          </a:p>
-          <a:p>
-            <a:pPr algn="just"/>
-            <a:r>
-              <a:rPr lang="en-US" sz="2400" dirty="0" smtClean="0">
-                <a:solidFill>
-                  <a:schemeClr val="accent3">
-                    <a:lumMod val="60000"/>
-                    <a:lumOff val="40000"/>
-                  </a:schemeClr>
-                </a:solidFill>
-              </a:rPr>
-              <a:t>Why Automation in Sustainable Agriculture?</a:t>
-            </a:r>
-          </a:p>
-          <a:p>
-            <a:pPr lvl="1" algn="just">
-              <a:buFont typeface="Wingdings" panose="05000000000000000000" pitchFamily="2" charset="2"/>
-              <a:buChar char="q"/>
-            </a:pPr>
-            <a:r>
-              <a:rPr lang="en-US" sz="2200" dirty="0" smtClean="0">
-                <a:solidFill>
-                  <a:schemeClr val="accent3">
-                    <a:lumMod val="60000"/>
-                    <a:lumOff val="40000"/>
-                  </a:schemeClr>
-                </a:solidFill>
-              </a:rPr>
-              <a:t>Plays Significant role for 1.4M km</a:t>
-            </a:r>
-            <a:r>
-              <a:rPr lang="en-US" sz="2200" baseline="30000" dirty="0" smtClean="0">
-                <a:solidFill>
-                  <a:schemeClr val="accent3">
-                    <a:lumMod val="60000"/>
-                    <a:lumOff val="40000"/>
-                  </a:schemeClr>
-                </a:solidFill>
-              </a:rPr>
-              <a:t>2</a:t>
-            </a:r>
-            <a:r>
-              <a:rPr lang="en-US" sz="2200" dirty="0" smtClean="0">
-                <a:solidFill>
-                  <a:schemeClr val="accent3">
-                    <a:lumMod val="60000"/>
-                    <a:lumOff val="40000"/>
-                  </a:schemeClr>
-                </a:solidFill>
-              </a:rPr>
-              <a:t> Cultivation Land in India</a:t>
-            </a:r>
-          </a:p>
-          <a:p>
-            <a:pPr lvl="1" algn="just">
-              <a:buFont typeface="Wingdings" panose="05000000000000000000" pitchFamily="2" charset="2"/>
-              <a:buChar char="q"/>
-            </a:pPr>
-            <a:r>
-              <a:rPr lang="en-US" sz="2200" dirty="0" smtClean="0">
-                <a:solidFill>
-                  <a:schemeClr val="accent3">
-                    <a:lumMod val="60000"/>
-                    <a:lumOff val="40000"/>
-                  </a:schemeClr>
-                </a:solidFill>
-              </a:rPr>
-              <a:t>Affects Different Phases of Agriculture Like Irrigation, Storage, Plant Health, etc.</a:t>
-            </a:r>
-          </a:p>
-          <a:p>
-            <a:pPr lvl="1" algn="just">
-              <a:buFont typeface="Wingdings" panose="05000000000000000000" pitchFamily="2" charset="2"/>
-              <a:buChar char="q"/>
-            </a:pPr>
-            <a:endParaRPr lang="en-US" sz="2200" dirty="0" smtClean="0">
-              <a:solidFill>
-                <a:schemeClr val="accent3">
-                  <a:lumMod val="60000"/>
-                  <a:lumOff val="40000"/>
-                </a:schemeClr>
-              </a:solidFill>
-            </a:endParaRPr>
-          </a:p>
-        </p:txBody>
-      </p:sp>
-    </p:spTree>
-    <p:extLst>
-      <p:ext uri="{BB962C8B-B14F-4D97-AF65-F5344CB8AC3E}">
-        <p14:creationId xmlns:p14="http://schemas.microsoft.com/office/powerpoint/2010/main" val="2602143331"/>
-      </p:ext>
-    </p:extLst>
-  </p:cSld>
-  <p:clrMapOvr>
-    <a:masterClrMapping/>
-  </p:clrMapOvr>
-  <p:timing>
-    <p:tnLst>
-      <p:par>
-        <p:cTn id="1" dur="indefinite" restart="never" nodeType="tmRoot"/>
-      </p:par>
-    </p:tnLst>
-  </p:timing>
-</p:sld>
-</file>
-
-<file path=ppt/slides/slide5.xml><?xml version="1.0" encoding="utf-8"?>
-<p:sld xmlns:a="http://schemas.openxmlformats.org/drawingml/2006/main" xmlns:r="http://schemas.openxmlformats.org/officeDocument/2006/relationships" xmlns:p="http://schemas.openxmlformats.org/presentationml/2006/main">
-  <p:cSld>
-    <p:spTree>
-      <p:nvGrpSpPr>
-        <p:cNvPr id="1" name=""/>
-        <p:cNvGrpSpPr/>
-        <p:nvPr/>
-      </p:nvGrpSpPr>
-      <p:grpSpPr>
-        <a:xfrm>
-          <a:off x="0" y="0"/>
-          <a:ext cx="0" cy="0"/>
-          <a:chOff x="0" y="0"/>
-          <a:chExt cx="0" cy="0"/>
-        </a:xfrm>
-      </p:grpSpPr>
-      <p:sp>
-        <p:nvSpPr>
-          <p:cNvPr id="2" name="Title 1"/>
-          <p:cNvSpPr>
-            <a:spLocks noGrp="1"/>
-          </p:cNvSpPr>
-          <p:nvPr>
-            <p:ph type="title"/>
-          </p:nvPr>
-        </p:nvSpPr>
-        <p:spPr/>
-        <p:txBody>
-          <a:bodyPr/>
-          <a:lstStyle/>
-          <a:p>
-            <a:r>
-              <a:rPr lang="en-US" sz="4000" dirty="0" smtClean="0"/>
-              <a:t>Technologies Used</a:t>
-            </a:r>
-            <a:endParaRPr lang="en-US" sz="4000" dirty="0"/>
-          </a:p>
-        </p:txBody>
-      </p:sp>
-      <p:sp>
-        <p:nvSpPr>
-          <p:cNvPr id="3" name="Content Placeholder 2"/>
-          <p:cNvSpPr>
-            <a:spLocks noGrp="1"/>
-          </p:cNvSpPr>
-          <p:nvPr>
-            <p:ph idx="1"/>
-          </p:nvPr>
-        </p:nvSpPr>
-        <p:spPr>
-          <a:xfrm>
-            <a:off x="646112" y="2052918"/>
-            <a:ext cx="9403742" cy="4195481"/>
-          </a:xfrm>
-        </p:spPr>
-        <p:txBody>
-          <a:bodyPr>
-            <a:normAutofit/>
-          </a:bodyPr>
-          <a:lstStyle/>
-          <a:p>
-            <a:pPr algn="just"/>
-            <a:r>
-              <a:rPr lang="en-US" sz="2800" dirty="0" smtClean="0">
-                <a:solidFill>
-                  <a:schemeClr val="accent3">
-                    <a:lumMod val="60000"/>
-                    <a:lumOff val="40000"/>
-                  </a:schemeClr>
-                </a:solidFill>
-              </a:rPr>
-              <a:t>IoT - Internet of Things (For Connectivity Purpose)</a:t>
-            </a:r>
-          </a:p>
-          <a:p>
-            <a:pPr algn="just"/>
-            <a:r>
-              <a:rPr lang="en-US" sz="2800" dirty="0" smtClean="0">
-                <a:solidFill>
-                  <a:schemeClr val="accent3">
-                    <a:lumMod val="60000"/>
-                    <a:lumOff val="40000"/>
-                  </a:schemeClr>
-                </a:solidFill>
-              </a:rPr>
-              <a:t>Big Data </a:t>
-            </a:r>
-            <a:r>
-              <a:rPr lang="en-US" sz="2800" dirty="0" smtClean="0">
-                <a:solidFill>
-                  <a:schemeClr val="accent3">
-                    <a:lumMod val="60000"/>
-                    <a:lumOff val="40000"/>
-                  </a:schemeClr>
-                </a:solidFill>
-              </a:rPr>
-              <a:t>Framework Tools(MR, Hive</a:t>
-            </a:r>
-            <a:r>
-              <a:rPr lang="en-US" sz="2800" dirty="0" smtClean="0">
-                <a:solidFill>
-                  <a:schemeClr val="accent3">
-                    <a:lumMod val="60000"/>
-                    <a:lumOff val="40000"/>
-                  </a:schemeClr>
-                </a:solidFill>
-              </a:rPr>
-              <a:t>, R etc.</a:t>
-            </a:r>
-            <a:r>
-              <a:rPr lang="en-US" sz="2800" dirty="0" smtClean="0">
-                <a:solidFill>
-                  <a:schemeClr val="accent3">
-                    <a:lumMod val="60000"/>
-                    <a:lumOff val="40000"/>
-                  </a:schemeClr>
-                </a:solidFill>
-              </a:rPr>
-              <a:t>)(For </a:t>
-            </a:r>
-            <a:r>
-              <a:rPr lang="en-US" sz="2800" dirty="0" smtClean="0">
-                <a:solidFill>
-                  <a:schemeClr val="accent3">
-                    <a:lumMod val="60000"/>
-                    <a:lumOff val="40000"/>
-                  </a:schemeClr>
-                </a:solidFill>
-              </a:rPr>
-              <a:t>Data Analysis)</a:t>
-            </a:r>
-          </a:p>
-          <a:p>
-            <a:pPr algn="just"/>
-            <a:r>
-              <a:rPr lang="en-US" sz="2800" dirty="0" smtClean="0">
-                <a:solidFill>
-                  <a:schemeClr val="accent3">
-                    <a:lumMod val="60000"/>
-                    <a:lumOff val="40000"/>
-                  </a:schemeClr>
-                </a:solidFill>
-              </a:rPr>
-              <a:t>Android (For Operational purpose)</a:t>
-            </a:r>
-          </a:p>
-          <a:p>
-            <a:pPr algn="just"/>
-            <a:r>
-              <a:rPr lang="en-US" sz="2800" dirty="0" smtClean="0">
-                <a:solidFill>
-                  <a:schemeClr val="accent3">
-                    <a:lumMod val="60000"/>
-                    <a:lumOff val="40000"/>
-                  </a:schemeClr>
-                </a:solidFill>
-              </a:rPr>
-              <a:t>Web </a:t>
-            </a:r>
-            <a:r>
-              <a:rPr lang="en-US" sz="2800" dirty="0" smtClean="0">
-                <a:solidFill>
-                  <a:schemeClr val="accent3">
-                    <a:lumMod val="60000"/>
-                    <a:lumOff val="40000"/>
-                  </a:schemeClr>
-                </a:solidFill>
-              </a:rPr>
-              <a:t>Development(HTML, CSS, JS etc.)</a:t>
-            </a:r>
-            <a:r>
-              <a:rPr lang="en-US" sz="2800" dirty="0" smtClean="0">
-                <a:solidFill>
-                  <a:schemeClr val="accent3">
-                    <a:lumMod val="60000"/>
-                    <a:lumOff val="40000"/>
-                  </a:schemeClr>
-                </a:solidFill>
-              </a:rPr>
-              <a:t> </a:t>
-            </a:r>
-            <a:r>
-              <a:rPr lang="en-US" sz="2800" dirty="0" smtClean="0">
-                <a:solidFill>
-                  <a:schemeClr val="accent3">
-                    <a:lumMod val="60000"/>
-                    <a:lumOff val="40000"/>
-                  </a:schemeClr>
-                </a:solidFill>
-              </a:rPr>
-              <a:t>(For </a:t>
-            </a:r>
-            <a:r>
-              <a:rPr lang="en-US" sz="2800" dirty="0">
-                <a:solidFill>
-                  <a:schemeClr val="accent3">
-                    <a:lumMod val="60000"/>
-                    <a:lumOff val="40000"/>
-                  </a:schemeClr>
-                </a:solidFill>
-              </a:rPr>
-              <a:t>M</a:t>
-            </a:r>
-            <a:r>
-              <a:rPr lang="en-US" sz="2800" dirty="0" smtClean="0">
-                <a:solidFill>
-                  <a:schemeClr val="accent3">
-                    <a:lumMod val="60000"/>
-                    <a:lumOff val="40000"/>
-                  </a:schemeClr>
-                </a:solidFill>
-              </a:rPr>
-              <a:t>aking a Web </a:t>
-            </a:r>
-            <a:r>
-              <a:rPr lang="en-US" sz="2800" dirty="0">
-                <a:solidFill>
-                  <a:schemeClr val="accent3">
-                    <a:lumMod val="60000"/>
-                    <a:lumOff val="40000"/>
-                  </a:schemeClr>
-                </a:solidFill>
-              </a:rPr>
-              <a:t>P</a:t>
-            </a:r>
-            <a:r>
-              <a:rPr lang="en-US" sz="2800" dirty="0" smtClean="0">
-                <a:solidFill>
-                  <a:schemeClr val="accent3">
-                    <a:lumMod val="60000"/>
-                    <a:lumOff val="40000"/>
-                  </a:schemeClr>
-                </a:solidFill>
-              </a:rPr>
-              <a:t>ortal)</a:t>
-            </a:r>
-          </a:p>
-        </p:txBody>
-      </p:sp>
-    </p:spTree>
-    <p:extLst>
-      <p:ext uri="{BB962C8B-B14F-4D97-AF65-F5344CB8AC3E}">
-        <p14:creationId xmlns:p14="http://schemas.microsoft.com/office/powerpoint/2010/main" val="3589409682"/>
-      </p:ext>
-    </p:extLst>
-  </p:cSld>
-  <p:clrMapOvr>
-    <a:masterClrMapping/>
-  </p:clrMapOvr>
-  <p:timing>
-    <p:tnLst>
-      <p:par>
-        <p:cTn id="1" dur="indefinite" restart="never" nodeType="tmRoot"/>
-      </p:par>
-    </p:tnLst>
-  </p:timing>
-</p:sld>
-</file>
-
-<file path=ppt/slides/slide6.xml><?xml version="1.0" encoding="utf-8"?>
-<p:sld xmlns:a="http://schemas.openxmlformats.org/drawingml/2006/main" xmlns:r="http://schemas.openxmlformats.org/officeDocument/2006/relationships" xmlns:p="http://schemas.openxmlformats.org/presentationml/2006/main">
-  <p:cSld>
-    <p:spTree>
-      <p:nvGrpSpPr>
-        <p:cNvPr id="1" name=""/>
-        <p:cNvGrpSpPr/>
-        <p:nvPr/>
-      </p:nvGrpSpPr>
-      <p:grpSpPr>
-        <a:xfrm>
-          <a:off x="0" y="0"/>
-          <a:ext cx="0" cy="0"/>
-          <a:chOff x="0" y="0"/>
-          <a:chExt cx="0" cy="0"/>
-        </a:xfrm>
-      </p:grpSpPr>
-      <p:sp>
-        <p:nvSpPr>
-          <p:cNvPr id="2" name="Title 1"/>
-          <p:cNvSpPr>
-            <a:spLocks noGrp="1"/>
-          </p:cNvSpPr>
-          <p:nvPr>
-            <p:ph type="title"/>
-          </p:nvPr>
-        </p:nvSpPr>
-        <p:spPr/>
-        <p:txBody>
-          <a:bodyPr/>
-          <a:lstStyle/>
-          <a:p>
-            <a:r>
-              <a:rPr lang="en-US" sz="4000" dirty="0" smtClean="0"/>
-              <a:t>IoT – Internet of Things</a:t>
-            </a:r>
-            <a:endParaRPr lang="en-US" sz="4000" dirty="0"/>
-          </a:p>
-        </p:txBody>
-      </p:sp>
-      <p:sp>
-        <p:nvSpPr>
-          <p:cNvPr id="3" name="Content Placeholder 2"/>
-          <p:cNvSpPr>
-            <a:spLocks noGrp="1"/>
-          </p:cNvSpPr>
-          <p:nvPr>
-            <p:ph idx="1"/>
-          </p:nvPr>
-        </p:nvSpPr>
-        <p:spPr>
-          <a:xfrm>
-            <a:off x="646112" y="2052918"/>
-            <a:ext cx="9403742" cy="4660703"/>
-          </a:xfrm>
-        </p:spPr>
-        <p:txBody>
-          <a:bodyPr>
-            <a:normAutofit/>
-          </a:bodyPr>
-          <a:lstStyle/>
-          <a:p>
-            <a:pPr algn="just"/>
-            <a:r>
-              <a:rPr lang="en-US" sz="2400" dirty="0" smtClean="0">
-                <a:solidFill>
-                  <a:schemeClr val="accent3">
-                    <a:lumMod val="60000"/>
-                    <a:lumOff val="40000"/>
-                  </a:schemeClr>
-                </a:solidFill>
-              </a:rPr>
-              <a:t>Defined as </a:t>
-            </a:r>
-            <a:r>
-              <a:rPr lang="en-US" sz="2400" dirty="0" smtClean="0">
-                <a:solidFill>
-                  <a:schemeClr val="accent3">
-                    <a:lumMod val="60000"/>
-                    <a:lumOff val="40000"/>
-                  </a:schemeClr>
-                </a:solidFill>
-              </a:rPr>
-              <a:t>Network </a:t>
-            </a:r>
-            <a:r>
-              <a:rPr lang="en-US" sz="2400" dirty="0" smtClean="0">
-                <a:solidFill>
-                  <a:schemeClr val="accent3">
-                    <a:lumMod val="60000"/>
-                    <a:lumOff val="40000"/>
-                  </a:schemeClr>
-                </a:solidFill>
-              </a:rPr>
-              <a:t>of Physical Devices Embedded </a:t>
-            </a:r>
-            <a:r>
-              <a:rPr lang="en-US" sz="2400" dirty="0">
-                <a:solidFill>
-                  <a:schemeClr val="accent3">
-                    <a:lumMod val="60000"/>
-                    <a:lumOff val="40000"/>
-                  </a:schemeClr>
-                </a:solidFill>
-              </a:rPr>
-              <a:t>w</a:t>
-            </a:r>
-            <a:r>
-              <a:rPr lang="en-US" sz="2400" dirty="0" smtClean="0">
-                <a:solidFill>
-                  <a:schemeClr val="accent3">
-                    <a:lumMod val="60000"/>
-                    <a:lumOff val="40000"/>
-                  </a:schemeClr>
-                </a:solidFill>
-              </a:rPr>
-              <a:t>ith Electronics, Software, Sensors, Actuators &amp; Network </a:t>
-            </a:r>
-            <a:r>
-              <a:rPr lang="en-US" sz="2400" dirty="0" smtClean="0">
-                <a:solidFill>
-                  <a:schemeClr val="accent3">
-                    <a:lumMod val="60000"/>
-                    <a:lumOff val="40000"/>
-                  </a:schemeClr>
-                </a:solidFill>
-              </a:rPr>
-              <a:t>Connectivity.</a:t>
-            </a:r>
-            <a:endParaRPr lang="en-US" sz="2400" dirty="0" smtClean="0">
-              <a:solidFill>
-                <a:schemeClr val="accent3">
-                  <a:lumMod val="60000"/>
-                  <a:lumOff val="40000"/>
-                </a:schemeClr>
-              </a:solidFill>
-            </a:endParaRPr>
-          </a:p>
-          <a:p>
-            <a:pPr algn="just"/>
-            <a:r>
-              <a:rPr lang="en-US" sz="2400" dirty="0" smtClean="0">
-                <a:solidFill>
-                  <a:schemeClr val="accent3">
-                    <a:lumMod val="60000"/>
-                    <a:lumOff val="40000"/>
-                  </a:schemeClr>
-                </a:solidFill>
-              </a:rPr>
-              <a:t>Aim is to Collect &amp; Exchange Data + Act Accordingly </a:t>
-            </a:r>
-            <a:r>
-              <a:rPr lang="en-US" sz="2400" dirty="0">
-                <a:solidFill>
-                  <a:schemeClr val="accent3">
-                    <a:lumMod val="60000"/>
-                    <a:lumOff val="40000"/>
-                  </a:schemeClr>
-                </a:solidFill>
-              </a:rPr>
-              <a:t>as </a:t>
-            </a:r>
-            <a:r>
-              <a:rPr lang="en-US" sz="2400" dirty="0" smtClean="0">
-                <a:solidFill>
-                  <a:schemeClr val="accent3">
-                    <a:lumMod val="60000"/>
-                    <a:lumOff val="40000"/>
-                  </a:schemeClr>
-                </a:solidFill>
-              </a:rPr>
-              <a:t>Programmed.</a:t>
-            </a:r>
-          </a:p>
-          <a:p>
-            <a:pPr algn="just"/>
-            <a:r>
-              <a:rPr lang="en-US" sz="2400" dirty="0" smtClean="0">
-                <a:solidFill>
-                  <a:schemeClr val="accent3">
-                    <a:lumMod val="60000"/>
-                    <a:lumOff val="40000"/>
-                  </a:schemeClr>
-                </a:solidFill>
-              </a:rPr>
-              <a:t>Devices to be used are:</a:t>
-            </a:r>
-          </a:p>
-          <a:p>
-            <a:pPr lvl="1" algn="just"/>
-            <a:r>
-              <a:rPr lang="en-US" sz="2200" dirty="0" smtClean="0">
-                <a:solidFill>
-                  <a:schemeClr val="accent3">
-                    <a:lumMod val="60000"/>
-                    <a:lumOff val="40000"/>
-                  </a:schemeClr>
-                </a:solidFill>
-              </a:rPr>
-              <a:t>Moisture Sensor</a:t>
-            </a:r>
-          </a:p>
-          <a:p>
-            <a:pPr lvl="1" algn="just"/>
-            <a:r>
-              <a:rPr lang="en-US" sz="2200" dirty="0" smtClean="0">
-                <a:solidFill>
-                  <a:schemeClr val="accent3">
-                    <a:lumMod val="60000"/>
-                    <a:lumOff val="40000"/>
-                  </a:schemeClr>
-                </a:solidFill>
-              </a:rPr>
-              <a:t>Micro Controller (</a:t>
-            </a:r>
-            <a:r>
-              <a:rPr lang="en-US" sz="2200" dirty="0" err="1" smtClean="0">
-                <a:solidFill>
-                  <a:schemeClr val="accent3">
-                    <a:lumMod val="60000"/>
-                    <a:lumOff val="40000"/>
-                  </a:schemeClr>
-                </a:solidFill>
-              </a:rPr>
-              <a:t>Ardunio</a:t>
-            </a:r>
-            <a:r>
-              <a:rPr lang="en-US" sz="2200" dirty="0" smtClean="0">
-                <a:solidFill>
-                  <a:schemeClr val="accent3">
-                    <a:lumMod val="60000"/>
-                    <a:lumOff val="40000"/>
-                  </a:schemeClr>
-                </a:solidFill>
-              </a:rPr>
-              <a:t> etc.)</a:t>
-            </a:r>
-          </a:p>
-          <a:p>
-            <a:pPr lvl="1" algn="just"/>
-            <a:r>
-              <a:rPr lang="en-US" sz="2200" dirty="0" smtClean="0">
-                <a:solidFill>
-                  <a:schemeClr val="accent3">
-                    <a:lumMod val="60000"/>
-                    <a:lumOff val="40000"/>
-                  </a:schemeClr>
-                </a:solidFill>
-              </a:rPr>
-              <a:t>Temperature Sensor</a:t>
-            </a:r>
-          </a:p>
-          <a:p>
-            <a:pPr algn="just"/>
-            <a:endParaRPr lang="en-US" sz="2400" dirty="0" smtClean="0">
-              <a:solidFill>
-                <a:schemeClr val="accent3">
-                  <a:lumMod val="60000"/>
-                  <a:lumOff val="40000"/>
-                </a:schemeClr>
-              </a:solidFill>
-            </a:endParaRPr>
-          </a:p>
-        </p:txBody>
-      </p:sp>
-    </p:spTree>
-    <p:extLst>
-      <p:ext uri="{BB962C8B-B14F-4D97-AF65-F5344CB8AC3E}">
-        <p14:creationId xmlns:p14="http://schemas.microsoft.com/office/powerpoint/2010/main" val="516809891"/>
-      </p:ext>
-    </p:extLst>
-  </p:cSld>
-  <p:clrMapOvr>
-    <a:masterClrMapping/>
-  </p:clrMapOvr>
-  <p:timing>
-    <p:tnLst>
-      <p:par>
-        <p:cTn id="1" dur="indefinite" restart="never" nodeType="tmRoot"/>
-      </p:par>
-    </p:tnLst>
-  </p:timing>
-</p:sld>
-</file>
-
-<file path=ppt/slides/slide7.xml><?xml version="1.0" encoding="utf-8"?>
-<p:sld xmlns:a="http://schemas.openxmlformats.org/drawingml/2006/main" xmlns:r="http://schemas.openxmlformats.org/officeDocument/2006/relationships" xmlns:p="http://schemas.openxmlformats.org/presentationml/2006/main">
-  <p:cSld>
-    <p:spTree>
-      <p:nvGrpSpPr>
-        <p:cNvPr id="1" name=""/>
-        <p:cNvGrpSpPr/>
-        <p:nvPr/>
-      </p:nvGrpSpPr>
-      <p:grpSpPr>
-        <a:xfrm>
-          <a:off x="0" y="0"/>
-          <a:ext cx="0" cy="0"/>
-          <a:chOff x="0" y="0"/>
-          <a:chExt cx="0" cy="0"/>
-        </a:xfrm>
-      </p:grpSpPr>
-      <p:sp>
-        <p:nvSpPr>
-          <p:cNvPr id="2" name="Title 1"/>
-          <p:cNvSpPr>
-            <a:spLocks noGrp="1"/>
-          </p:cNvSpPr>
-          <p:nvPr>
-            <p:ph type="title"/>
-          </p:nvPr>
-        </p:nvSpPr>
-        <p:spPr/>
-        <p:txBody>
-          <a:bodyPr/>
-          <a:lstStyle/>
-          <a:p>
-            <a:r>
-              <a:rPr lang="en-US" sz="4000" dirty="0" smtClean="0"/>
-              <a:t>Big </a:t>
-            </a:r>
-            <a:r>
-              <a:rPr lang="en-US" sz="4000" dirty="0" smtClean="0"/>
-              <a:t>Data Framework Tools</a:t>
-            </a:r>
-            <a:endParaRPr lang="en-US" sz="4000" dirty="0"/>
-          </a:p>
-        </p:txBody>
-      </p:sp>
-      <p:sp>
-        <p:nvSpPr>
-          <p:cNvPr id="3" name="Content Placeholder 2"/>
-          <p:cNvSpPr>
-            <a:spLocks noGrp="1"/>
-          </p:cNvSpPr>
-          <p:nvPr>
-            <p:ph idx="1"/>
-          </p:nvPr>
-        </p:nvSpPr>
-        <p:spPr>
-          <a:xfrm>
-            <a:off x="646112" y="2052918"/>
-            <a:ext cx="9403742" cy="4195481"/>
-          </a:xfrm>
-        </p:spPr>
-        <p:txBody>
-          <a:bodyPr>
-            <a:normAutofit/>
-          </a:bodyPr>
-          <a:lstStyle/>
-          <a:p>
-            <a:pPr algn="just"/>
-            <a:r>
-              <a:rPr lang="en-US" sz="2400" dirty="0" smtClean="0">
-                <a:solidFill>
-                  <a:schemeClr val="accent3">
-                    <a:lumMod val="60000"/>
-                    <a:lumOff val="40000"/>
-                  </a:schemeClr>
-                </a:solidFill>
-              </a:rPr>
-              <a:t>Tools like Hive, R or MR will be used for Analysis.</a:t>
-            </a:r>
-          </a:p>
-          <a:p>
-            <a:pPr algn="just"/>
-            <a:r>
-              <a:rPr lang="en-US" sz="2400" dirty="0" smtClean="0">
-                <a:solidFill>
-                  <a:schemeClr val="accent3">
-                    <a:lumMod val="60000"/>
-                    <a:lumOff val="40000"/>
-                  </a:schemeClr>
-                </a:solidFill>
-              </a:rPr>
-              <a:t>Data collected from </a:t>
-            </a:r>
-            <a:r>
-              <a:rPr lang="en-US" sz="2400" dirty="0" err="1" smtClean="0">
-                <a:solidFill>
-                  <a:schemeClr val="accent3">
-                    <a:lumMod val="60000"/>
-                    <a:lumOff val="40000"/>
-                  </a:schemeClr>
-                </a:solidFill>
-              </a:rPr>
-              <a:t>IoT</a:t>
-            </a:r>
-            <a:r>
-              <a:rPr lang="en-US" sz="2400" dirty="0" smtClean="0">
-                <a:solidFill>
-                  <a:schemeClr val="accent3">
-                    <a:lumMod val="60000"/>
-                    <a:lumOff val="40000"/>
-                  </a:schemeClr>
-                </a:solidFill>
-              </a:rPr>
-              <a:t> devices will be processed.</a:t>
-            </a:r>
-          </a:p>
-          <a:p>
-            <a:pPr algn="just"/>
-            <a:r>
-              <a:rPr lang="en-US" sz="2400" dirty="0" smtClean="0">
-                <a:solidFill>
-                  <a:schemeClr val="accent3">
-                    <a:lumMod val="60000"/>
-                    <a:lumOff val="40000"/>
-                  </a:schemeClr>
-                </a:solidFill>
-              </a:rPr>
-              <a:t>Possible list of tools to be used:</a:t>
-            </a:r>
-          </a:p>
-          <a:p>
-            <a:pPr lvl="1" algn="just"/>
-            <a:r>
-              <a:rPr lang="en-US" sz="2200" dirty="0" smtClean="0">
-                <a:solidFill>
-                  <a:schemeClr val="accent3">
-                    <a:lumMod val="60000"/>
-                    <a:lumOff val="40000"/>
-                  </a:schemeClr>
-                </a:solidFill>
-              </a:rPr>
-              <a:t>Hadoop and/or Spark</a:t>
-            </a:r>
-          </a:p>
-          <a:p>
-            <a:pPr lvl="1" algn="just"/>
-            <a:r>
-              <a:rPr lang="en-US" sz="2200" dirty="0" smtClean="0">
-                <a:solidFill>
-                  <a:schemeClr val="accent3">
-                    <a:lumMod val="60000"/>
-                    <a:lumOff val="40000"/>
-                  </a:schemeClr>
-                </a:solidFill>
-              </a:rPr>
-              <a:t>Hive or Pig</a:t>
-            </a:r>
-          </a:p>
-          <a:p>
-            <a:pPr lvl="1" algn="just"/>
-            <a:r>
-              <a:rPr lang="en-US" sz="2200" dirty="0" smtClean="0">
-                <a:solidFill>
-                  <a:schemeClr val="accent3">
-                    <a:lumMod val="60000"/>
-                    <a:lumOff val="40000"/>
-                  </a:schemeClr>
-                </a:solidFill>
-              </a:rPr>
-              <a:t>MR or R programming</a:t>
-            </a:r>
-          </a:p>
-          <a:p>
-            <a:pPr lvl="1" algn="just"/>
-            <a:endParaRPr lang="en-US" sz="2200" dirty="0" smtClean="0">
-              <a:solidFill>
-                <a:schemeClr val="accent3">
-                  <a:lumMod val="60000"/>
-                  <a:lumOff val="40000"/>
-                </a:schemeClr>
-              </a:solidFill>
-            </a:endParaRPr>
-          </a:p>
-          <a:p>
-            <a:pPr algn="just"/>
-            <a:endParaRPr lang="en-US" sz="2400" dirty="0">
-              <a:solidFill>
-                <a:schemeClr val="accent3">
-                  <a:lumMod val="60000"/>
-                  <a:lumOff val="40000"/>
-                </a:schemeClr>
-              </a:solidFill>
-            </a:endParaRPr>
-          </a:p>
-        </p:txBody>
-      </p:sp>
-    </p:spTree>
-    <p:extLst>
-      <p:ext uri="{BB962C8B-B14F-4D97-AF65-F5344CB8AC3E}">
-        <p14:creationId xmlns:p14="http://schemas.microsoft.com/office/powerpoint/2010/main" val="450791776"/>
-      </p:ext>
-    </p:extLst>
-  </p:cSld>
-  <p:clrMapOvr>
-    <a:masterClrMapping/>
-  </p:clrMapOvr>
-  <p:timing>
-    <p:tnLst>
-      <p:par>
-        <p:cTn id="1" dur="indefinite" restart="never" nodeType="tmRoot"/>
-      </p:par>
-    </p:tnLst>
-  </p:timing>
-</p:sld>
-</file>
-
-<file path=ppt/slides/slide8.xml><?xml version="1.0" encoding="utf-8"?>
-<p:sld xmlns:a="http://schemas.openxmlformats.org/drawingml/2006/main" xmlns:r="http://schemas.openxmlformats.org/officeDocument/2006/relationships" xmlns:p="http://schemas.openxmlformats.org/presentationml/2006/main">
-  <p:cSld>
-    <p:spTree>
-      <p:nvGrpSpPr>
-        <p:cNvPr id="1" name=""/>
-        <p:cNvGrpSpPr/>
-        <p:nvPr/>
-      </p:nvGrpSpPr>
-      <p:grpSpPr>
-        <a:xfrm>
-          <a:off x="0" y="0"/>
-          <a:ext cx="0" cy="0"/>
-          <a:chOff x="0" y="0"/>
-          <a:chExt cx="0" cy="0"/>
-        </a:xfrm>
-      </p:grpSpPr>
-      <p:sp>
-        <p:nvSpPr>
-          <p:cNvPr id="2" name="Title 1"/>
-          <p:cNvSpPr>
-            <a:spLocks noGrp="1"/>
-          </p:cNvSpPr>
-          <p:nvPr>
-            <p:ph type="title"/>
-          </p:nvPr>
-        </p:nvSpPr>
-        <p:spPr/>
-        <p:txBody>
-          <a:bodyPr/>
-          <a:lstStyle/>
-          <a:p>
-            <a:r>
-              <a:rPr lang="en-US" sz="4000" dirty="0" smtClean="0"/>
-              <a:t>Android App And Web Development</a:t>
-            </a:r>
-            <a:endParaRPr lang="en-US" sz="4000" dirty="0"/>
-          </a:p>
-        </p:txBody>
-      </p:sp>
-      <p:sp>
-        <p:nvSpPr>
-          <p:cNvPr id="5" name="Content Placeholder 2"/>
-          <p:cNvSpPr>
-            <a:spLocks noGrp="1"/>
-          </p:cNvSpPr>
-          <p:nvPr>
-            <p:ph idx="1"/>
-          </p:nvPr>
-        </p:nvSpPr>
-        <p:spPr>
-          <a:xfrm>
-            <a:off x="646112" y="2052918"/>
-            <a:ext cx="9403742" cy="4195481"/>
-          </a:xfrm>
-        </p:spPr>
-        <p:txBody>
-          <a:bodyPr>
-            <a:normAutofit/>
-          </a:bodyPr>
-          <a:lstStyle/>
-          <a:p>
-            <a:pPr algn="just"/>
-            <a:r>
-              <a:rPr lang="en-US" sz="2400" dirty="0" smtClean="0">
-                <a:solidFill>
-                  <a:schemeClr val="accent3">
-                    <a:lumMod val="60000"/>
-                    <a:lumOff val="40000"/>
-                  </a:schemeClr>
-                </a:solidFill>
-              </a:rPr>
-              <a:t>Android App will be one of the 2 user interfaces.</a:t>
-            </a:r>
-          </a:p>
-          <a:p>
-            <a:pPr algn="just"/>
-            <a:r>
-              <a:rPr lang="en-US" sz="2400" dirty="0" smtClean="0">
-                <a:solidFill>
-                  <a:schemeClr val="accent3">
-                    <a:lumMod val="60000"/>
-                    <a:lumOff val="40000"/>
-                  </a:schemeClr>
-                </a:solidFill>
-              </a:rPr>
-              <a:t>Will be used by Framers.</a:t>
-            </a:r>
-          </a:p>
-          <a:p>
-            <a:pPr algn="just"/>
-            <a:r>
-              <a:rPr lang="en-US" sz="2400" dirty="0" smtClean="0">
-                <a:solidFill>
-                  <a:schemeClr val="accent3">
-                    <a:lumMod val="60000"/>
-                    <a:lumOff val="40000"/>
-                  </a:schemeClr>
-                </a:solidFill>
-              </a:rPr>
-              <a:t>While a website will be the other user interface, for reporting of analysis results.</a:t>
-            </a:r>
-          </a:p>
-          <a:p>
-            <a:pPr algn="just"/>
-            <a:r>
-              <a:rPr lang="en-US" sz="2400" dirty="0" smtClean="0">
-                <a:solidFill>
-                  <a:schemeClr val="accent3">
-                    <a:lumMod val="60000"/>
-                    <a:lumOff val="40000"/>
-                  </a:schemeClr>
-                </a:solidFill>
-              </a:rPr>
-              <a:t>Technology used for website will be:</a:t>
-            </a:r>
-          </a:p>
-          <a:p>
-            <a:pPr lvl="1" algn="just"/>
-            <a:r>
-              <a:rPr lang="en-US" sz="2200" dirty="0" smtClean="0">
-                <a:solidFill>
-                  <a:schemeClr val="accent3">
-                    <a:lumMod val="60000"/>
-                    <a:lumOff val="40000"/>
-                  </a:schemeClr>
-                </a:solidFill>
-              </a:rPr>
-              <a:t>HTML &amp; CSS</a:t>
-            </a:r>
-          </a:p>
-          <a:p>
-            <a:pPr lvl="1" algn="just"/>
-            <a:r>
-              <a:rPr lang="en-US" sz="2200" dirty="0" smtClean="0">
-                <a:solidFill>
-                  <a:schemeClr val="accent3">
-                    <a:lumMod val="60000"/>
-                    <a:lumOff val="40000"/>
-                  </a:schemeClr>
-                </a:solidFill>
-              </a:rPr>
-              <a:t>JS ( and D3.js)</a:t>
-            </a:r>
-            <a:endParaRPr lang="en-US" sz="2200" dirty="0" smtClean="0">
-              <a:solidFill>
-                <a:schemeClr val="accent3">
-                  <a:lumMod val="60000"/>
-                  <a:lumOff val="40000"/>
-                </a:schemeClr>
-              </a:solidFill>
-            </a:endParaRPr>
-          </a:p>
-          <a:p>
-            <a:pPr lvl="1" algn="just"/>
-            <a:endParaRPr lang="en-US" sz="2200" dirty="0" smtClean="0">
-              <a:solidFill>
-                <a:schemeClr val="accent3">
-                  <a:lumMod val="60000"/>
-                  <a:lumOff val="40000"/>
-                </a:schemeClr>
-              </a:solidFill>
-            </a:endParaRPr>
-          </a:p>
-          <a:p>
-            <a:pPr algn="just"/>
-            <a:endParaRPr lang="en-US" sz="2400" dirty="0" smtClean="0">
-              <a:solidFill>
-                <a:schemeClr val="accent3">
-                  <a:lumMod val="60000"/>
-                  <a:lumOff val="40000"/>
-                </a:schemeClr>
-              </a:solidFill>
-            </a:endParaRPr>
-          </a:p>
-        </p:txBody>
-      </p:sp>
-    </p:spTree>
-    <p:extLst>
-      <p:ext uri="{BB962C8B-B14F-4D97-AF65-F5344CB8AC3E}">
-        <p14:creationId xmlns:p14="http://schemas.microsoft.com/office/powerpoint/2010/main" val="4038165438"/>
-      </p:ext>
-    </p:extLst>
-  </p:cSld>
-  <p:clrMapOvr>
-    <a:masterClrMapping/>
-  </p:clrMapOvr>
-  <p:timing>
-    <p:tnLst>
-      <p:par>
-        <p:cTn id="1" dur="indefinite" restart="never" nodeType="tmRoot"/>
-      </p:par>
-    </p:tnLst>
-  </p:timing>
-</p:sld>
-</file>
-
-<file path=ppt/slides/slide9.xml><?xml version="1.0" encoding="utf-8"?>
-<p:sld xmlns:a="http://schemas.openxmlformats.org/drawingml/2006/main" xmlns:r="http://schemas.openxmlformats.org/officeDocument/2006/relationships" xmlns:p="http://schemas.openxmlformats.org/presentationml/2006/main">
-  <p:cSld>
-    <p:spTree>
-      <p:nvGrpSpPr>
-        <p:cNvPr id="1" name=""/>
-        <p:cNvGrpSpPr/>
-        <p:nvPr/>
-      </p:nvGrpSpPr>
-      <p:grpSpPr>
-        <a:xfrm>
-          <a:off x="0" y="0"/>
-          <a:ext cx="0" cy="0"/>
-          <a:chOff x="0" y="0"/>
-          <a:chExt cx="0" cy="0"/>
-        </a:xfrm>
-      </p:grpSpPr>
-      <p:sp>
-        <p:nvSpPr>
-          <p:cNvPr id="2" name="Title 1"/>
-          <p:cNvSpPr>
-            <a:spLocks noGrp="1"/>
-          </p:cNvSpPr>
-          <p:nvPr>
-            <p:ph type="title"/>
-          </p:nvPr>
-        </p:nvSpPr>
-        <p:spPr/>
-        <p:txBody>
-          <a:bodyPr/>
-          <a:lstStyle/>
-          <a:p>
-            <a:r>
-              <a:rPr lang="en-US" sz="4000" dirty="0" smtClean="0"/>
-              <a:t>Project Modules</a:t>
-            </a:r>
-            <a:endParaRPr lang="en-US" sz="4000" dirty="0"/>
-          </a:p>
-        </p:txBody>
-      </p:sp>
-      <p:sp>
-        <p:nvSpPr>
-          <p:cNvPr id="3" name="Content Placeholder 2"/>
-          <p:cNvSpPr>
-            <a:spLocks noGrp="1"/>
-          </p:cNvSpPr>
-          <p:nvPr>
-            <p:ph idx="1"/>
-          </p:nvPr>
-        </p:nvSpPr>
-        <p:spPr>
-          <a:xfrm>
-            <a:off x="742365" y="1583112"/>
-            <a:ext cx="11187038" cy="5084974"/>
-          </a:xfrm>
-        </p:spPr>
-        <p:txBody>
-          <a:bodyPr>
-            <a:normAutofit/>
-          </a:bodyPr>
-          <a:lstStyle/>
-          <a:p>
-            <a:r>
-              <a:rPr lang="en-US" sz="2800" dirty="0" smtClean="0">
-                <a:solidFill>
-                  <a:schemeClr val="accent3">
-                    <a:lumMod val="60000"/>
-                    <a:lumOff val="40000"/>
-                  </a:schemeClr>
-                </a:solidFill>
-              </a:rPr>
-              <a:t>Automatic Irrigation</a:t>
-            </a:r>
-          </a:p>
-          <a:p>
-            <a:r>
-              <a:rPr lang="en-US" sz="2800" dirty="0">
-                <a:solidFill>
-                  <a:schemeClr val="accent3">
-                    <a:lumMod val="60000"/>
-                    <a:lumOff val="40000"/>
-                  </a:schemeClr>
-                </a:solidFill>
-              </a:rPr>
-              <a:t>Data Analysis &amp; Prediction</a:t>
-            </a:r>
-            <a:endParaRPr lang="en-US" sz="2800" dirty="0" smtClean="0">
-              <a:solidFill>
-                <a:schemeClr val="accent3">
-                  <a:lumMod val="60000"/>
-                  <a:lumOff val="40000"/>
-                </a:schemeClr>
-              </a:solidFill>
-            </a:endParaRPr>
-          </a:p>
-          <a:p>
-            <a:r>
-              <a:rPr lang="en-US" sz="2800" dirty="0" smtClean="0">
-                <a:solidFill>
-                  <a:schemeClr val="accent3">
-                    <a:lumMod val="60000"/>
-                    <a:lumOff val="40000"/>
-                  </a:schemeClr>
-                </a:solidFill>
-              </a:rPr>
-              <a:t>Warehouse Maintenance  </a:t>
-            </a:r>
-            <a:endParaRPr lang="en-US" sz="2800" dirty="0">
-              <a:solidFill>
-                <a:schemeClr val="accent3">
-                  <a:lumMod val="60000"/>
-                  <a:lumOff val="40000"/>
-                </a:schemeClr>
-              </a:solidFill>
-            </a:endParaRPr>
-          </a:p>
-          <a:p>
-            <a:r>
-              <a:rPr lang="en-US" sz="2800" dirty="0" smtClean="0">
-                <a:solidFill>
-                  <a:schemeClr val="accent3">
-                    <a:lumMod val="60000"/>
-                    <a:lumOff val="40000"/>
-                  </a:schemeClr>
-                </a:solidFill>
-              </a:rPr>
-              <a:t>Android Application</a:t>
-            </a:r>
-          </a:p>
-          <a:p>
-            <a:r>
-              <a:rPr lang="en-US" sz="2800" dirty="0" smtClean="0">
-                <a:solidFill>
-                  <a:schemeClr val="accent3">
-                    <a:lumMod val="60000"/>
-                    <a:lumOff val="40000"/>
-                  </a:schemeClr>
-                </a:solidFill>
-              </a:rPr>
-              <a:t>Website</a:t>
-            </a:r>
-            <a:endParaRPr lang="en-US" sz="2800" dirty="0">
-              <a:solidFill>
-                <a:schemeClr val="accent3">
-                  <a:lumMod val="60000"/>
-                  <a:lumOff val="40000"/>
-                </a:schemeClr>
-              </a:solidFill>
-            </a:endParaRPr>
-          </a:p>
-        </p:txBody>
-      </p:sp>
-    </p:spTree>
-    <p:extLst>
-      <p:ext uri="{BB962C8B-B14F-4D97-AF65-F5344CB8AC3E}">
-        <p14:creationId xmlns:p14="http://schemas.microsoft.com/office/powerpoint/2010/main" val="1365526054"/>
+        <p14:creationId xmlns:p14="http://schemas.microsoft.com/office/powerpoint/2010/main" val="4108612414"/>
       </p:ext>
     </p:extLst>
   </p:cSld>
